--- a/docs/Отчёты/ВКР/Новицкий_МПИ-20-4-2_ВКР_Презентация.pptx
+++ b/docs/Отчёты/ВКР/Новицкий_МПИ-20-4-2_ВКР_Презентация.pptx
@@ -1,12 +1,17 @@
 
 <file path=ppt/presentation.xml><?xml version="1.0" encoding="utf-8"?>
-<p:presentation xmlns:a="http://schemas.openxmlformats.org/drawingml/2006/main" xmlns:r="http://schemas.openxmlformats.org/officeDocument/2006/relationships" xmlns:p="http://schemas.openxmlformats.org/presentationml/2006/main" saveSubsetFonts="1">
+<p:presentation xmlns:a="http://schemas.openxmlformats.org/drawingml/2006/main" xmlns:r="http://schemas.openxmlformats.org/officeDocument/2006/relationships" xmlns:p="http://schemas.openxmlformats.org/presentationml/2006/main" showSpecialPlsOnTitleSld="0" saveSubsetFonts="1">
   <p:sldMasterIdLst>
     <p:sldMasterId id="2147483660" r:id="rId1"/>
   </p:sldMasterIdLst>
+  <p:notesMasterIdLst>
+    <p:notesMasterId r:id="rId6"/>
+  </p:notesMasterIdLst>
   <p:sldIdLst>
     <p:sldId id="257" r:id="rId2"/>
-    <p:sldId id="258" r:id="rId3"/>
+    <p:sldId id="259" r:id="rId3"/>
+    <p:sldId id="260" r:id="rId4"/>
+    <p:sldId id="261" r:id="rId5"/>
   </p:sldIdLst>
   <p:sldSz cx="12192000" cy="6858000"/>
   <p:notesSz cx="6858000" cy="9144000"/>
@@ -105,7 +110,361 @@
       </a:defRPr>
     </a:lvl9pPr>
   </p:defaultTextStyle>
+  <p:extLst>
+    <p:ext uri="{EFAFB233-063F-42B5-8137-9DF3F51BA10A}">
+      <p15:sldGuideLst xmlns:p15="http://schemas.microsoft.com/office/powerpoint/2012/main"/>
+    </p:ext>
+  </p:extLst>
 </p:presentation>
+</file>
+
+<file path=ppt/notesMasters/notesMaster1.xml><?xml version="1.0" encoding="utf-8"?>
+<p:notesMaster xmlns:a="http://schemas.openxmlformats.org/drawingml/2006/main" xmlns:r="http://schemas.openxmlformats.org/officeDocument/2006/relationships" xmlns:p="http://schemas.openxmlformats.org/presentationml/2006/main">
+  <p:cSld>
+    <p:bg>
+      <p:bgRef idx="1001">
+        <a:schemeClr val="bg1"/>
+      </p:bgRef>
+    </p:bg>
+    <p:spTree>
+      <p:nvGrpSpPr>
+        <p:cNvPr id="1" name=""/>
+        <p:cNvGrpSpPr/>
+        <p:nvPr/>
+      </p:nvGrpSpPr>
+      <p:grpSpPr>
+        <a:xfrm>
+          <a:off x="0" y="0"/>
+          <a:ext cx="0" cy="0"/>
+          <a:chOff x="0" y="0"/>
+          <a:chExt cx="0" cy="0"/>
+        </a:xfrm>
+      </p:grpSpPr>
+      <p:sp>
+        <p:nvSpPr>
+          <p:cNvPr id="2" name="Верхний колонтитул 1"/>
+          <p:cNvSpPr>
+            <a:spLocks noGrp="1"/>
+          </p:cNvSpPr>
+          <p:nvPr>
+            <p:ph type="hdr" sz="quarter"/>
+          </p:nvPr>
+        </p:nvSpPr>
+        <p:spPr>
+          <a:xfrm>
+            <a:off x="0" y="0"/>
+            <a:ext cx="2971800" cy="458788"/>
+          </a:xfrm>
+          <a:prstGeom prst="rect">
+            <a:avLst/>
+          </a:prstGeom>
+        </p:spPr>
+        <p:txBody>
+          <a:bodyPr vert="horz" lIns="91440" tIns="45720" rIns="91440" bIns="45720" rtlCol="0"/>
+          <a:lstStyle>
+            <a:lvl1pPr algn="l">
+              <a:defRPr sz="1200"/>
+            </a:lvl1pPr>
+          </a:lstStyle>
+          <a:p>
+            <a:endParaRPr lang="ru-RU"/>
+          </a:p>
+        </p:txBody>
+      </p:sp>
+      <p:sp>
+        <p:nvSpPr>
+          <p:cNvPr id="3" name="Дата 2"/>
+          <p:cNvSpPr>
+            <a:spLocks noGrp="1"/>
+          </p:cNvSpPr>
+          <p:nvPr>
+            <p:ph type="dt" idx="1"/>
+          </p:nvPr>
+        </p:nvSpPr>
+        <p:spPr>
+          <a:xfrm>
+            <a:off x="3884613" y="0"/>
+            <a:ext cx="2971800" cy="458788"/>
+          </a:xfrm>
+          <a:prstGeom prst="rect">
+            <a:avLst/>
+          </a:prstGeom>
+        </p:spPr>
+        <p:txBody>
+          <a:bodyPr vert="horz" lIns="91440" tIns="45720" rIns="91440" bIns="45720" rtlCol="0"/>
+          <a:lstStyle>
+            <a:lvl1pPr algn="r">
+              <a:defRPr sz="1200"/>
+            </a:lvl1pPr>
+          </a:lstStyle>
+          <a:p>
+            <a:fld id="{EB2292DA-A5DC-4A6B-B473-4124E755370F}" type="datetimeFigureOut">
+              <a:rPr lang="ru-RU" smtClean="0"/>
+              <a:t>02.05.2022</a:t>
+            </a:fld>
+            <a:endParaRPr lang="ru-RU"/>
+          </a:p>
+        </p:txBody>
+      </p:sp>
+      <p:sp>
+        <p:nvSpPr>
+          <p:cNvPr id="4" name="Образ слайда 3"/>
+          <p:cNvSpPr>
+            <a:spLocks noGrp="1" noRot="1" noChangeAspect="1"/>
+          </p:cNvSpPr>
+          <p:nvPr>
+            <p:ph type="sldImg" idx="2"/>
+          </p:nvPr>
+        </p:nvSpPr>
+        <p:spPr>
+          <a:xfrm>
+            <a:off x="685800" y="1143000"/>
+            <a:ext cx="5486400" cy="3086100"/>
+          </a:xfrm>
+          <a:prstGeom prst="rect">
+            <a:avLst/>
+          </a:prstGeom>
+          <a:noFill/>
+          <a:ln w="12700">
+            <a:solidFill>
+              <a:prstClr val="black"/>
+            </a:solidFill>
+          </a:ln>
+        </p:spPr>
+        <p:txBody>
+          <a:bodyPr vert="horz" lIns="91440" tIns="45720" rIns="91440" bIns="45720" rtlCol="0" anchor="ctr"/>
+          <a:lstStyle/>
+          <a:p>
+            <a:endParaRPr lang="ru-RU"/>
+          </a:p>
+        </p:txBody>
+      </p:sp>
+      <p:sp>
+        <p:nvSpPr>
+          <p:cNvPr id="5" name="Заметки 4"/>
+          <p:cNvSpPr>
+            <a:spLocks noGrp="1"/>
+          </p:cNvSpPr>
+          <p:nvPr>
+            <p:ph type="body" sz="quarter" idx="3"/>
+          </p:nvPr>
+        </p:nvSpPr>
+        <p:spPr>
+          <a:xfrm>
+            <a:off x="685800" y="4400550"/>
+            <a:ext cx="5486400" cy="3600450"/>
+          </a:xfrm>
+          <a:prstGeom prst="rect">
+            <a:avLst/>
+          </a:prstGeom>
+        </p:spPr>
+        <p:txBody>
+          <a:bodyPr vert="horz" lIns="91440" tIns="45720" rIns="91440" bIns="45720" rtlCol="0"/>
+          <a:lstStyle/>
+          <a:p>
+            <a:pPr lvl="0"/>
+            <a:r>
+              <a:rPr lang="ru-RU"/>
+              <a:t>Образец текста</a:t>
+            </a:r>
+          </a:p>
+          <a:p>
+            <a:pPr lvl="1"/>
+            <a:r>
+              <a:rPr lang="ru-RU"/>
+              <a:t>Второй уровень</a:t>
+            </a:r>
+          </a:p>
+          <a:p>
+            <a:pPr lvl="2"/>
+            <a:r>
+              <a:rPr lang="ru-RU"/>
+              <a:t>Третий уровень</a:t>
+            </a:r>
+          </a:p>
+          <a:p>
+            <a:pPr lvl="3"/>
+            <a:r>
+              <a:rPr lang="ru-RU"/>
+              <a:t>Четвертый уровень</a:t>
+            </a:r>
+          </a:p>
+          <a:p>
+            <a:pPr lvl="4"/>
+            <a:r>
+              <a:rPr lang="ru-RU"/>
+              <a:t>Пятый уровень</a:t>
+            </a:r>
+          </a:p>
+        </p:txBody>
+      </p:sp>
+      <p:sp>
+        <p:nvSpPr>
+          <p:cNvPr id="6" name="Нижний колонтитул 5"/>
+          <p:cNvSpPr>
+            <a:spLocks noGrp="1"/>
+          </p:cNvSpPr>
+          <p:nvPr>
+            <p:ph type="ftr" sz="quarter" idx="4"/>
+          </p:nvPr>
+        </p:nvSpPr>
+        <p:spPr>
+          <a:xfrm>
+            <a:off x="0" y="8685213"/>
+            <a:ext cx="2971800" cy="458787"/>
+          </a:xfrm>
+          <a:prstGeom prst="rect">
+            <a:avLst/>
+          </a:prstGeom>
+        </p:spPr>
+        <p:txBody>
+          <a:bodyPr vert="horz" lIns="91440" tIns="45720" rIns="91440" bIns="45720" rtlCol="0" anchor="b"/>
+          <a:lstStyle>
+            <a:lvl1pPr algn="l">
+              <a:defRPr sz="1200"/>
+            </a:lvl1pPr>
+          </a:lstStyle>
+          <a:p>
+            <a:endParaRPr lang="ru-RU"/>
+          </a:p>
+        </p:txBody>
+      </p:sp>
+      <p:sp>
+        <p:nvSpPr>
+          <p:cNvPr id="7" name="Номер слайда 6"/>
+          <p:cNvSpPr>
+            <a:spLocks noGrp="1"/>
+          </p:cNvSpPr>
+          <p:nvPr>
+            <p:ph type="sldNum" sz="quarter" idx="5"/>
+          </p:nvPr>
+        </p:nvSpPr>
+        <p:spPr>
+          <a:xfrm>
+            <a:off x="3884613" y="8685213"/>
+            <a:ext cx="2971800" cy="458787"/>
+          </a:xfrm>
+          <a:prstGeom prst="rect">
+            <a:avLst/>
+          </a:prstGeom>
+        </p:spPr>
+        <p:txBody>
+          <a:bodyPr vert="horz" lIns="91440" tIns="45720" rIns="91440" bIns="45720" rtlCol="0" anchor="b"/>
+          <a:lstStyle>
+            <a:lvl1pPr algn="r">
+              <a:defRPr sz="1200"/>
+            </a:lvl1pPr>
+          </a:lstStyle>
+          <a:p>
+            <a:fld id="{7CFF88D6-8783-4152-8173-35ABD4774ECD}" type="slidenum">
+              <a:rPr lang="ru-RU" smtClean="0"/>
+              <a:t>‹#›</a:t>
+            </a:fld>
+            <a:endParaRPr lang="ru-RU"/>
+          </a:p>
+        </p:txBody>
+      </p:sp>
+    </p:spTree>
+    <p:extLst>
+      <p:ext uri="{BB962C8B-B14F-4D97-AF65-F5344CB8AC3E}">
+        <p14:creationId xmlns:p14="http://schemas.microsoft.com/office/powerpoint/2010/main" val="2018997075"/>
+      </p:ext>
+    </p:extLst>
+  </p:cSld>
+  <p:clrMap bg1="lt1" tx1="dk1" bg2="lt2" tx2="dk2" accent1="accent1" accent2="accent2" accent3="accent3" accent4="accent4" accent5="accent5" accent6="accent6" hlink="hlink" folHlink="folHlink"/>
+  <p:notesStyle>
+    <a:lvl1pPr marL="0" algn="l" defTabSz="914400" rtl="0" eaLnBrk="1" latinLnBrk="0" hangingPunct="1">
+      <a:defRPr sz="1200" kern="1200">
+        <a:solidFill>
+          <a:schemeClr val="tx1"/>
+        </a:solidFill>
+        <a:latin typeface="+mn-lt"/>
+        <a:ea typeface="+mn-ea"/>
+        <a:cs typeface="+mn-cs"/>
+      </a:defRPr>
+    </a:lvl1pPr>
+    <a:lvl2pPr marL="457200" algn="l" defTabSz="914400" rtl="0" eaLnBrk="1" latinLnBrk="0" hangingPunct="1">
+      <a:defRPr sz="1200" kern="1200">
+        <a:solidFill>
+          <a:schemeClr val="tx1"/>
+        </a:solidFill>
+        <a:latin typeface="+mn-lt"/>
+        <a:ea typeface="+mn-ea"/>
+        <a:cs typeface="+mn-cs"/>
+      </a:defRPr>
+    </a:lvl2pPr>
+    <a:lvl3pPr marL="914400" algn="l" defTabSz="914400" rtl="0" eaLnBrk="1" latinLnBrk="0" hangingPunct="1">
+      <a:defRPr sz="1200" kern="1200">
+        <a:solidFill>
+          <a:schemeClr val="tx1"/>
+        </a:solidFill>
+        <a:latin typeface="+mn-lt"/>
+        <a:ea typeface="+mn-ea"/>
+        <a:cs typeface="+mn-cs"/>
+      </a:defRPr>
+    </a:lvl3pPr>
+    <a:lvl4pPr marL="1371600" algn="l" defTabSz="914400" rtl="0" eaLnBrk="1" latinLnBrk="0" hangingPunct="1">
+      <a:defRPr sz="1200" kern="1200">
+        <a:solidFill>
+          <a:schemeClr val="tx1"/>
+        </a:solidFill>
+        <a:latin typeface="+mn-lt"/>
+        <a:ea typeface="+mn-ea"/>
+        <a:cs typeface="+mn-cs"/>
+      </a:defRPr>
+    </a:lvl4pPr>
+    <a:lvl5pPr marL="1828800" algn="l" defTabSz="914400" rtl="0" eaLnBrk="1" latinLnBrk="0" hangingPunct="1">
+      <a:defRPr sz="1200" kern="1200">
+        <a:solidFill>
+          <a:schemeClr val="tx1"/>
+        </a:solidFill>
+        <a:latin typeface="+mn-lt"/>
+        <a:ea typeface="+mn-ea"/>
+        <a:cs typeface="+mn-cs"/>
+      </a:defRPr>
+    </a:lvl5pPr>
+    <a:lvl6pPr marL="2286000" algn="l" defTabSz="914400" rtl="0" eaLnBrk="1" latinLnBrk="0" hangingPunct="1">
+      <a:defRPr sz="1200" kern="1200">
+        <a:solidFill>
+          <a:schemeClr val="tx1"/>
+        </a:solidFill>
+        <a:latin typeface="+mn-lt"/>
+        <a:ea typeface="+mn-ea"/>
+        <a:cs typeface="+mn-cs"/>
+      </a:defRPr>
+    </a:lvl6pPr>
+    <a:lvl7pPr marL="2743200" algn="l" defTabSz="914400" rtl="0" eaLnBrk="1" latinLnBrk="0" hangingPunct="1">
+      <a:defRPr sz="1200" kern="1200">
+        <a:solidFill>
+          <a:schemeClr val="tx1"/>
+        </a:solidFill>
+        <a:latin typeface="+mn-lt"/>
+        <a:ea typeface="+mn-ea"/>
+        <a:cs typeface="+mn-cs"/>
+      </a:defRPr>
+    </a:lvl7pPr>
+    <a:lvl8pPr marL="3200400" algn="l" defTabSz="914400" rtl="0" eaLnBrk="1" latinLnBrk="0" hangingPunct="1">
+      <a:defRPr sz="1200" kern="1200">
+        <a:solidFill>
+          <a:schemeClr val="tx1"/>
+        </a:solidFill>
+        <a:latin typeface="+mn-lt"/>
+        <a:ea typeface="+mn-ea"/>
+        <a:cs typeface="+mn-cs"/>
+      </a:defRPr>
+    </a:lvl8pPr>
+    <a:lvl9pPr marL="3657600" algn="l" defTabSz="914400" rtl="0" eaLnBrk="1" latinLnBrk="0" hangingPunct="1">
+      <a:defRPr sz="1200" kern="1200">
+        <a:solidFill>
+          <a:schemeClr val="tx1"/>
+        </a:solidFill>
+        <a:latin typeface="+mn-lt"/>
+        <a:ea typeface="+mn-ea"/>
+        <a:cs typeface="+mn-cs"/>
+      </a:defRPr>
+    </a:lvl9pPr>
+  </p:notesStyle>
+</p:notesMaster>
 </file>
 
 <file path=ppt/slideLayouts/slideLayout1.xml><?xml version="1.0" encoding="utf-8"?>
@@ -294,9 +653,9 @@
           <a:bodyPr/>
           <a:lstStyle/>
           <a:p>
-            <a:fld id="{00552703-89ED-46F6-8EBA-25FE18FBB028}" type="datetimeFigureOut">
+            <a:fld id="{29AB5FF2-613C-4C49-BD3F-0966F3A55103}" type="datetime1">
               <a:rPr lang="ru-RU" smtClean="0"/>
-              <a:t>01.05.2022</a:t>
+              <a:t>02.05.2022</a:t>
             </a:fld>
             <a:endParaRPr lang="ru-RU"/>
           </a:p>
@@ -441,6 +800,9 @@
   <p:clrMapOvr>
     <a:masterClrMapping/>
   </p:clrMapOvr>
+  <p:transition spd="slow">
+    <p:wipe/>
+  </p:transition>
 </p:sldLayout>
 </file>
 
@@ -632,9 +994,9 @@
           <a:bodyPr/>
           <a:lstStyle/>
           <a:p>
-            <a:fld id="{00552703-89ED-46F6-8EBA-25FE18FBB028}" type="datetimeFigureOut">
+            <a:fld id="{8C20DD74-5CB2-4715-88F8-AAAB60E50E2D}" type="datetime1">
               <a:rPr lang="ru-RU" smtClean="0"/>
-              <a:t>01.05.2022</a:t>
+              <a:t>02.05.2022</a:t>
             </a:fld>
             <a:endParaRPr lang="ru-RU"/>
           </a:p>
@@ -779,6 +1141,9 @@
   <p:clrMapOvr>
     <a:masterClrMapping/>
   </p:clrMapOvr>
+  <p:transition spd="slow">
+    <p:wipe/>
+  </p:transition>
 </p:sldLayout>
 </file>
 
@@ -1033,9 +1398,9 @@
           <a:bodyPr/>
           <a:lstStyle/>
           <a:p>
-            <a:fld id="{00552703-89ED-46F6-8EBA-25FE18FBB028}" type="datetimeFigureOut">
+            <a:fld id="{FE53B000-86B6-41B5-A68A-3682845FC351}" type="datetime1">
               <a:rPr lang="ru-RU" smtClean="0"/>
-              <a:t>01.05.2022</a:t>
+              <a:t>02.05.2022</a:t>
             </a:fld>
             <a:endParaRPr lang="ru-RU"/>
           </a:p>
@@ -1256,6 +1621,9 @@
   <p:clrMapOvr>
     <a:masterClrMapping/>
   </p:clrMapOvr>
+  <p:transition spd="slow">
+    <p:wipe/>
+  </p:transition>
 </p:sldLayout>
 </file>
 
@@ -1369,9 +1737,9 @@
           <a:bodyPr/>
           <a:lstStyle/>
           <a:p>
-            <a:fld id="{00552703-89ED-46F6-8EBA-25FE18FBB028}" type="datetimeFigureOut">
+            <a:fld id="{A73F0FAE-033D-4D04-9DA6-C2A8A5248C22}" type="datetime1">
               <a:rPr lang="ru-RU" smtClean="0"/>
-              <a:t>01.05.2022</a:t>
+              <a:t>02.05.2022</a:t>
             </a:fld>
             <a:endParaRPr lang="ru-RU"/>
           </a:p>
@@ -1516,6 +1884,9 @@
   <p:clrMapOvr>
     <a:masterClrMapping/>
   </p:clrMapOvr>
+  <p:transition spd="slow">
+    <p:wipe/>
+  </p:transition>
 </p:sldLayout>
 </file>
 
@@ -1689,9 +2060,9 @@
           <a:bodyPr/>
           <a:lstStyle/>
           <a:p>
-            <a:fld id="{00552703-89ED-46F6-8EBA-25FE18FBB028}" type="datetimeFigureOut">
+            <a:fld id="{CC7FEA15-723F-4FA1-A2E4-F06C35220F73}" type="datetime1">
               <a:rPr lang="ru-RU" smtClean="0"/>
-              <a:t>01.05.2022</a:t>
+              <a:t>02.05.2022</a:t>
             </a:fld>
             <a:endParaRPr lang="ru-RU"/>
           </a:p>
@@ -1912,6 +2283,9 @@
   <p:clrMapOvr>
     <a:masterClrMapping/>
   </p:clrMapOvr>
+  <p:transition spd="slow">
+    <p:wipe/>
+  </p:transition>
 </p:sldLayout>
 </file>
 
@@ -2085,9 +2459,9 @@
           <a:bodyPr/>
           <a:lstStyle/>
           <a:p>
-            <a:fld id="{00552703-89ED-46F6-8EBA-25FE18FBB028}" type="datetimeFigureOut">
+            <a:fld id="{5F067648-43FA-4D64-B22F-0D33436FF1DD}" type="datetime1">
               <a:rPr lang="ru-RU" smtClean="0"/>
-              <a:t>01.05.2022</a:t>
+              <a:t>02.05.2022</a:t>
             </a:fld>
             <a:endParaRPr lang="ru-RU"/>
           </a:p>
@@ -2232,6 +2606,9 @@
   <p:clrMapOvr>
     <a:masterClrMapping/>
   </p:clrMapOvr>
+  <p:transition spd="slow">
+    <p:wipe/>
+  </p:transition>
 </p:sldLayout>
 </file>
 
@@ -2342,9 +2719,9 @@
           <a:bodyPr/>
           <a:lstStyle/>
           <a:p>
-            <a:fld id="{00552703-89ED-46F6-8EBA-25FE18FBB028}" type="datetimeFigureOut">
+            <a:fld id="{E095936B-5FA3-422A-82E4-585B5509F7AB}" type="datetime1">
               <a:rPr lang="ru-RU" smtClean="0"/>
-              <a:t>01.05.2022</a:t>
+              <a:t>02.05.2022</a:t>
             </a:fld>
             <a:endParaRPr lang="ru-RU"/>
           </a:p>
@@ -2484,6 +2861,9 @@
   <p:clrMapOvr>
     <a:masterClrMapping/>
   </p:clrMapOvr>
+  <p:transition spd="slow">
+    <p:wipe/>
+  </p:transition>
 </p:sldLayout>
 </file>
 
@@ -2604,9 +2984,9 @@
           <a:bodyPr/>
           <a:lstStyle/>
           <a:p>
-            <a:fld id="{00552703-89ED-46F6-8EBA-25FE18FBB028}" type="datetimeFigureOut">
+            <a:fld id="{0807152A-A90D-43BF-80DC-1F1E33B45E23}" type="datetime1">
               <a:rPr lang="ru-RU" smtClean="0"/>
-              <a:t>01.05.2022</a:t>
+              <a:t>02.05.2022</a:t>
             </a:fld>
             <a:endParaRPr lang="ru-RU"/>
           </a:p>
@@ -2746,6 +3126,9 @@
   <p:clrMapOvr>
     <a:masterClrMapping/>
   </p:clrMapOvr>
+  <p:transition spd="slow">
+    <p:wipe/>
+  </p:transition>
 </p:sldLayout>
 </file>
 
@@ -2866,9 +3249,9 @@
           <a:bodyPr/>
           <a:lstStyle/>
           <a:p>
-            <a:fld id="{00552703-89ED-46F6-8EBA-25FE18FBB028}" type="datetimeFigureOut">
+            <a:fld id="{878F4DED-5F76-415C-A900-E8F7313C10E1}" type="datetime1">
               <a:rPr lang="ru-RU" smtClean="0"/>
-              <a:t>01.05.2022</a:t>
+              <a:t>02.05.2022</a:t>
             </a:fld>
             <a:endParaRPr lang="ru-RU"/>
           </a:p>
@@ -3008,6 +3391,9 @@
   <p:clrMapOvr>
     <a:masterClrMapping/>
   </p:clrMapOvr>
+  <p:transition spd="slow">
+    <p:wipe/>
+  </p:transition>
 </p:sldLayout>
 </file>
 
@@ -3195,9 +3581,9 @@
           <a:bodyPr/>
           <a:lstStyle/>
           <a:p>
-            <a:fld id="{00552703-89ED-46F6-8EBA-25FE18FBB028}" type="datetimeFigureOut">
+            <a:fld id="{E8F83D7E-1D94-447D-BCF5-49AC78A24C76}" type="datetime1">
               <a:rPr lang="ru-RU" smtClean="0"/>
-              <a:t>01.05.2022</a:t>
+              <a:t>02.05.2022</a:t>
             </a:fld>
             <a:endParaRPr lang="ru-RU"/>
           </a:p>
@@ -3342,6 +3728,9 @@
   <p:clrMapOvr>
     <a:masterClrMapping/>
   </p:clrMapOvr>
+  <p:transition spd="slow">
+    <p:wipe/>
+  </p:transition>
 </p:sldLayout>
 </file>
 
@@ -3518,9 +3907,9 @@
           <a:bodyPr/>
           <a:lstStyle/>
           <a:p>
-            <a:fld id="{00552703-89ED-46F6-8EBA-25FE18FBB028}" type="datetimeFigureOut">
+            <a:fld id="{FAD4BD6D-0066-4C47-A9CA-0CB6E2FA73C1}" type="datetime1">
               <a:rPr lang="ru-RU" smtClean="0"/>
-              <a:t>01.05.2022</a:t>
+              <a:t>02.05.2022</a:t>
             </a:fld>
             <a:endParaRPr lang="ru-RU"/>
           </a:p>
@@ -3665,6 +4054,9 @@
   <p:clrMapOvr>
     <a:masterClrMapping/>
   </p:clrMapOvr>
+  <p:transition spd="slow">
+    <p:wipe/>
+  </p:transition>
 </p:sldLayout>
 </file>
 
@@ -3975,9 +4367,9 @@
           <a:bodyPr/>
           <a:lstStyle/>
           <a:p>
-            <a:fld id="{00552703-89ED-46F6-8EBA-25FE18FBB028}" type="datetimeFigureOut">
+            <a:fld id="{B7C7ED75-0F40-471C-AB4C-82150DE92657}" type="datetime1">
               <a:rPr lang="ru-RU" smtClean="0"/>
-              <a:t>01.05.2022</a:t>
+              <a:t>02.05.2022</a:t>
             </a:fld>
             <a:endParaRPr lang="ru-RU"/>
           </a:p>
@@ -4122,6 +4514,9 @@
   <p:clrMapOvr>
     <a:masterClrMapping/>
   </p:clrMapOvr>
+  <p:transition spd="slow">
+    <p:wipe/>
+  </p:transition>
 </p:sldLayout>
 </file>
 
@@ -4180,9 +4575,9 @@
           <a:bodyPr/>
           <a:lstStyle/>
           <a:p>
-            <a:fld id="{00552703-89ED-46F6-8EBA-25FE18FBB028}" type="datetimeFigureOut">
+            <a:fld id="{893DE4B1-4FFC-4B0D-AA40-503F9B8537A5}" type="datetime1">
               <a:rPr lang="ru-RU" smtClean="0"/>
-              <a:t>01.05.2022</a:t>
+              <a:t>02.05.2022</a:t>
             </a:fld>
             <a:endParaRPr lang="ru-RU"/>
           </a:p>
@@ -4322,6 +4717,9 @@
   <p:clrMapOvr>
     <a:masterClrMapping/>
   </p:clrMapOvr>
+  <p:transition spd="slow">
+    <p:wipe/>
+  </p:transition>
 </p:sldLayout>
 </file>
 
@@ -4357,9 +4755,9 @@
           <a:bodyPr/>
           <a:lstStyle/>
           <a:p>
-            <a:fld id="{00552703-89ED-46F6-8EBA-25FE18FBB028}" type="datetimeFigureOut">
+            <a:fld id="{9FA47087-0ABA-4668-9D85-B85D38E2824E}" type="datetime1">
               <a:rPr lang="ru-RU" smtClean="0"/>
-              <a:t>01.05.2022</a:t>
+              <a:t>02.05.2022</a:t>
             </a:fld>
             <a:endParaRPr lang="ru-RU"/>
           </a:p>
@@ -4499,6 +4897,9 @@
   <p:clrMapOvr>
     <a:masterClrMapping/>
   </p:clrMapOvr>
+  <p:transition spd="slow">
+    <p:wipe/>
+  </p:transition>
 </p:sldLayout>
 </file>
 
@@ -4690,9 +5091,9 @@
           <a:bodyPr/>
           <a:lstStyle/>
           <a:p>
-            <a:fld id="{00552703-89ED-46F6-8EBA-25FE18FBB028}" type="datetimeFigureOut">
+            <a:fld id="{72CC0BE5-A821-40E6-8D65-A742C81E33C9}" type="datetime1">
               <a:rPr lang="ru-RU" smtClean="0"/>
-              <a:t>01.05.2022</a:t>
+              <a:t>02.05.2022</a:t>
             </a:fld>
             <a:endParaRPr lang="ru-RU"/>
           </a:p>
@@ -4832,6 +5233,9 @@
   <p:clrMapOvr>
     <a:masterClrMapping/>
   </p:clrMapOvr>
+  <p:transition spd="slow">
+    <p:wipe/>
+  </p:transition>
 </p:sldLayout>
 </file>
 
@@ -5035,9 +5439,9 @@
           <a:bodyPr/>
           <a:lstStyle/>
           <a:p>
-            <a:fld id="{00552703-89ED-46F6-8EBA-25FE18FBB028}" type="datetimeFigureOut">
+            <a:fld id="{B3109A96-A462-4539-9216-37A859D6F3A6}" type="datetime1">
               <a:rPr lang="ru-RU" smtClean="0"/>
-              <a:t>01.05.2022</a:t>
+              <a:t>02.05.2022</a:t>
             </a:fld>
             <a:endParaRPr lang="ru-RU"/>
           </a:p>
@@ -5182,6 +5586,9 @@
   <p:clrMapOvr>
     <a:masterClrMapping/>
   </p:clrMapOvr>
+  <p:transition spd="slow">
+    <p:wipe/>
+  </p:transition>
 </p:sldLayout>
 </file>
 
@@ -7152,9 +7559,9 @@
             </a:lvl1pPr>
           </a:lstStyle>
           <a:p>
-            <a:fld id="{00552703-89ED-46F6-8EBA-25FE18FBB028}" type="datetimeFigureOut">
+            <a:fld id="{962C10B7-F26D-491A-9865-E91A1905C098}" type="datetime1">
               <a:rPr lang="ru-RU" smtClean="0"/>
-              <a:t>01.05.2022</a:t>
+              <a:t>02.05.2022</a:t>
             </a:fld>
             <a:endParaRPr lang="ru-RU"/>
           </a:p>
@@ -7262,6 +7669,10 @@
     <p:sldLayoutId id="2147483675" r:id="rId15"/>
     <p:sldLayoutId id="2147483676" r:id="rId16"/>
   </p:sldLayoutIdLst>
+  <p:transition spd="slow">
+    <p:wipe/>
+  </p:transition>
+  <p:hf hdr="0" ftr="0" dt="0"/>
   <p:txStyles>
     <p:titleStyle>
       <a:lvl1pPr algn="l" defTabSz="457200" rtl="0" eaLnBrk="1" latinLnBrk="0" hangingPunct="1">
@@ -7799,7 +8210,7 @@
         </p:nvSpPr>
         <p:spPr>
           <a:xfrm>
-            <a:off x="0" y="2402841"/>
+            <a:off x="0" y="1905506"/>
             <a:ext cx="12192000" cy="3046988"/>
           </a:xfrm>
           <a:prstGeom prst="rect">
@@ -7903,6 +8314,9 @@
   <p:clrMapOvr>
     <a:masterClrMapping/>
   </p:clrMapOvr>
+  <p:transition spd="slow">
+    <p:wipe/>
+  </p:transition>
 </p:sld>
 </file>
 
@@ -7928,7 +8342,7 @@
           <p:cNvPr id="2" name="Заголовок 1">
             <a:extLst>
               <a:ext uri="{FF2B5EF4-FFF2-40B4-BE49-F238E27FC236}">
-                <a16:creationId xmlns:a16="http://schemas.microsoft.com/office/drawing/2014/main" id="{65BE5D49-6538-4C39-B7BC-4CC2FA3C0516}"/>
+                <a16:creationId xmlns:a16="http://schemas.microsoft.com/office/drawing/2014/main" id="{5896C40C-8EC0-BB39-9455-2F26B1E018F6}"/>
               </a:ext>
             </a:extLst>
           </p:cNvPr>
@@ -7941,8 +8355,8 @@
         </p:nvSpPr>
         <p:spPr>
           <a:xfrm>
-            <a:off x="0" y="357837"/>
-            <a:ext cx="12192000" cy="818202"/>
+            <a:off x="1640156" y="286485"/>
+            <a:ext cx="8911687" cy="712321"/>
           </a:xfrm>
         </p:spPr>
         <p:txBody>
@@ -7960,6 +8374,1886 @@
               </a:rPr>
               <a:t>Актуальность рассматриваемой задачи</a:t>
             </a:r>
+            <a:endParaRPr lang="ru-RU" dirty="0"/>
+          </a:p>
+        </p:txBody>
+      </p:sp>
+      <p:sp>
+        <p:nvSpPr>
+          <p:cNvPr id="5" name="Прямоугольник: скругленные углы 4">
+            <a:extLst>
+              <a:ext uri="{FF2B5EF4-FFF2-40B4-BE49-F238E27FC236}">
+                <a16:creationId xmlns:a16="http://schemas.microsoft.com/office/drawing/2014/main" id="{8DF4CF48-283F-459E-8020-AC949F8CA6EE}"/>
+              </a:ext>
+            </a:extLst>
+          </p:cNvPr>
+          <p:cNvSpPr/>
+          <p:nvPr/>
+        </p:nvSpPr>
+        <p:spPr>
+          <a:xfrm>
+            <a:off x="6924720" y="1540047"/>
+            <a:ext cx="3880341" cy="1280890"/>
+          </a:xfrm>
+          <a:prstGeom prst="roundRect">
+            <a:avLst/>
+          </a:prstGeom>
+        </p:spPr>
+        <p:style>
+          <a:lnRef idx="2">
+            <a:schemeClr val="accent6"/>
+          </a:lnRef>
+          <a:fillRef idx="1">
+            <a:schemeClr val="lt1"/>
+          </a:fillRef>
+          <a:effectRef idx="0">
+            <a:schemeClr val="accent6"/>
+          </a:effectRef>
+          <a:fontRef idx="minor">
+            <a:schemeClr val="dk1"/>
+          </a:fontRef>
+        </p:style>
+        <p:txBody>
+          <a:bodyPr rtlCol="0" anchor="ctr"/>
+          <a:lstStyle/>
+          <a:p>
+            <a:pPr algn="ctr"/>
+            <a:r>
+              <a:rPr lang="ru-RU" sz="2000" dirty="0"/>
+              <a:t>Пример: нейронные сети плохо решают логические задачи</a:t>
+            </a:r>
+          </a:p>
+        </p:txBody>
+      </p:sp>
+      <p:sp>
+        <p:nvSpPr>
+          <p:cNvPr id="6" name="Стрелка: вправо 5">
+            <a:extLst>
+              <a:ext uri="{FF2B5EF4-FFF2-40B4-BE49-F238E27FC236}">
+                <a16:creationId xmlns:a16="http://schemas.microsoft.com/office/drawing/2014/main" id="{F45B6A3A-A623-F09F-8C7E-DB8DA3840879}"/>
+              </a:ext>
+            </a:extLst>
+          </p:cNvPr>
+          <p:cNvSpPr/>
+          <p:nvPr/>
+        </p:nvSpPr>
+        <p:spPr>
+          <a:xfrm>
+            <a:off x="5317587" y="1955410"/>
+            <a:ext cx="1336431" cy="520504"/>
+          </a:xfrm>
+          <a:prstGeom prst="rightArrow">
+            <a:avLst/>
+          </a:prstGeom>
+        </p:spPr>
+        <p:style>
+          <a:lnRef idx="2">
+            <a:schemeClr val="accent1">
+              <a:shade val="50000"/>
+            </a:schemeClr>
+          </a:lnRef>
+          <a:fillRef idx="1">
+            <a:schemeClr val="accent1"/>
+          </a:fillRef>
+          <a:effectRef idx="0">
+            <a:schemeClr val="accent1"/>
+          </a:effectRef>
+          <a:fontRef idx="minor">
+            <a:schemeClr val="lt1"/>
+          </a:fontRef>
+        </p:style>
+        <p:txBody>
+          <a:bodyPr rtlCol="0" anchor="ctr"/>
+          <a:lstStyle/>
+          <a:p>
+            <a:pPr algn="ctr"/>
+            <a:endParaRPr lang="ru-RU"/>
+          </a:p>
+        </p:txBody>
+      </p:sp>
+      <p:sp>
+        <p:nvSpPr>
+          <p:cNvPr id="7" name="Стрелка: вниз 6">
+            <a:extLst>
+              <a:ext uri="{FF2B5EF4-FFF2-40B4-BE49-F238E27FC236}">
+                <a16:creationId xmlns:a16="http://schemas.microsoft.com/office/drawing/2014/main" id="{34421F3C-520C-2A32-8892-A1323EB40C8E}"/>
+              </a:ext>
+            </a:extLst>
+          </p:cNvPr>
+          <p:cNvSpPr/>
+          <p:nvPr/>
+        </p:nvSpPr>
+        <p:spPr>
+          <a:xfrm>
+            <a:off x="8630529" y="2996418"/>
+            <a:ext cx="464234" cy="956603"/>
+          </a:xfrm>
+          <a:prstGeom prst="downArrow">
+            <a:avLst/>
+          </a:prstGeom>
+        </p:spPr>
+        <p:style>
+          <a:lnRef idx="2">
+            <a:schemeClr val="accent1">
+              <a:shade val="50000"/>
+            </a:schemeClr>
+          </a:lnRef>
+          <a:fillRef idx="1">
+            <a:schemeClr val="accent1"/>
+          </a:fillRef>
+          <a:effectRef idx="0">
+            <a:schemeClr val="accent1"/>
+          </a:effectRef>
+          <a:fontRef idx="minor">
+            <a:schemeClr val="lt1"/>
+          </a:fontRef>
+        </p:style>
+        <p:txBody>
+          <a:bodyPr rtlCol="0" anchor="ctr"/>
+          <a:lstStyle/>
+          <a:p>
+            <a:pPr algn="ctr"/>
+            <a:endParaRPr lang="ru-RU"/>
+          </a:p>
+        </p:txBody>
+      </p:sp>
+      <p:sp>
+        <p:nvSpPr>
+          <p:cNvPr id="8" name="Прямоугольник: скругленные углы 7">
+            <a:extLst>
+              <a:ext uri="{FF2B5EF4-FFF2-40B4-BE49-F238E27FC236}">
+                <a16:creationId xmlns:a16="http://schemas.microsoft.com/office/drawing/2014/main" id="{D21F2F43-1EBB-F58C-B668-1626AD626FCA}"/>
+              </a:ext>
+            </a:extLst>
+          </p:cNvPr>
+          <p:cNvSpPr/>
+          <p:nvPr/>
+        </p:nvSpPr>
+        <p:spPr>
+          <a:xfrm>
+            <a:off x="6922475" y="4128502"/>
+            <a:ext cx="3880341" cy="1280890"/>
+          </a:xfrm>
+          <a:prstGeom prst="roundRect">
+            <a:avLst/>
+          </a:prstGeom>
+        </p:spPr>
+        <p:style>
+          <a:lnRef idx="2">
+            <a:schemeClr val="accent6"/>
+          </a:lnRef>
+          <a:fillRef idx="1">
+            <a:schemeClr val="lt1"/>
+          </a:fillRef>
+          <a:effectRef idx="0">
+            <a:schemeClr val="accent6"/>
+          </a:effectRef>
+          <a:fontRef idx="minor">
+            <a:schemeClr val="dk1"/>
+          </a:fontRef>
+        </p:style>
+        <p:txBody>
+          <a:bodyPr rtlCol="0" anchor="ctr"/>
+          <a:lstStyle/>
+          <a:p>
+            <a:pPr algn="ctr"/>
+            <a:r>
+              <a:rPr lang="ru-RU" sz="2000" dirty="0"/>
+              <a:t>Ближайший аналог – экспертные системы</a:t>
+            </a:r>
+          </a:p>
+        </p:txBody>
+      </p:sp>
+      <p:sp>
+        <p:nvSpPr>
+          <p:cNvPr id="9" name="Прямоугольник: скругленные углы 8">
+            <a:extLst>
+              <a:ext uri="{FF2B5EF4-FFF2-40B4-BE49-F238E27FC236}">
+                <a16:creationId xmlns:a16="http://schemas.microsoft.com/office/drawing/2014/main" id="{29D96882-672E-72CC-75ED-33FC9A60DA5C}"/>
+              </a:ext>
+            </a:extLst>
+          </p:cNvPr>
+          <p:cNvSpPr/>
+          <p:nvPr/>
+        </p:nvSpPr>
+        <p:spPr>
+          <a:xfrm>
+            <a:off x="1166543" y="4128502"/>
+            <a:ext cx="3880341" cy="1280890"/>
+          </a:xfrm>
+          <a:prstGeom prst="roundRect">
+            <a:avLst/>
+          </a:prstGeom>
+        </p:spPr>
+        <p:style>
+          <a:lnRef idx="2">
+            <a:schemeClr val="accent6"/>
+          </a:lnRef>
+          <a:fillRef idx="1">
+            <a:schemeClr val="lt1"/>
+          </a:fillRef>
+          <a:effectRef idx="0">
+            <a:schemeClr val="accent6"/>
+          </a:effectRef>
+          <a:fontRef idx="minor">
+            <a:schemeClr val="dk1"/>
+          </a:fontRef>
+        </p:style>
+        <p:txBody>
+          <a:bodyPr rtlCol="0" anchor="ctr"/>
+          <a:lstStyle/>
+          <a:p>
+            <a:pPr algn="ctr"/>
+            <a:r>
+              <a:rPr lang="ru-RU" sz="2000" dirty="0"/>
+              <a:t>Обучать экспертную систему долго и трудно</a:t>
+            </a:r>
+          </a:p>
+        </p:txBody>
+      </p:sp>
+      <p:sp>
+        <p:nvSpPr>
+          <p:cNvPr id="10" name="Прямоугольник: скругленные углы 9">
+            <a:extLst>
+              <a:ext uri="{FF2B5EF4-FFF2-40B4-BE49-F238E27FC236}">
+                <a16:creationId xmlns:a16="http://schemas.microsoft.com/office/drawing/2014/main" id="{BA18F812-1ED8-7BA9-FC1F-2B2E4C34B7E5}"/>
+              </a:ext>
+            </a:extLst>
+          </p:cNvPr>
+          <p:cNvSpPr/>
+          <p:nvPr/>
+        </p:nvSpPr>
+        <p:spPr>
+          <a:xfrm>
+            <a:off x="1166544" y="1575217"/>
+            <a:ext cx="3880341" cy="1280890"/>
+          </a:xfrm>
+          <a:prstGeom prst="roundRect">
+            <a:avLst/>
+          </a:prstGeom>
+        </p:spPr>
+        <p:style>
+          <a:lnRef idx="2">
+            <a:schemeClr val="accent6"/>
+          </a:lnRef>
+          <a:fillRef idx="1">
+            <a:schemeClr val="lt1"/>
+          </a:fillRef>
+          <a:effectRef idx="0">
+            <a:schemeClr val="accent6"/>
+          </a:effectRef>
+          <a:fontRef idx="minor">
+            <a:schemeClr val="dk1"/>
+          </a:fontRef>
+        </p:style>
+        <p:txBody>
+          <a:bodyPr rtlCol="0" anchor="ctr"/>
+          <a:lstStyle/>
+          <a:p>
+            <a:pPr algn="ctr"/>
+            <a:r>
+              <a:rPr lang="ru-RU" sz="2000" dirty="0"/>
+              <a:t>Нейронные сети – не панацея</a:t>
+            </a:r>
+          </a:p>
+        </p:txBody>
+      </p:sp>
+      <p:sp>
+        <p:nvSpPr>
+          <p:cNvPr id="11" name="Стрелка: влево 10">
+            <a:extLst>
+              <a:ext uri="{FF2B5EF4-FFF2-40B4-BE49-F238E27FC236}">
+                <a16:creationId xmlns:a16="http://schemas.microsoft.com/office/drawing/2014/main" id="{71885F1B-426E-9ED1-A619-DC7F6F628D1F}"/>
+              </a:ext>
+            </a:extLst>
+          </p:cNvPr>
+          <p:cNvSpPr/>
+          <p:nvPr/>
+        </p:nvSpPr>
+        <p:spPr>
+          <a:xfrm>
+            <a:off x="5317587" y="4529797"/>
+            <a:ext cx="1336430" cy="520504"/>
+          </a:xfrm>
+          <a:prstGeom prst="leftArrow">
+            <a:avLst/>
+          </a:prstGeom>
+        </p:spPr>
+        <p:style>
+          <a:lnRef idx="2">
+            <a:schemeClr val="accent1">
+              <a:shade val="50000"/>
+            </a:schemeClr>
+          </a:lnRef>
+          <a:fillRef idx="1">
+            <a:schemeClr val="accent1"/>
+          </a:fillRef>
+          <a:effectRef idx="0">
+            <a:schemeClr val="accent1"/>
+          </a:effectRef>
+          <a:fontRef idx="minor">
+            <a:schemeClr val="lt1"/>
+          </a:fontRef>
+        </p:style>
+        <p:txBody>
+          <a:bodyPr rtlCol="0" anchor="ctr"/>
+          <a:lstStyle/>
+          <a:p>
+            <a:pPr algn="ctr"/>
+            <a:endParaRPr lang="ru-RU"/>
+          </a:p>
+        </p:txBody>
+      </p:sp>
+      <p:sp>
+        <p:nvSpPr>
+          <p:cNvPr id="12" name="Прямоугольник: скругленные углы 11">
+            <a:extLst>
+              <a:ext uri="{FF2B5EF4-FFF2-40B4-BE49-F238E27FC236}">
+                <a16:creationId xmlns:a16="http://schemas.microsoft.com/office/drawing/2014/main" id="{DA33F4C0-8AED-1B6D-36CF-3A8031EA83E2}"/>
+              </a:ext>
+            </a:extLst>
+          </p:cNvPr>
+          <p:cNvSpPr/>
+          <p:nvPr/>
+        </p:nvSpPr>
+        <p:spPr>
+          <a:xfrm>
+            <a:off x="1166542" y="5605610"/>
+            <a:ext cx="9636273" cy="1111347"/>
+          </a:xfrm>
+          <a:prstGeom prst="roundRect">
+            <a:avLst/>
+          </a:prstGeom>
+        </p:spPr>
+        <p:style>
+          <a:lnRef idx="2">
+            <a:schemeClr val="accent6"/>
+          </a:lnRef>
+          <a:fillRef idx="1">
+            <a:schemeClr val="lt1"/>
+          </a:fillRef>
+          <a:effectRef idx="0">
+            <a:schemeClr val="accent6"/>
+          </a:effectRef>
+          <a:fontRef idx="minor">
+            <a:schemeClr val="dk1"/>
+          </a:fontRef>
+        </p:style>
+        <p:txBody>
+          <a:bodyPr rtlCol="0" anchor="ctr"/>
+          <a:lstStyle/>
+          <a:p>
+            <a:pPr algn="ctr"/>
+            <a:r>
+              <a:rPr lang="ru-RU" sz="2000" b="1" dirty="0"/>
+              <a:t>Возможное решение </a:t>
+            </a:r>
+            <a:r>
+              <a:rPr lang="ru-RU" sz="2000" dirty="0"/>
+              <a:t>– разработка самообучающихся систем</a:t>
+            </a:r>
+          </a:p>
+        </p:txBody>
+      </p:sp>
+      <p:sp>
+        <p:nvSpPr>
+          <p:cNvPr id="13" name="Номер слайда 12">
+            <a:extLst>
+              <a:ext uri="{FF2B5EF4-FFF2-40B4-BE49-F238E27FC236}">
+                <a16:creationId xmlns:a16="http://schemas.microsoft.com/office/drawing/2014/main" id="{002F1850-946C-DCA7-14AF-9047EE8163EC}"/>
+              </a:ext>
+            </a:extLst>
+          </p:cNvPr>
+          <p:cNvSpPr>
+            <a:spLocks noGrp="1"/>
+          </p:cNvSpPr>
+          <p:nvPr>
+            <p:ph type="sldNum" sz="quarter" idx="12"/>
+          </p:nvPr>
+        </p:nvSpPr>
+        <p:spPr/>
+        <p:txBody>
+          <a:bodyPr/>
+          <a:lstStyle/>
+          <a:p>
+            <a:fld id="{03C0CC59-6802-44A9-9AE1-B9BD1C008210}" type="slidenum">
+              <a:rPr lang="ru-RU" smtClean="0"/>
+              <a:t>2</a:t>
+            </a:fld>
+            <a:endParaRPr lang="ru-RU" dirty="0"/>
+          </a:p>
+        </p:txBody>
+      </p:sp>
+    </p:spTree>
+    <p:extLst>
+      <p:ext uri="{BB962C8B-B14F-4D97-AF65-F5344CB8AC3E}">
+        <p14:creationId xmlns:p14="http://schemas.microsoft.com/office/powerpoint/2010/main" val="1053579614"/>
+      </p:ext>
+    </p:extLst>
+  </p:cSld>
+  <p:clrMapOvr>
+    <a:masterClrMapping/>
+  </p:clrMapOvr>
+  <p:transition spd="slow">
+    <p:wipe/>
+  </p:transition>
+  <p:timing>
+    <p:tnLst>
+      <p:par>
+        <p:cTn id="1" dur="indefinite" restart="never" nodeType="tmRoot">
+          <p:childTnLst>
+            <p:seq concurrent="1" nextAc="seek">
+              <p:cTn id="2" dur="indefinite" nodeType="mainSeq">
+                <p:childTnLst>
+                  <p:par>
+                    <p:cTn id="3" fill="hold">
+                      <p:stCondLst>
+                        <p:cond delay="indefinite"/>
+                      </p:stCondLst>
+                      <p:childTnLst>
+                        <p:par>
+                          <p:cTn id="4" fill="hold">
+                            <p:stCondLst>
+                              <p:cond delay="0"/>
+                            </p:stCondLst>
+                            <p:childTnLst>
+                              <p:par>
+                                <p:cTn id="5" presetID="22" presetClass="entr" presetSubtype="4" fill="hold" grpId="0" nodeType="clickEffect">
+                                  <p:stCondLst>
+                                    <p:cond delay="0"/>
+                                  </p:stCondLst>
+                                  <p:childTnLst>
+                                    <p:set>
+                                      <p:cBhvr>
+                                        <p:cTn id="6" dur="1" fill="hold">
+                                          <p:stCondLst>
+                                            <p:cond delay="0"/>
+                                          </p:stCondLst>
+                                        </p:cTn>
+                                        <p:tgtEl>
+                                          <p:spTgt spid="10"/>
+                                        </p:tgtEl>
+                                        <p:attrNameLst>
+                                          <p:attrName>style.visibility</p:attrName>
+                                        </p:attrNameLst>
+                                      </p:cBhvr>
+                                      <p:to>
+                                        <p:strVal val="visible"/>
+                                      </p:to>
+                                    </p:set>
+                                    <p:animEffect transition="in" filter="wipe(down)">
+                                      <p:cBhvr>
+                                        <p:cTn id="7" dur="500"/>
+                                        <p:tgtEl>
+                                          <p:spTgt spid="10"/>
+                                        </p:tgtEl>
+                                      </p:cBhvr>
+                                    </p:animEffect>
+                                  </p:childTnLst>
+                                </p:cTn>
+                              </p:par>
+                            </p:childTnLst>
+                          </p:cTn>
+                        </p:par>
+                      </p:childTnLst>
+                    </p:cTn>
+                  </p:par>
+                  <p:par>
+                    <p:cTn id="8" fill="hold">
+                      <p:stCondLst>
+                        <p:cond delay="indefinite"/>
+                      </p:stCondLst>
+                      <p:childTnLst>
+                        <p:par>
+                          <p:cTn id="9" fill="hold">
+                            <p:stCondLst>
+                              <p:cond delay="0"/>
+                            </p:stCondLst>
+                            <p:childTnLst>
+                              <p:par>
+                                <p:cTn id="10" presetID="22" presetClass="entr" presetSubtype="4" fill="hold" grpId="0" nodeType="clickEffect">
+                                  <p:stCondLst>
+                                    <p:cond delay="0"/>
+                                  </p:stCondLst>
+                                  <p:childTnLst>
+                                    <p:set>
+                                      <p:cBhvr>
+                                        <p:cTn id="11" dur="1" fill="hold">
+                                          <p:stCondLst>
+                                            <p:cond delay="0"/>
+                                          </p:stCondLst>
+                                        </p:cTn>
+                                        <p:tgtEl>
+                                          <p:spTgt spid="6"/>
+                                        </p:tgtEl>
+                                        <p:attrNameLst>
+                                          <p:attrName>style.visibility</p:attrName>
+                                        </p:attrNameLst>
+                                      </p:cBhvr>
+                                      <p:to>
+                                        <p:strVal val="visible"/>
+                                      </p:to>
+                                    </p:set>
+                                    <p:animEffect transition="in" filter="wipe(down)">
+                                      <p:cBhvr>
+                                        <p:cTn id="12" dur="500"/>
+                                        <p:tgtEl>
+                                          <p:spTgt spid="6"/>
+                                        </p:tgtEl>
+                                      </p:cBhvr>
+                                    </p:animEffect>
+                                  </p:childTnLst>
+                                </p:cTn>
+                              </p:par>
+                              <p:par>
+                                <p:cTn id="13" presetID="22" presetClass="entr" presetSubtype="4" fill="hold" grpId="0" nodeType="withEffect">
+                                  <p:stCondLst>
+                                    <p:cond delay="0"/>
+                                  </p:stCondLst>
+                                  <p:childTnLst>
+                                    <p:set>
+                                      <p:cBhvr>
+                                        <p:cTn id="14" dur="1" fill="hold">
+                                          <p:stCondLst>
+                                            <p:cond delay="0"/>
+                                          </p:stCondLst>
+                                        </p:cTn>
+                                        <p:tgtEl>
+                                          <p:spTgt spid="5"/>
+                                        </p:tgtEl>
+                                        <p:attrNameLst>
+                                          <p:attrName>style.visibility</p:attrName>
+                                        </p:attrNameLst>
+                                      </p:cBhvr>
+                                      <p:to>
+                                        <p:strVal val="visible"/>
+                                      </p:to>
+                                    </p:set>
+                                    <p:animEffect transition="in" filter="wipe(down)">
+                                      <p:cBhvr>
+                                        <p:cTn id="15" dur="500"/>
+                                        <p:tgtEl>
+                                          <p:spTgt spid="5"/>
+                                        </p:tgtEl>
+                                      </p:cBhvr>
+                                    </p:animEffect>
+                                  </p:childTnLst>
+                                </p:cTn>
+                              </p:par>
+                            </p:childTnLst>
+                          </p:cTn>
+                        </p:par>
+                      </p:childTnLst>
+                    </p:cTn>
+                  </p:par>
+                  <p:par>
+                    <p:cTn id="16" fill="hold">
+                      <p:stCondLst>
+                        <p:cond delay="indefinite"/>
+                      </p:stCondLst>
+                      <p:childTnLst>
+                        <p:par>
+                          <p:cTn id="17" fill="hold">
+                            <p:stCondLst>
+                              <p:cond delay="0"/>
+                            </p:stCondLst>
+                            <p:childTnLst>
+                              <p:par>
+                                <p:cTn id="18" presetID="22" presetClass="entr" presetSubtype="4" fill="hold" grpId="0" nodeType="clickEffect">
+                                  <p:stCondLst>
+                                    <p:cond delay="0"/>
+                                  </p:stCondLst>
+                                  <p:childTnLst>
+                                    <p:set>
+                                      <p:cBhvr>
+                                        <p:cTn id="19" dur="1" fill="hold">
+                                          <p:stCondLst>
+                                            <p:cond delay="0"/>
+                                          </p:stCondLst>
+                                        </p:cTn>
+                                        <p:tgtEl>
+                                          <p:spTgt spid="7"/>
+                                        </p:tgtEl>
+                                        <p:attrNameLst>
+                                          <p:attrName>style.visibility</p:attrName>
+                                        </p:attrNameLst>
+                                      </p:cBhvr>
+                                      <p:to>
+                                        <p:strVal val="visible"/>
+                                      </p:to>
+                                    </p:set>
+                                    <p:animEffect transition="in" filter="wipe(down)">
+                                      <p:cBhvr>
+                                        <p:cTn id="20" dur="500"/>
+                                        <p:tgtEl>
+                                          <p:spTgt spid="7"/>
+                                        </p:tgtEl>
+                                      </p:cBhvr>
+                                    </p:animEffect>
+                                  </p:childTnLst>
+                                </p:cTn>
+                              </p:par>
+                              <p:par>
+                                <p:cTn id="21" presetID="22" presetClass="entr" presetSubtype="4" fill="hold" grpId="0" nodeType="withEffect">
+                                  <p:stCondLst>
+                                    <p:cond delay="0"/>
+                                  </p:stCondLst>
+                                  <p:childTnLst>
+                                    <p:set>
+                                      <p:cBhvr>
+                                        <p:cTn id="22" dur="1" fill="hold">
+                                          <p:stCondLst>
+                                            <p:cond delay="0"/>
+                                          </p:stCondLst>
+                                        </p:cTn>
+                                        <p:tgtEl>
+                                          <p:spTgt spid="8"/>
+                                        </p:tgtEl>
+                                        <p:attrNameLst>
+                                          <p:attrName>style.visibility</p:attrName>
+                                        </p:attrNameLst>
+                                      </p:cBhvr>
+                                      <p:to>
+                                        <p:strVal val="visible"/>
+                                      </p:to>
+                                    </p:set>
+                                    <p:animEffect transition="in" filter="wipe(down)">
+                                      <p:cBhvr>
+                                        <p:cTn id="23" dur="500"/>
+                                        <p:tgtEl>
+                                          <p:spTgt spid="8"/>
+                                        </p:tgtEl>
+                                      </p:cBhvr>
+                                    </p:animEffect>
+                                  </p:childTnLst>
+                                </p:cTn>
+                              </p:par>
+                            </p:childTnLst>
+                          </p:cTn>
+                        </p:par>
+                      </p:childTnLst>
+                    </p:cTn>
+                  </p:par>
+                  <p:par>
+                    <p:cTn id="24" fill="hold">
+                      <p:stCondLst>
+                        <p:cond delay="indefinite"/>
+                      </p:stCondLst>
+                      <p:childTnLst>
+                        <p:par>
+                          <p:cTn id="25" fill="hold">
+                            <p:stCondLst>
+                              <p:cond delay="0"/>
+                            </p:stCondLst>
+                            <p:childTnLst>
+                              <p:par>
+                                <p:cTn id="26" presetID="22" presetClass="entr" presetSubtype="4" fill="hold" grpId="0" nodeType="clickEffect">
+                                  <p:stCondLst>
+                                    <p:cond delay="0"/>
+                                  </p:stCondLst>
+                                  <p:childTnLst>
+                                    <p:set>
+                                      <p:cBhvr>
+                                        <p:cTn id="27" dur="1" fill="hold">
+                                          <p:stCondLst>
+                                            <p:cond delay="0"/>
+                                          </p:stCondLst>
+                                        </p:cTn>
+                                        <p:tgtEl>
+                                          <p:spTgt spid="11"/>
+                                        </p:tgtEl>
+                                        <p:attrNameLst>
+                                          <p:attrName>style.visibility</p:attrName>
+                                        </p:attrNameLst>
+                                      </p:cBhvr>
+                                      <p:to>
+                                        <p:strVal val="visible"/>
+                                      </p:to>
+                                    </p:set>
+                                    <p:animEffect transition="in" filter="wipe(down)">
+                                      <p:cBhvr>
+                                        <p:cTn id="28" dur="500"/>
+                                        <p:tgtEl>
+                                          <p:spTgt spid="11"/>
+                                        </p:tgtEl>
+                                      </p:cBhvr>
+                                    </p:animEffect>
+                                  </p:childTnLst>
+                                </p:cTn>
+                              </p:par>
+                              <p:par>
+                                <p:cTn id="29" presetID="22" presetClass="entr" presetSubtype="4" fill="hold" grpId="0" nodeType="withEffect">
+                                  <p:stCondLst>
+                                    <p:cond delay="0"/>
+                                  </p:stCondLst>
+                                  <p:childTnLst>
+                                    <p:set>
+                                      <p:cBhvr>
+                                        <p:cTn id="30" dur="1" fill="hold">
+                                          <p:stCondLst>
+                                            <p:cond delay="0"/>
+                                          </p:stCondLst>
+                                        </p:cTn>
+                                        <p:tgtEl>
+                                          <p:spTgt spid="9"/>
+                                        </p:tgtEl>
+                                        <p:attrNameLst>
+                                          <p:attrName>style.visibility</p:attrName>
+                                        </p:attrNameLst>
+                                      </p:cBhvr>
+                                      <p:to>
+                                        <p:strVal val="visible"/>
+                                      </p:to>
+                                    </p:set>
+                                    <p:animEffect transition="in" filter="wipe(down)">
+                                      <p:cBhvr>
+                                        <p:cTn id="31" dur="500"/>
+                                        <p:tgtEl>
+                                          <p:spTgt spid="9"/>
+                                        </p:tgtEl>
+                                      </p:cBhvr>
+                                    </p:animEffect>
+                                  </p:childTnLst>
+                                </p:cTn>
+                              </p:par>
+                            </p:childTnLst>
+                          </p:cTn>
+                        </p:par>
+                      </p:childTnLst>
+                    </p:cTn>
+                  </p:par>
+                  <p:par>
+                    <p:cTn id="32" fill="hold">
+                      <p:stCondLst>
+                        <p:cond delay="indefinite"/>
+                      </p:stCondLst>
+                      <p:childTnLst>
+                        <p:par>
+                          <p:cTn id="33" fill="hold">
+                            <p:stCondLst>
+                              <p:cond delay="0"/>
+                            </p:stCondLst>
+                            <p:childTnLst>
+                              <p:par>
+                                <p:cTn id="34" presetID="22" presetClass="entr" presetSubtype="4" fill="hold" grpId="0" nodeType="clickEffect">
+                                  <p:stCondLst>
+                                    <p:cond delay="0"/>
+                                  </p:stCondLst>
+                                  <p:childTnLst>
+                                    <p:set>
+                                      <p:cBhvr>
+                                        <p:cTn id="35" dur="1" fill="hold">
+                                          <p:stCondLst>
+                                            <p:cond delay="0"/>
+                                          </p:stCondLst>
+                                        </p:cTn>
+                                        <p:tgtEl>
+                                          <p:spTgt spid="12"/>
+                                        </p:tgtEl>
+                                        <p:attrNameLst>
+                                          <p:attrName>style.visibility</p:attrName>
+                                        </p:attrNameLst>
+                                      </p:cBhvr>
+                                      <p:to>
+                                        <p:strVal val="visible"/>
+                                      </p:to>
+                                    </p:set>
+                                    <p:animEffect transition="in" filter="wipe(down)">
+                                      <p:cBhvr>
+                                        <p:cTn id="36" dur="500"/>
+                                        <p:tgtEl>
+                                          <p:spTgt spid="12"/>
+                                        </p:tgtEl>
+                                      </p:cBhvr>
+                                    </p:animEffect>
+                                  </p:childTnLst>
+                                </p:cTn>
+                              </p:par>
+                            </p:childTnLst>
+                          </p:cTn>
+                        </p:par>
+                      </p:childTnLst>
+                    </p:cTn>
+                  </p:par>
+                </p:childTnLst>
+              </p:cTn>
+              <p:prevCondLst>
+                <p:cond evt="onPrev" delay="0">
+                  <p:tgtEl>
+                    <p:sldTgt/>
+                  </p:tgtEl>
+                </p:cond>
+              </p:prevCondLst>
+              <p:nextCondLst>
+                <p:cond evt="onNext" delay="0">
+                  <p:tgtEl>
+                    <p:sldTgt/>
+                  </p:tgtEl>
+                </p:cond>
+              </p:nextCondLst>
+            </p:seq>
+          </p:childTnLst>
+        </p:cTn>
+      </p:par>
+    </p:tnLst>
+    <p:bldLst>
+      <p:bldP spid="5" grpId="0" animBg="1"/>
+      <p:bldP spid="6" grpId="0" animBg="1"/>
+      <p:bldP spid="7" grpId="0" animBg="1"/>
+      <p:bldP spid="8" grpId="0" animBg="1"/>
+      <p:bldP spid="9" grpId="0" animBg="1"/>
+      <p:bldP spid="10" grpId="0" animBg="1"/>
+      <p:bldP spid="11" grpId="0" animBg="1"/>
+      <p:bldP spid="12" grpId="0" animBg="1"/>
+    </p:bldLst>
+  </p:timing>
+</p:sld>
+</file>
+
+<file path=ppt/slides/slide3.xml><?xml version="1.0" encoding="utf-8"?>
+<p:sld xmlns:a="http://schemas.openxmlformats.org/drawingml/2006/main" xmlns:r="http://schemas.openxmlformats.org/officeDocument/2006/relationships" xmlns:p="http://schemas.openxmlformats.org/presentationml/2006/main">
+  <p:cSld>
+    <p:spTree>
+      <p:nvGrpSpPr>
+        <p:cNvPr id="1" name=""/>
+        <p:cNvGrpSpPr/>
+        <p:nvPr/>
+      </p:nvGrpSpPr>
+      <p:grpSpPr>
+        <a:xfrm>
+          <a:off x="0" y="0"/>
+          <a:ext cx="0" cy="0"/>
+          <a:chOff x="0" y="0"/>
+          <a:chExt cx="0" cy="0"/>
+        </a:xfrm>
+      </p:grpSpPr>
+      <p:sp>
+        <p:nvSpPr>
+          <p:cNvPr id="2" name="Заголовок 1">
+            <a:extLst>
+              <a:ext uri="{FF2B5EF4-FFF2-40B4-BE49-F238E27FC236}">
+                <a16:creationId xmlns:a16="http://schemas.microsoft.com/office/drawing/2014/main" id="{706AC3CA-5A89-EB8F-7391-8711F1111CF2}"/>
+              </a:ext>
+            </a:extLst>
+          </p:cNvPr>
+          <p:cNvSpPr>
+            <a:spLocks noGrp="1"/>
+          </p:cNvSpPr>
+          <p:nvPr>
+            <p:ph type="title"/>
+          </p:nvPr>
+        </p:nvSpPr>
+        <p:spPr>
+          <a:xfrm>
+            <a:off x="886264" y="104697"/>
+            <a:ext cx="10480431" cy="1280890"/>
+          </a:xfrm>
+        </p:spPr>
+        <p:txBody>
+          <a:bodyPr>
+            <a:normAutofit/>
+          </a:bodyPr>
+          <a:lstStyle/>
+          <a:p>
+            <a:pPr algn="ctr"/>
+            <a:r>
+              <a:rPr lang="ru-RU" dirty="0">
+                <a:latin typeface="Times New Roman" panose="02020603050405020304" pitchFamily="18" charset="0"/>
+                <a:cs typeface="Times New Roman" panose="02020603050405020304" pitchFamily="18" charset="0"/>
+              </a:rPr>
+              <a:t>Почему это важно?</a:t>
+            </a:r>
+            <a:br>
+              <a:rPr lang="ru-RU" dirty="0">
+                <a:latin typeface="Times New Roman" panose="02020603050405020304" pitchFamily="18" charset="0"/>
+                <a:cs typeface="Times New Roman" panose="02020603050405020304" pitchFamily="18" charset="0"/>
+              </a:rPr>
+            </a:br>
+            <a:r>
+              <a:rPr lang="ru-RU" dirty="0">
+                <a:latin typeface="Times New Roman" panose="02020603050405020304" pitchFamily="18" charset="0"/>
+                <a:cs typeface="Times New Roman" panose="02020603050405020304" pitchFamily="18" charset="0"/>
+              </a:rPr>
+              <a:t>И сравнение обучения человека и машины</a:t>
+            </a:r>
+          </a:p>
+        </p:txBody>
+      </p:sp>
+      <p:sp>
+        <p:nvSpPr>
+          <p:cNvPr id="4" name="Номер слайда 3">
+            <a:extLst>
+              <a:ext uri="{FF2B5EF4-FFF2-40B4-BE49-F238E27FC236}">
+                <a16:creationId xmlns:a16="http://schemas.microsoft.com/office/drawing/2014/main" id="{A0DC6B06-5E0B-4937-8B23-04EBF424FD5F}"/>
+              </a:ext>
+            </a:extLst>
+          </p:cNvPr>
+          <p:cNvSpPr>
+            <a:spLocks noGrp="1"/>
+          </p:cNvSpPr>
+          <p:nvPr>
+            <p:ph type="sldNum" sz="quarter" idx="12"/>
+          </p:nvPr>
+        </p:nvSpPr>
+        <p:spPr/>
+        <p:txBody>
+          <a:bodyPr/>
+          <a:lstStyle/>
+          <a:p>
+            <a:fld id="{03C0CC59-6802-44A9-9AE1-B9BD1C008210}" type="slidenum">
+              <a:rPr lang="ru-RU" smtClean="0"/>
+              <a:t>3</a:t>
+            </a:fld>
+            <a:endParaRPr lang="ru-RU"/>
+          </a:p>
+        </p:txBody>
+      </p:sp>
+      <p:sp>
+        <p:nvSpPr>
+          <p:cNvPr id="5" name="Прямоугольник: скругленные углы 4">
+            <a:extLst>
+              <a:ext uri="{FF2B5EF4-FFF2-40B4-BE49-F238E27FC236}">
+                <a16:creationId xmlns:a16="http://schemas.microsoft.com/office/drawing/2014/main" id="{D61EB501-3F12-313B-5ACC-6E0802BBFFD9}"/>
+              </a:ext>
+            </a:extLst>
+          </p:cNvPr>
+          <p:cNvSpPr/>
+          <p:nvPr/>
+        </p:nvSpPr>
+        <p:spPr>
+          <a:xfrm>
+            <a:off x="921695" y="1701826"/>
+            <a:ext cx="3880341" cy="1280890"/>
+          </a:xfrm>
+          <a:prstGeom prst="roundRect">
+            <a:avLst/>
+          </a:prstGeom>
+        </p:spPr>
+        <p:style>
+          <a:lnRef idx="2">
+            <a:schemeClr val="accent6"/>
+          </a:lnRef>
+          <a:fillRef idx="1">
+            <a:schemeClr val="lt1"/>
+          </a:fillRef>
+          <a:effectRef idx="0">
+            <a:schemeClr val="accent6"/>
+          </a:effectRef>
+          <a:fontRef idx="minor">
+            <a:schemeClr val="dk1"/>
+          </a:fontRef>
+        </p:style>
+        <p:txBody>
+          <a:bodyPr rtlCol="0" anchor="ctr"/>
+          <a:lstStyle/>
+          <a:p>
+            <a:pPr algn="ctr"/>
+            <a:r>
+              <a:rPr lang="ru-RU" sz="2000" dirty="0"/>
+              <a:t>Нейронные сети</a:t>
+            </a:r>
+          </a:p>
+        </p:txBody>
+      </p:sp>
+      <p:sp>
+        <p:nvSpPr>
+          <p:cNvPr id="6" name="Прямоугольник: скругленные углы 5">
+            <a:extLst>
+              <a:ext uri="{FF2B5EF4-FFF2-40B4-BE49-F238E27FC236}">
+                <a16:creationId xmlns:a16="http://schemas.microsoft.com/office/drawing/2014/main" id="{6A29614B-14C4-3095-4BD0-44C0F71195D3}"/>
+              </a:ext>
+            </a:extLst>
+          </p:cNvPr>
+          <p:cNvSpPr/>
+          <p:nvPr/>
+        </p:nvSpPr>
+        <p:spPr>
+          <a:xfrm>
+            <a:off x="7389966" y="1701826"/>
+            <a:ext cx="3880341" cy="1280890"/>
+          </a:xfrm>
+          <a:prstGeom prst="roundRect">
+            <a:avLst/>
+          </a:prstGeom>
+        </p:spPr>
+        <p:style>
+          <a:lnRef idx="2">
+            <a:schemeClr val="accent6"/>
+          </a:lnRef>
+          <a:fillRef idx="1">
+            <a:schemeClr val="lt1"/>
+          </a:fillRef>
+          <a:effectRef idx="0">
+            <a:schemeClr val="accent6"/>
+          </a:effectRef>
+          <a:fontRef idx="minor">
+            <a:schemeClr val="dk1"/>
+          </a:fontRef>
+        </p:style>
+        <p:txBody>
+          <a:bodyPr rtlCol="0" anchor="ctr"/>
+          <a:lstStyle/>
+          <a:p>
+            <a:pPr algn="ctr"/>
+            <a:r>
+              <a:rPr lang="ru-RU" sz="2000" dirty="0"/>
+              <a:t>Бихевиоризм</a:t>
+            </a:r>
+            <a:r>
+              <a:rPr lang="en-US" sz="2000" dirty="0"/>
+              <a:t>.</a:t>
+            </a:r>
+            <a:endParaRPr lang="ru-RU" sz="2000" dirty="0"/>
+          </a:p>
+          <a:p>
+            <a:pPr algn="ctr"/>
+            <a:r>
+              <a:rPr lang="ru-RU" sz="2000" dirty="0"/>
+              <a:t>Классическое и оперантное </a:t>
+            </a:r>
+            <a:r>
+              <a:rPr lang="ru-RU" sz="2000" dirty="0" err="1"/>
+              <a:t>обусловливание</a:t>
+            </a:r>
+            <a:endParaRPr lang="ru-RU" sz="2000" dirty="0"/>
+          </a:p>
+        </p:txBody>
+      </p:sp>
+      <p:sp>
+        <p:nvSpPr>
+          <p:cNvPr id="7" name="Стрелка: влево-вправо 6">
+            <a:extLst>
+              <a:ext uri="{FF2B5EF4-FFF2-40B4-BE49-F238E27FC236}">
+                <a16:creationId xmlns:a16="http://schemas.microsoft.com/office/drawing/2014/main" id="{7CFBBE13-4FDC-8374-5104-5AD1A258D62B}"/>
+              </a:ext>
+            </a:extLst>
+          </p:cNvPr>
+          <p:cNvSpPr/>
+          <p:nvPr/>
+        </p:nvSpPr>
+        <p:spPr>
+          <a:xfrm>
+            <a:off x="5050302" y="2131255"/>
+            <a:ext cx="2152356" cy="422031"/>
+          </a:xfrm>
+          <a:prstGeom prst="leftRightArrow">
+            <a:avLst/>
+          </a:prstGeom>
+        </p:spPr>
+        <p:style>
+          <a:lnRef idx="2">
+            <a:schemeClr val="accent1">
+              <a:shade val="50000"/>
+            </a:schemeClr>
+          </a:lnRef>
+          <a:fillRef idx="1">
+            <a:schemeClr val="accent1"/>
+          </a:fillRef>
+          <a:effectRef idx="0">
+            <a:schemeClr val="accent1"/>
+          </a:effectRef>
+          <a:fontRef idx="minor">
+            <a:schemeClr val="lt1"/>
+          </a:fontRef>
+        </p:style>
+        <p:txBody>
+          <a:bodyPr rtlCol="0" anchor="ctr"/>
+          <a:lstStyle/>
+          <a:p>
+            <a:pPr algn="ctr"/>
+            <a:endParaRPr lang="ru-RU"/>
+          </a:p>
+        </p:txBody>
+      </p:sp>
+      <p:sp>
+        <p:nvSpPr>
+          <p:cNvPr id="9" name="TextBox 8">
+            <a:extLst>
+              <a:ext uri="{FF2B5EF4-FFF2-40B4-BE49-F238E27FC236}">
+                <a16:creationId xmlns:a16="http://schemas.microsoft.com/office/drawing/2014/main" id="{2EC7D812-2B59-BEA3-20A9-84B7C7FB287D}"/>
+              </a:ext>
+            </a:extLst>
+          </p:cNvPr>
+          <p:cNvSpPr txBox="1"/>
+          <p:nvPr/>
+        </p:nvSpPr>
+        <p:spPr>
+          <a:xfrm>
+            <a:off x="4724986" y="1317105"/>
+            <a:ext cx="2802988" cy="769441"/>
+          </a:xfrm>
+          <a:prstGeom prst="rect">
+            <a:avLst/>
+          </a:prstGeom>
+          <a:noFill/>
+        </p:spPr>
+        <p:txBody>
+          <a:bodyPr wrap="square">
+            <a:spAutoFit/>
+          </a:bodyPr>
+          <a:lstStyle/>
+          <a:p>
+            <a:pPr algn="ctr"/>
+            <a:r>
+              <a:rPr lang="ru-RU" sz="2200" dirty="0">
+                <a:latin typeface="Times New Roman" panose="02020603050405020304" pitchFamily="18" charset="0"/>
+                <a:cs typeface="Times New Roman" panose="02020603050405020304" pitchFamily="18" charset="0"/>
+              </a:rPr>
+              <a:t>Бессознательное</a:t>
+            </a:r>
+          </a:p>
+          <a:p>
+            <a:pPr algn="ctr"/>
+            <a:r>
+              <a:rPr lang="ru-RU" sz="2200" dirty="0">
+                <a:latin typeface="Times New Roman" panose="02020603050405020304" pitchFamily="18" charset="0"/>
+                <a:cs typeface="Times New Roman" panose="02020603050405020304" pitchFamily="18" charset="0"/>
+              </a:rPr>
+              <a:t>Неосознаваемое</a:t>
+            </a:r>
+          </a:p>
+        </p:txBody>
+      </p:sp>
+      <p:sp>
+        <p:nvSpPr>
+          <p:cNvPr id="10" name="Прямоугольник: скругленные углы 9">
+            <a:extLst>
+              <a:ext uri="{FF2B5EF4-FFF2-40B4-BE49-F238E27FC236}">
+                <a16:creationId xmlns:a16="http://schemas.microsoft.com/office/drawing/2014/main" id="{A535DAAD-41DA-B2DD-FFD9-1F07EB008359}"/>
+              </a:ext>
+            </a:extLst>
+          </p:cNvPr>
+          <p:cNvSpPr/>
+          <p:nvPr/>
+        </p:nvSpPr>
+        <p:spPr>
+          <a:xfrm>
+            <a:off x="7389965" y="3570485"/>
+            <a:ext cx="3880341" cy="1280890"/>
+          </a:xfrm>
+          <a:prstGeom prst="roundRect">
+            <a:avLst/>
+          </a:prstGeom>
+        </p:spPr>
+        <p:style>
+          <a:lnRef idx="2">
+            <a:schemeClr val="accent6"/>
+          </a:lnRef>
+          <a:fillRef idx="1">
+            <a:schemeClr val="lt1"/>
+          </a:fillRef>
+          <a:effectRef idx="0">
+            <a:schemeClr val="accent6"/>
+          </a:effectRef>
+          <a:fontRef idx="minor">
+            <a:schemeClr val="dk1"/>
+          </a:fontRef>
+        </p:style>
+        <p:txBody>
+          <a:bodyPr rtlCol="0" anchor="ctr"/>
+          <a:lstStyle/>
+          <a:p>
+            <a:pPr algn="ctr"/>
+            <a:r>
+              <a:rPr lang="ru-RU" sz="2000" dirty="0" err="1"/>
+              <a:t>Когнитивизм</a:t>
+            </a:r>
+            <a:r>
+              <a:rPr lang="en-US" sz="2000" dirty="0"/>
+              <a:t>.</a:t>
+            </a:r>
+            <a:endParaRPr lang="ru-RU" sz="2000" dirty="0"/>
+          </a:p>
+          <a:p>
+            <a:pPr algn="ctr"/>
+            <a:r>
+              <a:rPr lang="ru-RU" sz="2000" dirty="0"/>
+              <a:t>Логическое мышление</a:t>
+            </a:r>
+          </a:p>
+        </p:txBody>
+      </p:sp>
+      <p:sp>
+        <p:nvSpPr>
+          <p:cNvPr id="14" name="Прямоугольник: скругленные углы 13">
+            <a:extLst>
+              <a:ext uri="{FF2B5EF4-FFF2-40B4-BE49-F238E27FC236}">
+                <a16:creationId xmlns:a16="http://schemas.microsoft.com/office/drawing/2014/main" id="{4DFD1E7E-AB43-95DF-9611-1A03B6EFE9AF}"/>
+              </a:ext>
+            </a:extLst>
+          </p:cNvPr>
+          <p:cNvSpPr/>
+          <p:nvPr/>
+        </p:nvSpPr>
+        <p:spPr>
+          <a:xfrm>
+            <a:off x="921695" y="3570485"/>
+            <a:ext cx="3880341" cy="1280890"/>
+          </a:xfrm>
+          <a:prstGeom prst="roundRect">
+            <a:avLst/>
+          </a:prstGeom>
+        </p:spPr>
+        <p:style>
+          <a:lnRef idx="2">
+            <a:schemeClr val="accent6"/>
+          </a:lnRef>
+          <a:fillRef idx="1">
+            <a:schemeClr val="lt1"/>
+          </a:fillRef>
+          <a:effectRef idx="0">
+            <a:schemeClr val="accent6"/>
+          </a:effectRef>
+          <a:fontRef idx="minor">
+            <a:schemeClr val="dk1"/>
+          </a:fontRef>
+        </p:style>
+        <p:txBody>
+          <a:bodyPr rtlCol="0" anchor="ctr"/>
+          <a:lstStyle/>
+          <a:p>
+            <a:pPr algn="ctr"/>
+            <a:r>
+              <a:rPr lang="ru-RU" sz="2000" dirty="0"/>
+              <a:t>Экспертная система</a:t>
+            </a:r>
+          </a:p>
+        </p:txBody>
+      </p:sp>
+      <p:sp>
+        <p:nvSpPr>
+          <p:cNvPr id="15" name="Стрелка: влево-вправо 14">
+            <a:extLst>
+              <a:ext uri="{FF2B5EF4-FFF2-40B4-BE49-F238E27FC236}">
+                <a16:creationId xmlns:a16="http://schemas.microsoft.com/office/drawing/2014/main" id="{E6DE5379-1999-23C4-30BA-561CE6E3603E}"/>
+              </a:ext>
+            </a:extLst>
+          </p:cNvPr>
+          <p:cNvSpPr/>
+          <p:nvPr/>
+        </p:nvSpPr>
+        <p:spPr>
+          <a:xfrm>
+            <a:off x="5050302" y="3999914"/>
+            <a:ext cx="2152356" cy="422031"/>
+          </a:xfrm>
+          <a:prstGeom prst="leftRightArrow">
+            <a:avLst/>
+          </a:prstGeom>
+        </p:spPr>
+        <p:style>
+          <a:lnRef idx="2">
+            <a:schemeClr val="accent1">
+              <a:shade val="50000"/>
+            </a:schemeClr>
+          </a:lnRef>
+          <a:fillRef idx="1">
+            <a:schemeClr val="accent1"/>
+          </a:fillRef>
+          <a:effectRef idx="0">
+            <a:schemeClr val="accent1"/>
+          </a:effectRef>
+          <a:fontRef idx="minor">
+            <a:schemeClr val="lt1"/>
+          </a:fontRef>
+        </p:style>
+        <p:txBody>
+          <a:bodyPr rtlCol="0" anchor="ctr"/>
+          <a:lstStyle/>
+          <a:p>
+            <a:pPr algn="ctr"/>
+            <a:endParaRPr lang="ru-RU"/>
+          </a:p>
+        </p:txBody>
+      </p:sp>
+      <p:sp>
+        <p:nvSpPr>
+          <p:cNvPr id="16" name="TextBox 15">
+            <a:extLst>
+              <a:ext uri="{FF2B5EF4-FFF2-40B4-BE49-F238E27FC236}">
+                <a16:creationId xmlns:a16="http://schemas.microsoft.com/office/drawing/2014/main" id="{B502A064-79BB-772D-F690-E2F7C7BD9BE3}"/>
+              </a:ext>
+            </a:extLst>
+          </p:cNvPr>
+          <p:cNvSpPr txBox="1"/>
+          <p:nvPr/>
+        </p:nvSpPr>
+        <p:spPr>
+          <a:xfrm>
+            <a:off x="4724986" y="3185764"/>
+            <a:ext cx="2802988" cy="769441"/>
+          </a:xfrm>
+          <a:prstGeom prst="rect">
+            <a:avLst/>
+          </a:prstGeom>
+          <a:noFill/>
+        </p:spPr>
+        <p:txBody>
+          <a:bodyPr wrap="square">
+            <a:spAutoFit/>
+          </a:bodyPr>
+          <a:lstStyle/>
+          <a:p>
+            <a:pPr algn="ctr"/>
+            <a:r>
+              <a:rPr lang="ru-RU" sz="2200" dirty="0">
+                <a:latin typeface="Times New Roman" panose="02020603050405020304" pitchFamily="18" charset="0"/>
+                <a:cs typeface="Times New Roman" panose="02020603050405020304" pitchFamily="18" charset="0"/>
+              </a:rPr>
+              <a:t>Сознательное</a:t>
+            </a:r>
+          </a:p>
+          <a:p>
+            <a:pPr algn="ctr"/>
+            <a:r>
+              <a:rPr lang="ru-RU" sz="2200" dirty="0">
+                <a:latin typeface="Times New Roman" panose="02020603050405020304" pitchFamily="18" charset="0"/>
+                <a:cs typeface="Times New Roman" panose="02020603050405020304" pitchFamily="18" charset="0"/>
+              </a:rPr>
+              <a:t>Осознаваемое</a:t>
+            </a:r>
+          </a:p>
+        </p:txBody>
+      </p:sp>
+      <p:sp>
+        <p:nvSpPr>
+          <p:cNvPr id="17" name="Прямоугольник: скругленные углы 16">
+            <a:extLst>
+              <a:ext uri="{FF2B5EF4-FFF2-40B4-BE49-F238E27FC236}">
+                <a16:creationId xmlns:a16="http://schemas.microsoft.com/office/drawing/2014/main" id="{48FCE3AF-60E5-21AF-F1F2-052D2AF6B95A}"/>
+              </a:ext>
+            </a:extLst>
+          </p:cNvPr>
+          <p:cNvSpPr/>
+          <p:nvPr/>
+        </p:nvSpPr>
+        <p:spPr>
+          <a:xfrm>
+            <a:off x="921695" y="5156174"/>
+            <a:ext cx="10348611" cy="1280890"/>
+          </a:xfrm>
+          <a:prstGeom prst="roundRect">
+            <a:avLst/>
+          </a:prstGeom>
+        </p:spPr>
+        <p:style>
+          <a:lnRef idx="2">
+            <a:schemeClr val="accent6"/>
+          </a:lnRef>
+          <a:fillRef idx="1">
+            <a:schemeClr val="lt1"/>
+          </a:fillRef>
+          <a:effectRef idx="0">
+            <a:schemeClr val="accent6"/>
+          </a:effectRef>
+          <a:fontRef idx="minor">
+            <a:schemeClr val="dk1"/>
+          </a:fontRef>
+        </p:style>
+        <p:txBody>
+          <a:bodyPr rtlCol="0" anchor="ctr"/>
+          <a:lstStyle/>
+          <a:p>
+            <a:pPr algn="ctr"/>
+            <a:r>
+              <a:rPr lang="ru-RU" sz="2000" dirty="0"/>
+              <a:t>Если «заложить» в систему </a:t>
+            </a:r>
+            <a:r>
+              <a:rPr lang="ru-RU" sz="2000" dirty="0" err="1"/>
+              <a:t>обусловливание</a:t>
+            </a:r>
+            <a:r>
+              <a:rPr lang="ru-RU" sz="2000" dirty="0"/>
+              <a:t> и логическое мышление,</a:t>
+            </a:r>
+          </a:p>
+          <a:p>
+            <a:pPr algn="ctr"/>
+            <a:r>
+              <a:rPr lang="ru-RU" sz="2000" dirty="0"/>
+              <a:t>то можно получить по-настоящему искусственный интеллект</a:t>
+            </a:r>
+          </a:p>
+        </p:txBody>
+      </p:sp>
+    </p:spTree>
+    <p:extLst>
+      <p:ext uri="{BB962C8B-B14F-4D97-AF65-F5344CB8AC3E}">
+        <p14:creationId xmlns:p14="http://schemas.microsoft.com/office/powerpoint/2010/main" val="327543132"/>
+      </p:ext>
+    </p:extLst>
+  </p:cSld>
+  <p:clrMapOvr>
+    <a:masterClrMapping/>
+  </p:clrMapOvr>
+  <p:transition spd="slow">
+    <p:wipe/>
+  </p:transition>
+  <p:timing>
+    <p:tnLst>
+      <p:par>
+        <p:cTn id="1" dur="indefinite" restart="never" nodeType="tmRoot">
+          <p:childTnLst>
+            <p:seq concurrent="1" nextAc="seek">
+              <p:cTn id="2" dur="indefinite" nodeType="mainSeq">
+                <p:childTnLst>
+                  <p:par>
+                    <p:cTn id="3" fill="hold">
+                      <p:stCondLst>
+                        <p:cond delay="indefinite"/>
+                      </p:stCondLst>
+                      <p:childTnLst>
+                        <p:par>
+                          <p:cTn id="4" fill="hold">
+                            <p:stCondLst>
+                              <p:cond delay="0"/>
+                            </p:stCondLst>
+                            <p:childTnLst>
+                              <p:par>
+                                <p:cTn id="5" presetID="22" presetClass="entr" presetSubtype="4" fill="hold" grpId="0" nodeType="clickEffect">
+                                  <p:stCondLst>
+                                    <p:cond delay="0"/>
+                                  </p:stCondLst>
+                                  <p:childTnLst>
+                                    <p:set>
+                                      <p:cBhvr>
+                                        <p:cTn id="6" dur="1" fill="hold">
+                                          <p:stCondLst>
+                                            <p:cond delay="0"/>
+                                          </p:stCondLst>
+                                        </p:cTn>
+                                        <p:tgtEl>
+                                          <p:spTgt spid="5"/>
+                                        </p:tgtEl>
+                                        <p:attrNameLst>
+                                          <p:attrName>style.visibility</p:attrName>
+                                        </p:attrNameLst>
+                                      </p:cBhvr>
+                                      <p:to>
+                                        <p:strVal val="visible"/>
+                                      </p:to>
+                                    </p:set>
+                                    <p:animEffect transition="in" filter="wipe(down)">
+                                      <p:cBhvr>
+                                        <p:cTn id="7" dur="500"/>
+                                        <p:tgtEl>
+                                          <p:spTgt spid="5"/>
+                                        </p:tgtEl>
+                                      </p:cBhvr>
+                                    </p:animEffect>
+                                  </p:childTnLst>
+                                </p:cTn>
+                              </p:par>
+                              <p:par>
+                                <p:cTn id="8" presetID="22" presetClass="entr" presetSubtype="4" fill="hold" grpId="0" nodeType="withEffect">
+                                  <p:stCondLst>
+                                    <p:cond delay="0"/>
+                                  </p:stCondLst>
+                                  <p:childTnLst>
+                                    <p:set>
+                                      <p:cBhvr>
+                                        <p:cTn id="9" dur="1" fill="hold">
+                                          <p:stCondLst>
+                                            <p:cond delay="0"/>
+                                          </p:stCondLst>
+                                        </p:cTn>
+                                        <p:tgtEl>
+                                          <p:spTgt spid="6"/>
+                                        </p:tgtEl>
+                                        <p:attrNameLst>
+                                          <p:attrName>style.visibility</p:attrName>
+                                        </p:attrNameLst>
+                                      </p:cBhvr>
+                                      <p:to>
+                                        <p:strVal val="visible"/>
+                                      </p:to>
+                                    </p:set>
+                                    <p:animEffect transition="in" filter="wipe(down)">
+                                      <p:cBhvr>
+                                        <p:cTn id="10" dur="500"/>
+                                        <p:tgtEl>
+                                          <p:spTgt spid="6"/>
+                                        </p:tgtEl>
+                                      </p:cBhvr>
+                                    </p:animEffect>
+                                  </p:childTnLst>
+                                </p:cTn>
+                              </p:par>
+                              <p:par>
+                                <p:cTn id="11" presetID="22" presetClass="entr" presetSubtype="4" fill="hold" grpId="0" nodeType="withEffect">
+                                  <p:stCondLst>
+                                    <p:cond delay="0"/>
+                                  </p:stCondLst>
+                                  <p:childTnLst>
+                                    <p:set>
+                                      <p:cBhvr>
+                                        <p:cTn id="12" dur="1" fill="hold">
+                                          <p:stCondLst>
+                                            <p:cond delay="0"/>
+                                          </p:stCondLst>
+                                        </p:cTn>
+                                        <p:tgtEl>
+                                          <p:spTgt spid="9"/>
+                                        </p:tgtEl>
+                                        <p:attrNameLst>
+                                          <p:attrName>style.visibility</p:attrName>
+                                        </p:attrNameLst>
+                                      </p:cBhvr>
+                                      <p:to>
+                                        <p:strVal val="visible"/>
+                                      </p:to>
+                                    </p:set>
+                                    <p:animEffect transition="in" filter="wipe(down)">
+                                      <p:cBhvr>
+                                        <p:cTn id="13" dur="500"/>
+                                        <p:tgtEl>
+                                          <p:spTgt spid="9"/>
+                                        </p:tgtEl>
+                                      </p:cBhvr>
+                                    </p:animEffect>
+                                  </p:childTnLst>
+                                </p:cTn>
+                              </p:par>
+                              <p:par>
+                                <p:cTn id="14" presetID="22" presetClass="entr" presetSubtype="4" fill="hold" grpId="0" nodeType="withEffect">
+                                  <p:stCondLst>
+                                    <p:cond delay="0"/>
+                                  </p:stCondLst>
+                                  <p:childTnLst>
+                                    <p:set>
+                                      <p:cBhvr>
+                                        <p:cTn id="15" dur="1" fill="hold">
+                                          <p:stCondLst>
+                                            <p:cond delay="0"/>
+                                          </p:stCondLst>
+                                        </p:cTn>
+                                        <p:tgtEl>
+                                          <p:spTgt spid="7"/>
+                                        </p:tgtEl>
+                                        <p:attrNameLst>
+                                          <p:attrName>style.visibility</p:attrName>
+                                        </p:attrNameLst>
+                                      </p:cBhvr>
+                                      <p:to>
+                                        <p:strVal val="visible"/>
+                                      </p:to>
+                                    </p:set>
+                                    <p:animEffect transition="in" filter="wipe(down)">
+                                      <p:cBhvr>
+                                        <p:cTn id="16" dur="500"/>
+                                        <p:tgtEl>
+                                          <p:spTgt spid="7"/>
+                                        </p:tgtEl>
+                                      </p:cBhvr>
+                                    </p:animEffect>
+                                  </p:childTnLst>
+                                </p:cTn>
+                              </p:par>
+                            </p:childTnLst>
+                          </p:cTn>
+                        </p:par>
+                      </p:childTnLst>
+                    </p:cTn>
+                  </p:par>
+                  <p:par>
+                    <p:cTn id="17" fill="hold">
+                      <p:stCondLst>
+                        <p:cond delay="indefinite"/>
+                      </p:stCondLst>
+                      <p:childTnLst>
+                        <p:par>
+                          <p:cTn id="18" fill="hold">
+                            <p:stCondLst>
+                              <p:cond delay="0"/>
+                            </p:stCondLst>
+                            <p:childTnLst>
+                              <p:par>
+                                <p:cTn id="19" presetID="22" presetClass="entr" presetSubtype="4" fill="hold" grpId="0" nodeType="clickEffect">
+                                  <p:stCondLst>
+                                    <p:cond delay="0"/>
+                                  </p:stCondLst>
+                                  <p:childTnLst>
+                                    <p:set>
+                                      <p:cBhvr>
+                                        <p:cTn id="20" dur="1" fill="hold">
+                                          <p:stCondLst>
+                                            <p:cond delay="0"/>
+                                          </p:stCondLst>
+                                        </p:cTn>
+                                        <p:tgtEl>
+                                          <p:spTgt spid="14"/>
+                                        </p:tgtEl>
+                                        <p:attrNameLst>
+                                          <p:attrName>style.visibility</p:attrName>
+                                        </p:attrNameLst>
+                                      </p:cBhvr>
+                                      <p:to>
+                                        <p:strVal val="visible"/>
+                                      </p:to>
+                                    </p:set>
+                                    <p:animEffect transition="in" filter="wipe(down)">
+                                      <p:cBhvr>
+                                        <p:cTn id="21" dur="500"/>
+                                        <p:tgtEl>
+                                          <p:spTgt spid="14"/>
+                                        </p:tgtEl>
+                                      </p:cBhvr>
+                                    </p:animEffect>
+                                  </p:childTnLst>
+                                </p:cTn>
+                              </p:par>
+                              <p:par>
+                                <p:cTn id="22" presetID="22" presetClass="entr" presetSubtype="4" fill="hold" grpId="0" nodeType="withEffect">
+                                  <p:stCondLst>
+                                    <p:cond delay="0"/>
+                                  </p:stCondLst>
+                                  <p:childTnLst>
+                                    <p:set>
+                                      <p:cBhvr>
+                                        <p:cTn id="23" dur="1" fill="hold">
+                                          <p:stCondLst>
+                                            <p:cond delay="0"/>
+                                          </p:stCondLst>
+                                        </p:cTn>
+                                        <p:tgtEl>
+                                          <p:spTgt spid="10"/>
+                                        </p:tgtEl>
+                                        <p:attrNameLst>
+                                          <p:attrName>style.visibility</p:attrName>
+                                        </p:attrNameLst>
+                                      </p:cBhvr>
+                                      <p:to>
+                                        <p:strVal val="visible"/>
+                                      </p:to>
+                                    </p:set>
+                                    <p:animEffect transition="in" filter="wipe(down)">
+                                      <p:cBhvr>
+                                        <p:cTn id="24" dur="500"/>
+                                        <p:tgtEl>
+                                          <p:spTgt spid="10"/>
+                                        </p:tgtEl>
+                                      </p:cBhvr>
+                                    </p:animEffect>
+                                  </p:childTnLst>
+                                </p:cTn>
+                              </p:par>
+                              <p:par>
+                                <p:cTn id="25" presetID="22" presetClass="entr" presetSubtype="4" fill="hold" grpId="0" nodeType="withEffect">
+                                  <p:stCondLst>
+                                    <p:cond delay="0"/>
+                                  </p:stCondLst>
+                                  <p:childTnLst>
+                                    <p:set>
+                                      <p:cBhvr>
+                                        <p:cTn id="26" dur="1" fill="hold">
+                                          <p:stCondLst>
+                                            <p:cond delay="0"/>
+                                          </p:stCondLst>
+                                        </p:cTn>
+                                        <p:tgtEl>
+                                          <p:spTgt spid="16"/>
+                                        </p:tgtEl>
+                                        <p:attrNameLst>
+                                          <p:attrName>style.visibility</p:attrName>
+                                        </p:attrNameLst>
+                                      </p:cBhvr>
+                                      <p:to>
+                                        <p:strVal val="visible"/>
+                                      </p:to>
+                                    </p:set>
+                                    <p:animEffect transition="in" filter="wipe(down)">
+                                      <p:cBhvr>
+                                        <p:cTn id="27" dur="500"/>
+                                        <p:tgtEl>
+                                          <p:spTgt spid="16"/>
+                                        </p:tgtEl>
+                                      </p:cBhvr>
+                                    </p:animEffect>
+                                  </p:childTnLst>
+                                </p:cTn>
+                              </p:par>
+                              <p:par>
+                                <p:cTn id="28" presetID="22" presetClass="entr" presetSubtype="4" fill="hold" grpId="0" nodeType="withEffect">
+                                  <p:stCondLst>
+                                    <p:cond delay="0"/>
+                                  </p:stCondLst>
+                                  <p:childTnLst>
+                                    <p:set>
+                                      <p:cBhvr>
+                                        <p:cTn id="29" dur="1" fill="hold">
+                                          <p:stCondLst>
+                                            <p:cond delay="0"/>
+                                          </p:stCondLst>
+                                        </p:cTn>
+                                        <p:tgtEl>
+                                          <p:spTgt spid="15"/>
+                                        </p:tgtEl>
+                                        <p:attrNameLst>
+                                          <p:attrName>style.visibility</p:attrName>
+                                        </p:attrNameLst>
+                                      </p:cBhvr>
+                                      <p:to>
+                                        <p:strVal val="visible"/>
+                                      </p:to>
+                                    </p:set>
+                                    <p:animEffect transition="in" filter="wipe(down)">
+                                      <p:cBhvr>
+                                        <p:cTn id="30" dur="500"/>
+                                        <p:tgtEl>
+                                          <p:spTgt spid="15"/>
+                                        </p:tgtEl>
+                                      </p:cBhvr>
+                                    </p:animEffect>
+                                  </p:childTnLst>
+                                </p:cTn>
+                              </p:par>
+                            </p:childTnLst>
+                          </p:cTn>
+                        </p:par>
+                      </p:childTnLst>
+                    </p:cTn>
+                  </p:par>
+                  <p:par>
+                    <p:cTn id="31" fill="hold">
+                      <p:stCondLst>
+                        <p:cond delay="indefinite"/>
+                      </p:stCondLst>
+                      <p:childTnLst>
+                        <p:par>
+                          <p:cTn id="32" fill="hold">
+                            <p:stCondLst>
+                              <p:cond delay="0"/>
+                            </p:stCondLst>
+                            <p:childTnLst>
+                              <p:par>
+                                <p:cTn id="33" presetID="22" presetClass="entr" presetSubtype="4" fill="hold" grpId="0" nodeType="clickEffect">
+                                  <p:stCondLst>
+                                    <p:cond delay="0"/>
+                                  </p:stCondLst>
+                                  <p:childTnLst>
+                                    <p:set>
+                                      <p:cBhvr>
+                                        <p:cTn id="34" dur="1" fill="hold">
+                                          <p:stCondLst>
+                                            <p:cond delay="0"/>
+                                          </p:stCondLst>
+                                        </p:cTn>
+                                        <p:tgtEl>
+                                          <p:spTgt spid="17"/>
+                                        </p:tgtEl>
+                                        <p:attrNameLst>
+                                          <p:attrName>style.visibility</p:attrName>
+                                        </p:attrNameLst>
+                                      </p:cBhvr>
+                                      <p:to>
+                                        <p:strVal val="visible"/>
+                                      </p:to>
+                                    </p:set>
+                                    <p:animEffect transition="in" filter="wipe(down)">
+                                      <p:cBhvr>
+                                        <p:cTn id="35" dur="500"/>
+                                        <p:tgtEl>
+                                          <p:spTgt spid="17"/>
+                                        </p:tgtEl>
+                                      </p:cBhvr>
+                                    </p:animEffect>
+                                  </p:childTnLst>
+                                </p:cTn>
+                              </p:par>
+                            </p:childTnLst>
+                          </p:cTn>
+                        </p:par>
+                      </p:childTnLst>
+                    </p:cTn>
+                  </p:par>
+                </p:childTnLst>
+              </p:cTn>
+              <p:prevCondLst>
+                <p:cond evt="onPrev" delay="0">
+                  <p:tgtEl>
+                    <p:sldTgt/>
+                  </p:tgtEl>
+                </p:cond>
+              </p:prevCondLst>
+              <p:nextCondLst>
+                <p:cond evt="onNext" delay="0">
+                  <p:tgtEl>
+                    <p:sldTgt/>
+                  </p:tgtEl>
+                </p:cond>
+              </p:nextCondLst>
+            </p:seq>
+          </p:childTnLst>
+        </p:cTn>
+      </p:par>
+    </p:tnLst>
+    <p:bldLst>
+      <p:bldP spid="5" grpId="0" animBg="1"/>
+      <p:bldP spid="6" grpId="0" animBg="1"/>
+      <p:bldP spid="7" grpId="0" animBg="1"/>
+      <p:bldP spid="9" grpId="0"/>
+      <p:bldP spid="10" grpId="0" animBg="1"/>
+      <p:bldP spid="14" grpId="0" animBg="1"/>
+      <p:bldP spid="15" grpId="0" animBg="1"/>
+      <p:bldP spid="16" grpId="0"/>
+      <p:bldP spid="17" grpId="0" animBg="1"/>
+    </p:bldLst>
+  </p:timing>
+</p:sld>
+</file>
+
+<file path=ppt/slides/slide4.xml><?xml version="1.0" encoding="utf-8"?>
+<p:sld xmlns:a="http://schemas.openxmlformats.org/drawingml/2006/main" xmlns:r="http://schemas.openxmlformats.org/officeDocument/2006/relationships" xmlns:p="http://schemas.openxmlformats.org/presentationml/2006/main">
+  <p:cSld>
+    <p:spTree>
+      <p:nvGrpSpPr>
+        <p:cNvPr id="1" name=""/>
+        <p:cNvGrpSpPr/>
+        <p:nvPr/>
+      </p:nvGrpSpPr>
+      <p:grpSpPr>
+        <a:xfrm>
+          <a:off x="0" y="0"/>
+          <a:ext cx="0" cy="0"/>
+          <a:chOff x="0" y="0"/>
+          <a:chExt cx="0" cy="0"/>
+        </a:xfrm>
+      </p:grpSpPr>
+      <p:sp>
+        <p:nvSpPr>
+          <p:cNvPr id="2" name="Заголовок 1">
+            <a:extLst>
+              <a:ext uri="{FF2B5EF4-FFF2-40B4-BE49-F238E27FC236}">
+                <a16:creationId xmlns:a16="http://schemas.microsoft.com/office/drawing/2014/main" id="{4AC85386-B4C3-ADEF-58B0-4F680C9D60EA}"/>
+              </a:ext>
+            </a:extLst>
+          </p:cNvPr>
+          <p:cNvSpPr>
+            <a:spLocks noGrp="1"/>
+          </p:cNvSpPr>
+          <p:nvPr>
+            <p:ph type="title"/>
+          </p:nvPr>
+        </p:nvSpPr>
+        <p:spPr>
+          <a:xfrm>
+            <a:off x="1640156" y="215820"/>
+            <a:ext cx="8911687" cy="754524"/>
+          </a:xfrm>
+        </p:spPr>
+        <p:txBody>
+          <a:bodyPr/>
+          <a:lstStyle/>
+          <a:p>
+            <a:pPr algn="ctr"/>
+            <a:r>
+              <a:rPr lang="ru-RU" dirty="0">
+                <a:latin typeface="Times New Roman" panose="02020603050405020304" pitchFamily="18" charset="0"/>
+                <a:cs typeface="Times New Roman" panose="02020603050405020304" pitchFamily="18" charset="0"/>
+              </a:rPr>
+              <a:t>Общая схема</a:t>
+            </a:r>
           </a:p>
         </p:txBody>
       </p:sp>
@@ -7968,7 +10262,7 @@
           <p:cNvPr id="3" name="Объект 2">
             <a:extLst>
               <a:ext uri="{FF2B5EF4-FFF2-40B4-BE49-F238E27FC236}">
-                <a16:creationId xmlns:a16="http://schemas.microsoft.com/office/drawing/2014/main" id="{B54BA374-D601-44B1-8174-F89B97D62D77}"/>
+                <a16:creationId xmlns:a16="http://schemas.microsoft.com/office/drawing/2014/main" id="{8F3FFBDB-E420-AB9F-DD44-2B691D6F78A3}"/>
               </a:ext>
             </a:extLst>
           </p:cNvPr>
@@ -7981,83 +10275,15 @@
         </p:nvSpPr>
         <p:spPr>
           <a:xfrm>
-            <a:off x="7076215" y="1983553"/>
-            <a:ext cx="4583973" cy="4086665"/>
+            <a:off x="8117058" y="1880382"/>
+            <a:ext cx="3908058" cy="3777622"/>
           </a:xfrm>
         </p:spPr>
         <p:txBody>
-          <a:bodyPr>
-            <a:normAutofit/>
-          </a:bodyPr>
+          <a:bodyPr/>
           <a:lstStyle/>
           <a:p>
-            <a:pPr algn="just">
-              <a:lnSpc>
-                <a:spcPct val="114000"/>
-              </a:lnSpc>
-              <a:spcBef>
-                <a:spcPts val="0"/>
-              </a:spcBef>
-              <a:buFont typeface="Arial" panose="020B0604020202020204" pitchFamily="34" charset="0"/>
-              <a:buChar char="•"/>
-            </a:pPr>
-            <a:r>
-              <a:rPr lang="ru-RU" sz="2400" dirty="0">
-                <a:solidFill>
-                  <a:schemeClr val="tx1"/>
-                </a:solidFill>
-                <a:latin typeface="Times New Roman" panose="02020603050405020304" pitchFamily="18" charset="0"/>
-                <a:cs typeface="Times New Roman" panose="02020603050405020304" pitchFamily="18" charset="0"/>
-              </a:rPr>
-              <a:t>Изменение пассажиропотока в зависимости от внешних условий</a:t>
-            </a:r>
-          </a:p>
-          <a:p>
-            <a:pPr algn="just">
-              <a:lnSpc>
-                <a:spcPct val="114000"/>
-              </a:lnSpc>
-              <a:spcBef>
-                <a:spcPts val="0"/>
-              </a:spcBef>
-              <a:buFont typeface="Arial" panose="020B0604020202020204" pitchFamily="34" charset="0"/>
-              <a:buChar char="•"/>
-            </a:pPr>
-            <a:r>
-              <a:rPr lang="ru-RU" sz="2400" dirty="0">
-                <a:solidFill>
-                  <a:schemeClr val="tx1"/>
-                </a:solidFill>
-                <a:latin typeface="Times New Roman" panose="02020603050405020304" pitchFamily="18" charset="0"/>
-                <a:cs typeface="Times New Roman" panose="02020603050405020304" pitchFamily="18" charset="0"/>
-              </a:rPr>
-              <a:t>Необходимость в эффективном управлении персоналом аэровокзала</a:t>
-            </a:r>
-          </a:p>
-          <a:p>
-            <a:pPr algn="just">
-              <a:lnSpc>
-                <a:spcPct val="114000"/>
-              </a:lnSpc>
-              <a:spcBef>
-                <a:spcPts val="0"/>
-              </a:spcBef>
-              <a:spcAft>
-                <a:spcPts val="600"/>
-              </a:spcAft>
-              <a:buFont typeface="Arial" panose="020B0604020202020204" pitchFamily="34" charset="0"/>
-              <a:buChar char="•"/>
-            </a:pPr>
-            <a:r>
-              <a:rPr lang="ru-RU" sz="2400" dirty="0">
-                <a:solidFill>
-                  <a:schemeClr val="tx1"/>
-                </a:solidFill>
-                <a:latin typeface="Times New Roman" panose="02020603050405020304" pitchFamily="18" charset="0"/>
-                <a:cs typeface="Times New Roman" panose="02020603050405020304" pitchFamily="18" charset="0"/>
-              </a:rPr>
-              <a:t>Жёсткие требования к оптимизации структуры аэровокзала</a:t>
-            </a:r>
+            <a:endParaRPr lang="ru-RU"/>
           </a:p>
         </p:txBody>
       </p:sp>
@@ -8066,7 +10292,7 @@
           <p:cNvPr id="4" name="Номер слайда 3">
             <a:extLst>
               <a:ext uri="{FF2B5EF4-FFF2-40B4-BE49-F238E27FC236}">
-                <a16:creationId xmlns:a16="http://schemas.microsoft.com/office/drawing/2014/main" id="{79648B44-DFE0-4F3D-94BD-228E963967DB}"/>
+                <a16:creationId xmlns:a16="http://schemas.microsoft.com/office/drawing/2014/main" id="{8F51B249-618F-5279-64DC-6B0EEF5ADAA2}"/>
               </a:ext>
             </a:extLst>
           </p:cNvPr>
@@ -8082,66 +10308,470 @@
           <a:bodyPr/>
           <a:lstStyle/>
           <a:p>
-            <a:fld id="{3F88EBF8-62F6-446E-B23F-7EEAB9F14FA5}" type="slidenum">
-              <a:rPr lang="ru-RU" sz="4000" smtClean="0">
-                <a:latin typeface="Times New Roman" panose="02020603050405020304" pitchFamily="18" charset="0"/>
-                <a:cs typeface="Times New Roman" panose="02020603050405020304" pitchFamily="18" charset="0"/>
-              </a:rPr>
-              <a:t>2</a:t>
+            <a:fld id="{03C0CC59-6802-44A9-9AE1-B9BD1C008210}" type="slidenum">
+              <a:rPr lang="ru-RU" smtClean="0"/>
+              <a:t>4</a:t>
             </a:fld>
-            <a:endParaRPr lang="ru-RU" sz="4000" dirty="0">
-              <a:latin typeface="Times New Roman" panose="02020603050405020304" pitchFamily="18" charset="0"/>
-              <a:cs typeface="Times New Roman" panose="02020603050405020304" pitchFamily="18" charset="0"/>
-            </a:endParaRPr>
-          </a:p>
-        </p:txBody>
-      </p:sp>
-      <p:pic>
-        <p:nvPicPr>
-          <p:cNvPr id="6" name="Рисунок 5">
+            <a:endParaRPr lang="ru-RU"/>
+          </a:p>
+        </p:txBody>
+      </p:sp>
+      <p:sp>
+        <p:nvSpPr>
+          <p:cNvPr id="5" name="Прямоугольник: скругленные углы 4">
             <a:extLst>
               <a:ext uri="{FF2B5EF4-FFF2-40B4-BE49-F238E27FC236}">
-                <a16:creationId xmlns:a16="http://schemas.microsoft.com/office/drawing/2014/main" id="{85C7F594-95DD-4FD5-945A-F87D8DA9E4DB}"/>
+                <a16:creationId xmlns:a16="http://schemas.microsoft.com/office/drawing/2014/main" id="{4EA19E84-2026-C07D-5C7F-F72C59443361}"/>
               </a:ext>
             </a:extLst>
           </p:cNvPr>
-          <p:cNvPicPr>
-            <a:picLocks noChangeAspect="1"/>
-          </p:cNvPicPr>
+          <p:cNvSpPr/>
           <p:nvPr/>
-        </p:nvPicPr>
-        <p:blipFill>
-          <a:blip r:embed="rId2">
-            <a:extLst>
-              <a:ext uri="{28A0092B-C50C-407E-A947-70E740481C1C}">
-                <a14:useLocalDpi xmlns:a14="http://schemas.microsoft.com/office/drawing/2010/main" val="0"/>
-              </a:ext>
-            </a:extLst>
-          </a:blip>
-          <a:stretch>
-            <a:fillRect/>
-          </a:stretch>
-        </p:blipFill>
+        </p:nvSpPr>
         <p:spPr>
           <a:xfrm>
-            <a:off x="531812" y="1983553"/>
-            <a:ext cx="6328385" cy="4086665"/>
+            <a:off x="3227234" y="1152907"/>
+            <a:ext cx="4642338" cy="886629"/>
           </a:xfrm>
-          <a:prstGeom prst="rect">
+          <a:prstGeom prst="roundRect">
             <a:avLst/>
           </a:prstGeom>
         </p:spPr>
-      </p:pic>
+        <p:style>
+          <a:lnRef idx="2">
+            <a:schemeClr val="accent6"/>
+          </a:lnRef>
+          <a:fillRef idx="1">
+            <a:schemeClr val="lt1"/>
+          </a:fillRef>
+          <a:effectRef idx="0">
+            <a:schemeClr val="accent6"/>
+          </a:effectRef>
+          <a:fontRef idx="minor">
+            <a:schemeClr val="dk1"/>
+          </a:fontRef>
+        </p:style>
+        <p:txBody>
+          <a:bodyPr rtlCol="0" anchor="ctr"/>
+          <a:lstStyle/>
+          <a:p>
+            <a:pPr algn="ctr"/>
+            <a:r>
+              <a:rPr lang="ru-RU" sz="2000" dirty="0"/>
+              <a:t>Правила игры</a:t>
+            </a:r>
+          </a:p>
+          <a:p>
+            <a:pPr algn="ctr"/>
+            <a:r>
+              <a:rPr lang="ru-RU" sz="2000" dirty="0"/>
+              <a:t>(условие задачи)</a:t>
+            </a:r>
+          </a:p>
+        </p:txBody>
+      </p:sp>
+      <p:sp>
+        <p:nvSpPr>
+          <p:cNvPr id="6" name="Прямоугольник: скругленные углы 5">
+            <a:extLst>
+              <a:ext uri="{FF2B5EF4-FFF2-40B4-BE49-F238E27FC236}">
+                <a16:creationId xmlns:a16="http://schemas.microsoft.com/office/drawing/2014/main" id="{79AFCF39-E539-F684-C00C-FB30BFBF24FC}"/>
+              </a:ext>
+            </a:extLst>
+          </p:cNvPr>
+          <p:cNvSpPr/>
+          <p:nvPr/>
+        </p:nvSpPr>
+        <p:spPr>
+          <a:xfrm>
+            <a:off x="3227234" y="2388519"/>
+            <a:ext cx="4642338" cy="886629"/>
+          </a:xfrm>
+          <a:prstGeom prst="roundRect">
+            <a:avLst/>
+          </a:prstGeom>
+        </p:spPr>
+        <p:style>
+          <a:lnRef idx="2">
+            <a:schemeClr val="accent6"/>
+          </a:lnRef>
+          <a:fillRef idx="1">
+            <a:schemeClr val="lt1"/>
+          </a:fillRef>
+          <a:effectRef idx="0">
+            <a:schemeClr val="accent6"/>
+          </a:effectRef>
+          <a:fontRef idx="minor">
+            <a:schemeClr val="dk1"/>
+          </a:fontRef>
+        </p:style>
+        <p:txBody>
+          <a:bodyPr rtlCol="0" anchor="ctr"/>
+          <a:lstStyle/>
+          <a:p>
+            <a:pPr algn="ctr"/>
+            <a:r>
+              <a:rPr lang="ru-RU" sz="2000" dirty="0"/>
+              <a:t>Формирование содержательной и математической постановок задачи</a:t>
+            </a:r>
+          </a:p>
+        </p:txBody>
+      </p:sp>
+      <p:sp>
+        <p:nvSpPr>
+          <p:cNvPr id="7" name="Прямоугольник: скругленные углы 6">
+            <a:extLst>
+              <a:ext uri="{FF2B5EF4-FFF2-40B4-BE49-F238E27FC236}">
+                <a16:creationId xmlns:a16="http://schemas.microsoft.com/office/drawing/2014/main" id="{5DCFE1F0-E4D8-AB82-DC24-949803E82D6B}"/>
+              </a:ext>
+            </a:extLst>
+          </p:cNvPr>
+          <p:cNvSpPr/>
+          <p:nvPr/>
+        </p:nvSpPr>
+        <p:spPr>
+          <a:xfrm>
+            <a:off x="3227234" y="3521613"/>
+            <a:ext cx="4642338" cy="886629"/>
+          </a:xfrm>
+          <a:prstGeom prst="roundRect">
+            <a:avLst/>
+          </a:prstGeom>
+        </p:spPr>
+        <p:style>
+          <a:lnRef idx="2">
+            <a:schemeClr val="accent6"/>
+          </a:lnRef>
+          <a:fillRef idx="1">
+            <a:schemeClr val="lt1"/>
+          </a:fillRef>
+          <a:effectRef idx="0">
+            <a:schemeClr val="accent6"/>
+          </a:effectRef>
+          <a:fontRef idx="minor">
+            <a:schemeClr val="dk1"/>
+          </a:fontRef>
+        </p:style>
+        <p:txBody>
+          <a:bodyPr rtlCol="0" anchor="ctr"/>
+          <a:lstStyle/>
+          <a:p>
+            <a:pPr algn="ctr"/>
+            <a:r>
+              <a:rPr lang="ru-RU" sz="2000" dirty="0"/>
+              <a:t>Поиск способов (методов) решения задачи</a:t>
+            </a:r>
+          </a:p>
+        </p:txBody>
+      </p:sp>
+      <p:sp>
+        <p:nvSpPr>
+          <p:cNvPr id="8" name="Прямоугольник: скругленные углы 7">
+            <a:extLst>
+              <a:ext uri="{FF2B5EF4-FFF2-40B4-BE49-F238E27FC236}">
+                <a16:creationId xmlns:a16="http://schemas.microsoft.com/office/drawing/2014/main" id="{E900091A-8684-77FD-E7FD-C5FE75459642}"/>
+              </a:ext>
+            </a:extLst>
+          </p:cNvPr>
+          <p:cNvSpPr/>
+          <p:nvPr/>
+        </p:nvSpPr>
+        <p:spPr>
+          <a:xfrm>
+            <a:off x="3227234" y="4654707"/>
+            <a:ext cx="4642338" cy="886629"/>
+          </a:xfrm>
+          <a:prstGeom prst="roundRect">
+            <a:avLst/>
+          </a:prstGeom>
+        </p:spPr>
+        <p:style>
+          <a:lnRef idx="2">
+            <a:schemeClr val="accent6"/>
+          </a:lnRef>
+          <a:fillRef idx="1">
+            <a:schemeClr val="lt1"/>
+          </a:fillRef>
+          <a:effectRef idx="0">
+            <a:schemeClr val="accent6"/>
+          </a:effectRef>
+          <a:fontRef idx="minor">
+            <a:schemeClr val="dk1"/>
+          </a:fontRef>
+        </p:style>
+        <p:txBody>
+          <a:bodyPr rtlCol="0" anchor="ctr"/>
+          <a:lstStyle/>
+          <a:p>
+            <a:pPr algn="ctr"/>
+            <a:r>
+              <a:rPr lang="ru-RU" sz="2000" dirty="0"/>
+              <a:t>Поиск способов эффективного применения разработанных методов решения</a:t>
+            </a:r>
+          </a:p>
+        </p:txBody>
+      </p:sp>
     </p:spTree>
     <p:extLst>
       <p:ext uri="{BB962C8B-B14F-4D97-AF65-F5344CB8AC3E}">
-        <p14:creationId xmlns:p14="http://schemas.microsoft.com/office/powerpoint/2010/main" val="1490257484"/>
+        <p14:creationId xmlns:p14="http://schemas.microsoft.com/office/powerpoint/2010/main" val="1971548837"/>
       </p:ext>
     </p:extLst>
   </p:cSld>
   <p:clrMapOvr>
     <a:masterClrMapping/>
   </p:clrMapOvr>
+  <p:transition spd="slow">
+    <p:wipe/>
+  </p:transition>
+  <p:timing>
+    <p:tnLst>
+      <p:par>
+        <p:cTn id="1" dur="indefinite" restart="never" nodeType="tmRoot">
+          <p:childTnLst>
+            <p:seq concurrent="1" nextAc="seek">
+              <p:cTn id="2" dur="indefinite" nodeType="mainSeq">
+                <p:childTnLst>
+                  <p:par>
+                    <p:cTn id="3" fill="hold">
+                      <p:stCondLst>
+                        <p:cond delay="indefinite"/>
+                      </p:stCondLst>
+                      <p:childTnLst>
+                        <p:par>
+                          <p:cTn id="4" fill="hold">
+                            <p:stCondLst>
+                              <p:cond delay="0"/>
+                            </p:stCondLst>
+                            <p:childTnLst>
+                              <p:par>
+                                <p:cTn id="5" presetID="22" presetClass="entr" presetSubtype="4" fill="hold" grpId="0" nodeType="clickEffect">
+                                  <p:stCondLst>
+                                    <p:cond delay="0"/>
+                                  </p:stCondLst>
+                                  <p:childTnLst>
+                                    <p:set>
+                                      <p:cBhvr>
+                                        <p:cTn id="6" dur="1" fill="hold">
+                                          <p:stCondLst>
+                                            <p:cond delay="0"/>
+                                          </p:stCondLst>
+                                        </p:cTn>
+                                        <p:tgtEl>
+                                          <p:spTgt spid="5"/>
+                                        </p:tgtEl>
+                                        <p:attrNameLst>
+                                          <p:attrName>style.visibility</p:attrName>
+                                        </p:attrNameLst>
+                                      </p:cBhvr>
+                                      <p:to>
+                                        <p:strVal val="visible"/>
+                                      </p:to>
+                                    </p:set>
+                                    <p:animEffect transition="in" filter="wipe(down)">
+                                      <p:cBhvr>
+                                        <p:cTn id="7" dur="500"/>
+                                        <p:tgtEl>
+                                          <p:spTgt spid="5"/>
+                                        </p:tgtEl>
+                                      </p:cBhvr>
+                                    </p:animEffect>
+                                  </p:childTnLst>
+                                </p:cTn>
+                              </p:par>
+                            </p:childTnLst>
+                          </p:cTn>
+                        </p:par>
+                      </p:childTnLst>
+                    </p:cTn>
+                  </p:par>
+                  <p:par>
+                    <p:cTn id="8" fill="hold">
+                      <p:stCondLst>
+                        <p:cond delay="indefinite"/>
+                      </p:stCondLst>
+                      <p:childTnLst>
+                        <p:par>
+                          <p:cTn id="9" fill="hold">
+                            <p:stCondLst>
+                              <p:cond delay="0"/>
+                            </p:stCondLst>
+                            <p:childTnLst>
+                              <p:par>
+                                <p:cTn id="10" presetID="22" presetClass="entr" presetSubtype="4" fill="hold" grpId="0" nodeType="clickEffect">
+                                  <p:stCondLst>
+                                    <p:cond delay="0"/>
+                                  </p:stCondLst>
+                                  <p:childTnLst>
+                                    <p:set>
+                                      <p:cBhvr>
+                                        <p:cTn id="11" dur="1" fill="hold">
+                                          <p:stCondLst>
+                                            <p:cond delay="0"/>
+                                          </p:stCondLst>
+                                        </p:cTn>
+                                        <p:tgtEl>
+                                          <p:spTgt spid="6"/>
+                                        </p:tgtEl>
+                                        <p:attrNameLst>
+                                          <p:attrName>style.visibility</p:attrName>
+                                        </p:attrNameLst>
+                                      </p:cBhvr>
+                                      <p:to>
+                                        <p:strVal val="visible"/>
+                                      </p:to>
+                                    </p:set>
+                                    <p:animEffect transition="in" filter="wipe(down)">
+                                      <p:cBhvr>
+                                        <p:cTn id="12" dur="500"/>
+                                        <p:tgtEl>
+                                          <p:spTgt spid="6"/>
+                                        </p:tgtEl>
+                                      </p:cBhvr>
+                                    </p:animEffect>
+                                  </p:childTnLst>
+                                </p:cTn>
+                              </p:par>
+                            </p:childTnLst>
+                          </p:cTn>
+                        </p:par>
+                      </p:childTnLst>
+                    </p:cTn>
+                  </p:par>
+                  <p:par>
+                    <p:cTn id="13" fill="hold">
+                      <p:stCondLst>
+                        <p:cond delay="indefinite"/>
+                      </p:stCondLst>
+                      <p:childTnLst>
+                        <p:par>
+                          <p:cTn id="14" fill="hold">
+                            <p:stCondLst>
+                              <p:cond delay="0"/>
+                            </p:stCondLst>
+                            <p:childTnLst>
+                              <p:par>
+                                <p:cTn id="15" presetID="22" presetClass="entr" presetSubtype="4" fill="hold" grpId="0" nodeType="clickEffect">
+                                  <p:stCondLst>
+                                    <p:cond delay="0"/>
+                                  </p:stCondLst>
+                                  <p:childTnLst>
+                                    <p:set>
+                                      <p:cBhvr>
+                                        <p:cTn id="16" dur="1" fill="hold">
+                                          <p:stCondLst>
+                                            <p:cond delay="0"/>
+                                          </p:stCondLst>
+                                        </p:cTn>
+                                        <p:tgtEl>
+                                          <p:spTgt spid="7"/>
+                                        </p:tgtEl>
+                                        <p:attrNameLst>
+                                          <p:attrName>style.visibility</p:attrName>
+                                        </p:attrNameLst>
+                                      </p:cBhvr>
+                                      <p:to>
+                                        <p:strVal val="visible"/>
+                                      </p:to>
+                                    </p:set>
+                                    <p:animEffect transition="in" filter="wipe(down)">
+                                      <p:cBhvr>
+                                        <p:cTn id="17" dur="500"/>
+                                        <p:tgtEl>
+                                          <p:spTgt spid="7"/>
+                                        </p:tgtEl>
+                                      </p:cBhvr>
+                                    </p:animEffect>
+                                  </p:childTnLst>
+                                </p:cTn>
+                              </p:par>
+                            </p:childTnLst>
+                          </p:cTn>
+                        </p:par>
+                      </p:childTnLst>
+                    </p:cTn>
+                  </p:par>
+                  <p:par>
+                    <p:cTn id="18" fill="hold">
+                      <p:stCondLst>
+                        <p:cond delay="indefinite"/>
+                      </p:stCondLst>
+                      <p:childTnLst>
+                        <p:par>
+                          <p:cTn id="19" fill="hold">
+                            <p:stCondLst>
+                              <p:cond delay="0"/>
+                            </p:stCondLst>
+                            <p:childTnLst>
+                              <p:par>
+                                <p:cTn id="20" presetID="22" presetClass="entr" presetSubtype="4" fill="hold" grpId="0" nodeType="clickEffect">
+                                  <p:stCondLst>
+                                    <p:cond delay="0"/>
+                                  </p:stCondLst>
+                                  <p:childTnLst>
+                                    <p:set>
+                                      <p:cBhvr>
+                                        <p:cTn id="21" dur="1" fill="hold">
+                                          <p:stCondLst>
+                                            <p:cond delay="0"/>
+                                          </p:stCondLst>
+                                        </p:cTn>
+                                        <p:tgtEl>
+                                          <p:spTgt spid="8"/>
+                                        </p:tgtEl>
+                                        <p:attrNameLst>
+                                          <p:attrName>style.visibility</p:attrName>
+                                        </p:attrNameLst>
+                                      </p:cBhvr>
+                                      <p:to>
+                                        <p:strVal val="visible"/>
+                                      </p:to>
+                                    </p:set>
+                                    <p:animEffect transition="in" filter="wipe(down)">
+                                      <p:cBhvr>
+                                        <p:cTn id="22" dur="500"/>
+                                        <p:tgtEl>
+                                          <p:spTgt spid="8"/>
+                                        </p:tgtEl>
+                                      </p:cBhvr>
+                                    </p:animEffect>
+                                  </p:childTnLst>
+                                </p:cTn>
+                              </p:par>
+                            </p:childTnLst>
+                          </p:cTn>
+                        </p:par>
+                      </p:childTnLst>
+                    </p:cTn>
+                  </p:par>
+                </p:childTnLst>
+              </p:cTn>
+              <p:prevCondLst>
+                <p:cond evt="onPrev" delay="0">
+                  <p:tgtEl>
+                    <p:sldTgt/>
+                  </p:tgtEl>
+                </p:cond>
+              </p:prevCondLst>
+              <p:nextCondLst>
+                <p:cond evt="onNext" delay="0">
+                  <p:tgtEl>
+                    <p:sldTgt/>
+                  </p:tgtEl>
+                </p:cond>
+              </p:nextCondLst>
+            </p:seq>
+          </p:childTnLst>
+        </p:cTn>
+      </p:par>
+    </p:tnLst>
+    <p:bldLst>
+      <p:bldP spid="5" grpId="0" animBg="1"/>
+      <p:bldP spid="6" grpId="0" animBg="1"/>
+      <p:bldP spid="7" grpId="0" animBg="1"/>
+      <p:bldP spid="8" grpId="0" animBg="1"/>
+    </p:bldLst>
+  </p:timing>
 </p:sld>
 </file>
 
@@ -8386,4 +11016,299 @@
     </a:ext>
   </a:extLst>
 </a:theme>
+</file>
+
+<file path=ppt/theme/theme2.xml><?xml version="1.0" encoding="utf-8"?>
+<a:theme xmlns:a="http://schemas.openxmlformats.org/drawingml/2006/main" name="Тема Office">
+  <a:themeElements>
+    <a:clrScheme name="Стандартная">
+      <a:dk1>
+        <a:sysClr val="windowText" lastClr="000000"/>
+      </a:dk1>
+      <a:lt1>
+        <a:sysClr val="window" lastClr="FFFFFF"/>
+      </a:lt1>
+      <a:dk2>
+        <a:srgbClr val="44546A"/>
+      </a:dk2>
+      <a:lt2>
+        <a:srgbClr val="E7E6E6"/>
+      </a:lt2>
+      <a:accent1>
+        <a:srgbClr val="4472C4"/>
+      </a:accent1>
+      <a:accent2>
+        <a:srgbClr val="ED7D31"/>
+      </a:accent2>
+      <a:accent3>
+        <a:srgbClr val="A5A5A5"/>
+      </a:accent3>
+      <a:accent4>
+        <a:srgbClr val="FFC000"/>
+      </a:accent4>
+      <a:accent5>
+        <a:srgbClr val="5B9BD5"/>
+      </a:accent5>
+      <a:accent6>
+        <a:srgbClr val="70AD47"/>
+      </a:accent6>
+      <a:hlink>
+        <a:srgbClr val="0563C1"/>
+      </a:hlink>
+      <a:folHlink>
+        <a:srgbClr val="954F72"/>
+      </a:folHlink>
+    </a:clrScheme>
+    <a:fontScheme name="Стандартная">
+      <a:majorFont>
+        <a:latin typeface="Calibri Light" panose="020F0302020204030204"/>
+        <a:ea typeface=""/>
+        <a:cs typeface=""/>
+        <a:font script="Jpan" typeface="游ゴシック Light"/>
+        <a:font script="Hang" typeface="맑은 고딕"/>
+        <a:font script="Hans" typeface="等线 Light"/>
+        <a:font script="Hant" typeface="新細明體"/>
+        <a:font script="Arab" typeface="Times New Roman"/>
+        <a:font script="Hebr" typeface="Times New Roman"/>
+        <a:font script="Thai" typeface="Angsana New"/>
+        <a:font script="Ethi" typeface="Nyala"/>
+        <a:font script="Beng" typeface="Vrinda"/>
+        <a:font script="Gujr" typeface="Shruti"/>
+        <a:font script="Khmr" typeface="MoolBoran"/>
+        <a:font script="Knda" typeface="Tunga"/>
+        <a:font script="Guru" typeface="Raavi"/>
+        <a:font script="Cans" typeface="Euphemia"/>
+        <a:font script="Cher" typeface="Plantagenet Cherokee"/>
+        <a:font script="Yiii" typeface="Microsoft Yi Baiti"/>
+        <a:font script="Tibt" typeface="Microsoft Himalaya"/>
+        <a:font script="Thaa" typeface="MV Boli"/>
+        <a:font script="Deva" typeface="Mangal"/>
+        <a:font script="Telu" typeface="Gautami"/>
+        <a:font script="Taml" typeface="Latha"/>
+        <a:font script="Syrc" typeface="Estrangelo Edessa"/>
+        <a:font script="Orya" typeface="Kalinga"/>
+        <a:font script="Mlym" typeface="Kartika"/>
+        <a:font script="Laoo" typeface="DokChampa"/>
+        <a:font script="Sinh" typeface="Iskoola Pota"/>
+        <a:font script="Mong" typeface="Mongolian Baiti"/>
+        <a:font script="Viet" typeface="Times New Roman"/>
+        <a:font script="Uigh" typeface="Microsoft Uighur"/>
+        <a:font script="Geor" typeface="Sylfaen"/>
+        <a:font script="Armn" typeface="Arial"/>
+        <a:font script="Bugi" typeface="Leelawadee UI"/>
+        <a:font script="Bopo" typeface="Microsoft JhengHei"/>
+        <a:font script="Java" typeface="Javanese Text"/>
+        <a:font script="Lisu" typeface="Segoe UI"/>
+        <a:font script="Mymr" typeface="Myanmar Text"/>
+        <a:font script="Nkoo" typeface="Ebrima"/>
+        <a:font script="Olck" typeface="Nirmala UI"/>
+        <a:font script="Osma" typeface="Ebrima"/>
+        <a:font script="Phag" typeface="Phagspa"/>
+        <a:font script="Syrn" typeface="Estrangelo Edessa"/>
+        <a:font script="Syrj" typeface="Estrangelo Edessa"/>
+        <a:font script="Syre" typeface="Estrangelo Edessa"/>
+        <a:font script="Sora" typeface="Nirmala UI"/>
+        <a:font script="Tale" typeface="Microsoft Tai Le"/>
+        <a:font script="Talu" typeface="Microsoft New Tai Lue"/>
+        <a:font script="Tfng" typeface="Ebrima"/>
+      </a:majorFont>
+      <a:minorFont>
+        <a:latin typeface="Calibri" panose="020F0502020204030204"/>
+        <a:ea typeface=""/>
+        <a:cs typeface=""/>
+        <a:font script="Jpan" typeface="游ゴシック"/>
+        <a:font script="Hang" typeface="맑은 고딕"/>
+        <a:font script="Hans" typeface="等线"/>
+        <a:font script="Hant" typeface="新細明體"/>
+        <a:font script="Arab" typeface="Arial"/>
+        <a:font script="Hebr" typeface="Arial"/>
+        <a:font script="Thai" typeface="Cordia New"/>
+        <a:font script="Ethi" typeface="Nyala"/>
+        <a:font script="Beng" typeface="Vrinda"/>
+        <a:font script="Gujr" typeface="Shruti"/>
+        <a:font script="Khmr" typeface="DaunPenh"/>
+        <a:font script="Knda" typeface="Tunga"/>
+        <a:font script="Guru" typeface="Raavi"/>
+        <a:font script="Cans" typeface="Euphemia"/>
+        <a:font script="Cher" typeface="Plantagenet Cherokee"/>
+        <a:font script="Yiii" typeface="Microsoft Yi Baiti"/>
+        <a:font script="Tibt" typeface="Microsoft Himalaya"/>
+        <a:font script="Thaa" typeface="MV Boli"/>
+        <a:font script="Deva" typeface="Mangal"/>
+        <a:font script="Telu" typeface="Gautami"/>
+        <a:font script="Taml" typeface="Latha"/>
+        <a:font script="Syrc" typeface="Estrangelo Edessa"/>
+        <a:font script="Orya" typeface="Kalinga"/>
+        <a:font script="Mlym" typeface="Kartika"/>
+        <a:font script="Laoo" typeface="DokChampa"/>
+        <a:font script="Sinh" typeface="Iskoola Pota"/>
+        <a:font script="Mong" typeface="Mongolian Baiti"/>
+        <a:font script="Viet" typeface="Arial"/>
+        <a:font script="Uigh" typeface="Microsoft Uighur"/>
+        <a:font script="Geor" typeface="Sylfaen"/>
+        <a:font script="Armn" typeface="Arial"/>
+        <a:font script="Bugi" typeface="Leelawadee UI"/>
+        <a:font script="Bopo" typeface="Microsoft JhengHei"/>
+        <a:font script="Java" typeface="Javanese Text"/>
+        <a:font script="Lisu" typeface="Segoe UI"/>
+        <a:font script="Mymr" typeface="Myanmar Text"/>
+        <a:font script="Nkoo" typeface="Ebrima"/>
+        <a:font script="Olck" typeface="Nirmala UI"/>
+        <a:font script="Osma" typeface="Ebrima"/>
+        <a:font script="Phag" typeface="Phagspa"/>
+        <a:font script="Syrn" typeface="Estrangelo Edessa"/>
+        <a:font script="Syrj" typeface="Estrangelo Edessa"/>
+        <a:font script="Syre" typeface="Estrangelo Edessa"/>
+        <a:font script="Sora" typeface="Nirmala UI"/>
+        <a:font script="Tale" typeface="Microsoft Tai Le"/>
+        <a:font script="Talu" typeface="Microsoft New Tai Lue"/>
+        <a:font script="Tfng" typeface="Ebrima"/>
+      </a:minorFont>
+    </a:fontScheme>
+    <a:fmtScheme name="Стандартная">
+      <a:fillStyleLst>
+        <a:solidFill>
+          <a:schemeClr val="phClr"/>
+        </a:solidFill>
+        <a:gradFill rotWithShape="1">
+          <a:gsLst>
+            <a:gs pos="0">
+              <a:schemeClr val="phClr">
+                <a:lumMod val="110000"/>
+                <a:satMod val="105000"/>
+                <a:tint val="67000"/>
+              </a:schemeClr>
+            </a:gs>
+            <a:gs pos="50000">
+              <a:schemeClr val="phClr">
+                <a:lumMod val="105000"/>
+                <a:satMod val="103000"/>
+                <a:tint val="73000"/>
+              </a:schemeClr>
+            </a:gs>
+            <a:gs pos="100000">
+              <a:schemeClr val="phClr">
+                <a:lumMod val="105000"/>
+                <a:satMod val="109000"/>
+                <a:tint val="81000"/>
+              </a:schemeClr>
+            </a:gs>
+          </a:gsLst>
+          <a:lin ang="5400000" scaled="0"/>
+        </a:gradFill>
+        <a:gradFill rotWithShape="1">
+          <a:gsLst>
+            <a:gs pos="0">
+              <a:schemeClr val="phClr">
+                <a:satMod val="103000"/>
+                <a:lumMod val="102000"/>
+                <a:tint val="94000"/>
+              </a:schemeClr>
+            </a:gs>
+            <a:gs pos="50000">
+              <a:schemeClr val="phClr">
+                <a:satMod val="110000"/>
+                <a:lumMod val="100000"/>
+                <a:shade val="100000"/>
+              </a:schemeClr>
+            </a:gs>
+            <a:gs pos="100000">
+              <a:schemeClr val="phClr">
+                <a:lumMod val="99000"/>
+                <a:satMod val="120000"/>
+                <a:shade val="78000"/>
+              </a:schemeClr>
+            </a:gs>
+          </a:gsLst>
+          <a:lin ang="5400000" scaled="0"/>
+        </a:gradFill>
+      </a:fillStyleLst>
+      <a:lnStyleLst>
+        <a:ln w="6350" cap="flat" cmpd="sng" algn="ctr">
+          <a:solidFill>
+            <a:schemeClr val="phClr"/>
+          </a:solidFill>
+          <a:prstDash val="solid"/>
+          <a:miter lim="800000"/>
+        </a:ln>
+        <a:ln w="12700" cap="flat" cmpd="sng" algn="ctr">
+          <a:solidFill>
+            <a:schemeClr val="phClr"/>
+          </a:solidFill>
+          <a:prstDash val="solid"/>
+          <a:miter lim="800000"/>
+        </a:ln>
+        <a:ln w="19050" cap="flat" cmpd="sng" algn="ctr">
+          <a:solidFill>
+            <a:schemeClr val="phClr"/>
+          </a:solidFill>
+          <a:prstDash val="solid"/>
+          <a:miter lim="800000"/>
+        </a:ln>
+      </a:lnStyleLst>
+      <a:effectStyleLst>
+        <a:effectStyle>
+          <a:effectLst/>
+        </a:effectStyle>
+        <a:effectStyle>
+          <a:effectLst/>
+        </a:effectStyle>
+        <a:effectStyle>
+          <a:effectLst>
+            <a:outerShdw blurRad="57150" dist="19050" dir="5400000" algn="ctr" rotWithShape="0">
+              <a:srgbClr val="000000">
+                <a:alpha val="63000"/>
+              </a:srgbClr>
+            </a:outerShdw>
+          </a:effectLst>
+        </a:effectStyle>
+      </a:effectStyleLst>
+      <a:bgFillStyleLst>
+        <a:solidFill>
+          <a:schemeClr val="phClr"/>
+        </a:solidFill>
+        <a:solidFill>
+          <a:schemeClr val="phClr">
+            <a:tint val="95000"/>
+            <a:satMod val="170000"/>
+          </a:schemeClr>
+        </a:solidFill>
+        <a:gradFill rotWithShape="1">
+          <a:gsLst>
+            <a:gs pos="0">
+              <a:schemeClr val="phClr">
+                <a:tint val="93000"/>
+                <a:satMod val="150000"/>
+                <a:shade val="98000"/>
+                <a:lumMod val="102000"/>
+              </a:schemeClr>
+            </a:gs>
+            <a:gs pos="50000">
+              <a:schemeClr val="phClr">
+                <a:tint val="98000"/>
+                <a:satMod val="130000"/>
+                <a:shade val="90000"/>
+                <a:lumMod val="103000"/>
+              </a:schemeClr>
+            </a:gs>
+            <a:gs pos="100000">
+              <a:schemeClr val="phClr">
+                <a:shade val="63000"/>
+                <a:satMod val="120000"/>
+              </a:schemeClr>
+            </a:gs>
+          </a:gsLst>
+          <a:lin ang="5400000" scaled="0"/>
+        </a:gradFill>
+      </a:bgFillStyleLst>
+    </a:fmtScheme>
+  </a:themeElements>
+  <a:objectDefaults/>
+  <a:extraClrSchemeLst/>
+  <a:extLst>
+    <a:ext uri="{05A4C25C-085E-4340-85A3-A5531E510DB2}">
+      <thm15:themeFamily xmlns:thm15="http://schemas.microsoft.com/office/thememl/2012/main" name="Office Theme" id="{62F939B6-93AF-4DB8-9C6B-D6C7DFDC589F}" vid="{4A3C46E8-61CC-4603-A589-7422A47A8E4A}"/>
+    </a:ext>
+  </a:extLst>
+</a:theme>
 </file>
--- a/docs/Отчёты/ВКР/Новицкий_МПИ-20-4-2_ВКР_Презентация.pptx
+++ b/docs/Отчёты/ВКР/Новицкий_МПИ-20-4-2_ВКР_Презентация.pptx
@@ -5,13 +5,16 @@
     <p:sldMasterId id="2147483660" r:id="rId1"/>
   </p:sldMasterIdLst>
   <p:notesMasterIdLst>
-    <p:notesMasterId r:id="rId6"/>
+    <p:notesMasterId r:id="rId9"/>
   </p:notesMasterIdLst>
   <p:sldIdLst>
     <p:sldId id="257" r:id="rId2"/>
     <p:sldId id="259" r:id="rId3"/>
     <p:sldId id="260" r:id="rId4"/>
     <p:sldId id="261" r:id="rId5"/>
+    <p:sldId id="262" r:id="rId6"/>
+    <p:sldId id="263" r:id="rId7"/>
+    <p:sldId id="264" r:id="rId8"/>
   </p:sldIdLst>
   <p:sldSz cx="12192000" cy="6858000"/>
   <p:notesSz cx="6858000" cy="9144000"/>
@@ -200,7 +203,7 @@
           <a:p>
             <a:fld id="{EB2292DA-A5DC-4A6B-B473-4124E755370F}" type="datetimeFigureOut">
               <a:rPr lang="ru-RU" smtClean="0"/>
-              <a:t>02.05.2022</a:t>
+              <a:t>03.05.2022</a:t>
             </a:fld>
             <a:endParaRPr lang="ru-RU"/>
           </a:p>
@@ -655,7 +658,7 @@
           <a:p>
             <a:fld id="{29AB5FF2-613C-4C49-BD3F-0966F3A55103}" type="datetime1">
               <a:rPr lang="ru-RU" smtClean="0"/>
-              <a:t>02.05.2022</a:t>
+              <a:t>03.05.2022</a:t>
             </a:fld>
             <a:endParaRPr lang="ru-RU"/>
           </a:p>
@@ -996,7 +999,7 @@
           <a:p>
             <a:fld id="{8C20DD74-5CB2-4715-88F8-AAAB60E50E2D}" type="datetime1">
               <a:rPr lang="ru-RU" smtClean="0"/>
-              <a:t>02.05.2022</a:t>
+              <a:t>03.05.2022</a:t>
             </a:fld>
             <a:endParaRPr lang="ru-RU"/>
           </a:p>
@@ -1400,7 +1403,7 @@
           <a:p>
             <a:fld id="{FE53B000-86B6-41B5-A68A-3682845FC351}" type="datetime1">
               <a:rPr lang="ru-RU" smtClean="0"/>
-              <a:t>02.05.2022</a:t>
+              <a:t>03.05.2022</a:t>
             </a:fld>
             <a:endParaRPr lang="ru-RU"/>
           </a:p>
@@ -1739,7 +1742,7 @@
           <a:p>
             <a:fld id="{A73F0FAE-033D-4D04-9DA6-C2A8A5248C22}" type="datetime1">
               <a:rPr lang="ru-RU" smtClean="0"/>
-              <a:t>02.05.2022</a:t>
+              <a:t>03.05.2022</a:t>
             </a:fld>
             <a:endParaRPr lang="ru-RU"/>
           </a:p>
@@ -2062,7 +2065,7 @@
           <a:p>
             <a:fld id="{CC7FEA15-723F-4FA1-A2E4-F06C35220F73}" type="datetime1">
               <a:rPr lang="ru-RU" smtClean="0"/>
-              <a:t>02.05.2022</a:t>
+              <a:t>03.05.2022</a:t>
             </a:fld>
             <a:endParaRPr lang="ru-RU"/>
           </a:p>
@@ -2461,7 +2464,7 @@
           <a:p>
             <a:fld id="{5F067648-43FA-4D64-B22F-0D33436FF1DD}" type="datetime1">
               <a:rPr lang="ru-RU" smtClean="0"/>
-              <a:t>02.05.2022</a:t>
+              <a:t>03.05.2022</a:t>
             </a:fld>
             <a:endParaRPr lang="ru-RU"/>
           </a:p>
@@ -2721,7 +2724,7 @@
           <a:p>
             <a:fld id="{E095936B-5FA3-422A-82E4-585B5509F7AB}" type="datetime1">
               <a:rPr lang="ru-RU" smtClean="0"/>
-              <a:t>02.05.2022</a:t>
+              <a:t>03.05.2022</a:t>
             </a:fld>
             <a:endParaRPr lang="ru-RU"/>
           </a:p>
@@ -2986,7 +2989,7 @@
           <a:p>
             <a:fld id="{0807152A-A90D-43BF-80DC-1F1E33B45E23}" type="datetime1">
               <a:rPr lang="ru-RU" smtClean="0"/>
-              <a:t>02.05.2022</a:t>
+              <a:t>03.05.2022</a:t>
             </a:fld>
             <a:endParaRPr lang="ru-RU"/>
           </a:p>
@@ -3251,7 +3254,7 @@
           <a:p>
             <a:fld id="{878F4DED-5F76-415C-A900-E8F7313C10E1}" type="datetime1">
               <a:rPr lang="ru-RU" smtClean="0"/>
-              <a:t>02.05.2022</a:t>
+              <a:t>03.05.2022</a:t>
             </a:fld>
             <a:endParaRPr lang="ru-RU"/>
           </a:p>
@@ -3583,7 +3586,7 @@
           <a:p>
             <a:fld id="{E8F83D7E-1D94-447D-BCF5-49AC78A24C76}" type="datetime1">
               <a:rPr lang="ru-RU" smtClean="0"/>
-              <a:t>02.05.2022</a:t>
+              <a:t>03.05.2022</a:t>
             </a:fld>
             <a:endParaRPr lang="ru-RU"/>
           </a:p>
@@ -3909,7 +3912,7 @@
           <a:p>
             <a:fld id="{FAD4BD6D-0066-4C47-A9CA-0CB6E2FA73C1}" type="datetime1">
               <a:rPr lang="ru-RU" smtClean="0"/>
-              <a:t>02.05.2022</a:t>
+              <a:t>03.05.2022</a:t>
             </a:fld>
             <a:endParaRPr lang="ru-RU"/>
           </a:p>
@@ -4369,7 +4372,7 @@
           <a:p>
             <a:fld id="{B7C7ED75-0F40-471C-AB4C-82150DE92657}" type="datetime1">
               <a:rPr lang="ru-RU" smtClean="0"/>
-              <a:t>02.05.2022</a:t>
+              <a:t>03.05.2022</a:t>
             </a:fld>
             <a:endParaRPr lang="ru-RU"/>
           </a:p>
@@ -4577,7 +4580,7 @@
           <a:p>
             <a:fld id="{893DE4B1-4FFC-4B0D-AA40-503F9B8537A5}" type="datetime1">
               <a:rPr lang="ru-RU" smtClean="0"/>
-              <a:t>02.05.2022</a:t>
+              <a:t>03.05.2022</a:t>
             </a:fld>
             <a:endParaRPr lang="ru-RU"/>
           </a:p>
@@ -4757,7 +4760,7 @@
           <a:p>
             <a:fld id="{9FA47087-0ABA-4668-9D85-B85D38E2824E}" type="datetime1">
               <a:rPr lang="ru-RU" smtClean="0"/>
-              <a:t>02.05.2022</a:t>
+              <a:t>03.05.2022</a:t>
             </a:fld>
             <a:endParaRPr lang="ru-RU"/>
           </a:p>
@@ -5093,7 +5096,7 @@
           <a:p>
             <a:fld id="{72CC0BE5-A821-40E6-8D65-A742C81E33C9}" type="datetime1">
               <a:rPr lang="ru-RU" smtClean="0"/>
-              <a:t>02.05.2022</a:t>
+              <a:t>03.05.2022</a:t>
             </a:fld>
             <a:endParaRPr lang="ru-RU"/>
           </a:p>
@@ -5441,7 +5444,7 @@
           <a:p>
             <a:fld id="{B3109A96-A462-4539-9216-37A859D6F3A6}" type="datetime1">
               <a:rPr lang="ru-RU" smtClean="0"/>
-              <a:t>02.05.2022</a:t>
+              <a:t>03.05.2022</a:t>
             </a:fld>
             <a:endParaRPr lang="ru-RU"/>
           </a:p>
@@ -7561,7 +7564,7 @@
           <a:p>
             <a:fld id="{962C10B7-F26D-491A-9865-E91A1905C098}" type="datetime1">
               <a:rPr lang="ru-RU" smtClean="0"/>
-              <a:t>02.05.2022</a:t>
+              <a:t>03.05.2022</a:t>
             </a:fld>
             <a:endParaRPr lang="ru-RU"/>
           </a:p>
@@ -8486,7 +8489,7 @@
         <p:spPr>
           <a:xfrm>
             <a:off x="8630529" y="2996418"/>
-            <a:ext cx="464234" cy="956603"/>
+            <a:ext cx="464234" cy="618979"/>
           </a:xfrm>
           <a:prstGeom prst="downArrow">
             <a:avLst/>
@@ -8531,7 +8534,7 @@
         </p:nvSpPr>
         <p:spPr>
           <a:xfrm>
-            <a:off x="6922475" y="4128502"/>
+            <a:off x="6922475" y="3812711"/>
             <a:ext cx="3880341" cy="1280890"/>
           </a:xfrm>
           <a:prstGeom prst="roundRect">
@@ -8578,7 +8581,7 @@
         </p:nvSpPr>
         <p:spPr>
           <a:xfrm>
-            <a:off x="1166543" y="4128502"/>
+            <a:off x="1166543" y="3812711"/>
             <a:ext cx="3880341" cy="1280890"/>
           </a:xfrm>
           <a:prstGeom prst="roundRect">
@@ -8672,7 +8675,7 @@
         </p:nvSpPr>
         <p:spPr>
           <a:xfrm>
-            <a:off x="5317587" y="4529797"/>
+            <a:off x="5317587" y="4214006"/>
             <a:ext cx="1336430" cy="520504"/>
           </a:xfrm>
           <a:prstGeom prst="leftArrow">
@@ -8718,7 +8721,7 @@
         </p:nvSpPr>
         <p:spPr>
           <a:xfrm>
-            <a:off x="1166542" y="5605610"/>
+            <a:off x="1166543" y="5460168"/>
             <a:ext cx="9636273" cy="1111347"/>
           </a:xfrm>
           <a:prstGeom prst="roundRect">
@@ -9322,7 +9325,7 @@
         </p:nvSpPr>
         <p:spPr>
           <a:xfrm>
-            <a:off x="921695" y="1701826"/>
+            <a:off x="886264" y="1770308"/>
             <a:ext cx="3880341" cy="1280890"/>
           </a:xfrm>
           <a:prstGeom prst="roundRect">
@@ -9369,7 +9372,7 @@
         </p:nvSpPr>
         <p:spPr>
           <a:xfrm>
-            <a:off x="7389966" y="1701826"/>
+            <a:off x="7354535" y="1770308"/>
             <a:ext cx="3880341" cy="1280890"/>
           </a:xfrm>
           <a:prstGeom prst="roundRect">
@@ -9433,7 +9436,7 @@
         </p:nvSpPr>
         <p:spPr>
           <a:xfrm>
-            <a:off x="5050302" y="2131255"/>
+            <a:off x="5014871" y="2199737"/>
             <a:ext cx="2152356" cy="422031"/>
           </a:xfrm>
           <a:prstGeom prst="leftRightArrow">
@@ -9479,7 +9482,7 @@
         </p:nvSpPr>
         <p:spPr>
           <a:xfrm>
-            <a:off x="4724986" y="1317105"/>
+            <a:off x="4689555" y="1385587"/>
             <a:ext cx="2802988" cy="769441"/>
           </a:xfrm>
           <a:prstGeom prst="rect">
@@ -9528,7 +9531,7 @@
         </p:nvSpPr>
         <p:spPr>
           <a:xfrm>
-            <a:off x="7389965" y="3570485"/>
+            <a:off x="7354534" y="3638967"/>
             <a:ext cx="3880341" cy="1280890"/>
           </a:xfrm>
           <a:prstGeom prst="roundRect">
@@ -9587,7 +9590,7 @@
         </p:nvSpPr>
         <p:spPr>
           <a:xfrm>
-            <a:off x="921695" y="3570485"/>
+            <a:off x="886264" y="3638967"/>
             <a:ext cx="3880341" cy="1280890"/>
           </a:xfrm>
           <a:prstGeom prst="roundRect">
@@ -9634,7 +9637,7 @@
         </p:nvSpPr>
         <p:spPr>
           <a:xfrm>
-            <a:off x="5050302" y="3999914"/>
+            <a:off x="5014871" y="4068396"/>
             <a:ext cx="2152356" cy="422031"/>
           </a:xfrm>
           <a:prstGeom prst="leftRightArrow">
@@ -9680,7 +9683,7 @@
         </p:nvSpPr>
         <p:spPr>
           <a:xfrm>
-            <a:off x="4724986" y="3185764"/>
+            <a:off x="4689555" y="3254246"/>
             <a:ext cx="2802988" cy="769441"/>
           </a:xfrm>
           <a:prstGeom prst="rect">
@@ -9729,7 +9732,7 @@
         </p:nvSpPr>
         <p:spPr>
           <a:xfrm>
-            <a:off x="921695" y="5156174"/>
+            <a:off x="886264" y="5224656"/>
             <a:ext cx="10348611" cy="1280890"/>
           </a:xfrm>
           <a:prstGeom prst="roundRect">
@@ -10252,38 +10255,8 @@
                 <a:latin typeface="Times New Roman" panose="02020603050405020304" pitchFamily="18" charset="0"/>
                 <a:cs typeface="Times New Roman" panose="02020603050405020304" pitchFamily="18" charset="0"/>
               </a:rPr>
-              <a:t>Общая схема</a:t>
+              <a:t>Содержательная постановка задачи</a:t>
             </a:r>
-          </a:p>
-        </p:txBody>
-      </p:sp>
-      <p:sp>
-        <p:nvSpPr>
-          <p:cNvPr id="3" name="Объект 2">
-            <a:extLst>
-              <a:ext uri="{FF2B5EF4-FFF2-40B4-BE49-F238E27FC236}">
-                <a16:creationId xmlns:a16="http://schemas.microsoft.com/office/drawing/2014/main" id="{8F3FFBDB-E420-AB9F-DD44-2B691D6F78A3}"/>
-              </a:ext>
-            </a:extLst>
-          </p:cNvPr>
-          <p:cNvSpPr>
-            <a:spLocks noGrp="1"/>
-          </p:cNvSpPr>
-          <p:nvPr>
-            <p:ph idx="1"/>
-          </p:nvPr>
-        </p:nvSpPr>
-        <p:spPr>
-          <a:xfrm>
-            <a:off x="8117058" y="1880382"/>
-            <a:ext cx="3908058" cy="3777622"/>
-          </a:xfrm>
-        </p:spPr>
-        <p:txBody>
-          <a:bodyPr/>
-          <a:lstStyle/>
-          <a:p>
-            <a:endParaRPr lang="ru-RU"/>
           </a:p>
         </p:txBody>
       </p:sp>
@@ -10330,7 +10303,7 @@
         </p:nvSpPr>
         <p:spPr>
           <a:xfrm>
-            <a:off x="3227234" y="1152907"/>
+            <a:off x="765387" y="1335787"/>
             <a:ext cx="4642338" cy="886629"/>
           </a:xfrm>
           <a:prstGeom prst="roundRect">
@@ -10357,14 +10330,22 @@
           <a:p>
             <a:pPr algn="ctr"/>
             <a:r>
-              <a:rPr lang="ru-RU" sz="2000" dirty="0"/>
+              <a:rPr lang="ru-RU" sz="2000" dirty="0">
+                <a:solidFill>
+                  <a:schemeClr val="tx1"/>
+                </a:solidFill>
+              </a:rPr>
               <a:t>Правила игры</a:t>
             </a:r>
           </a:p>
           <a:p>
             <a:pPr algn="ctr"/>
             <a:r>
-              <a:rPr lang="ru-RU" sz="2000" dirty="0"/>
+              <a:rPr lang="ru-RU" sz="2000" dirty="0">
+                <a:solidFill>
+                  <a:schemeClr val="tx1"/>
+                </a:solidFill>
+              </a:rPr>
               <a:t>(условие задачи)</a:t>
             </a:r>
           </a:p>
@@ -10384,7 +10365,7 @@
         </p:nvSpPr>
         <p:spPr>
           <a:xfrm>
-            <a:off x="3227234" y="2388519"/>
+            <a:off x="765387" y="2468881"/>
             <a:ext cx="4642338" cy="886629"/>
           </a:xfrm>
           <a:prstGeom prst="roundRect">
@@ -10431,7 +10412,7 @@
         </p:nvSpPr>
         <p:spPr>
           <a:xfrm>
-            <a:off x="3227234" y="3521613"/>
+            <a:off x="765387" y="3601975"/>
             <a:ext cx="4642338" cy="886629"/>
           </a:xfrm>
           <a:prstGeom prst="roundRect">
@@ -10478,7 +10459,57 @@
         </p:nvSpPr>
         <p:spPr>
           <a:xfrm>
-            <a:off x="3227234" y="4654707"/>
+            <a:off x="765387" y="4735069"/>
+            <a:ext cx="4642338" cy="886629"/>
+          </a:xfrm>
+          <a:prstGeom prst="roundRect">
+            <a:avLst/>
+          </a:prstGeom>
+          <a:solidFill>
+            <a:srgbClr val="92D050"/>
+          </a:solidFill>
+        </p:spPr>
+        <p:style>
+          <a:lnRef idx="2">
+            <a:schemeClr val="accent6"/>
+          </a:lnRef>
+          <a:fillRef idx="1">
+            <a:schemeClr val="lt1"/>
+          </a:fillRef>
+          <a:effectRef idx="0">
+            <a:schemeClr val="accent6"/>
+          </a:effectRef>
+          <a:fontRef idx="minor">
+            <a:schemeClr val="dk1"/>
+          </a:fontRef>
+        </p:style>
+        <p:txBody>
+          <a:bodyPr rtlCol="0" anchor="ctr"/>
+          <a:lstStyle/>
+          <a:p>
+            <a:pPr algn="ctr"/>
+            <a:r>
+              <a:rPr lang="ru-RU" sz="2000" dirty="0"/>
+              <a:t>Поиск способов эффективного применения разработанных методов решения</a:t>
+            </a:r>
+          </a:p>
+        </p:txBody>
+      </p:sp>
+      <p:sp>
+        <p:nvSpPr>
+          <p:cNvPr id="9" name="Прямоугольник: скругленные углы 8">
+            <a:extLst>
+              <a:ext uri="{FF2B5EF4-FFF2-40B4-BE49-F238E27FC236}">
+                <a16:creationId xmlns:a16="http://schemas.microsoft.com/office/drawing/2014/main" id="{6AB0CB83-1841-0862-721F-2783BD1795A0}"/>
+              </a:ext>
+            </a:extLst>
+          </p:cNvPr>
+          <p:cNvSpPr/>
+          <p:nvPr/>
+        </p:nvSpPr>
+        <p:spPr>
+          <a:xfrm>
+            <a:off x="765387" y="5868163"/>
             <a:ext cx="4642338" cy="886629"/>
           </a:xfrm>
           <a:prstGeom prst="roundRect">
@@ -10506,11 +10537,441 @@
             <a:pPr algn="ctr"/>
             <a:r>
               <a:rPr lang="ru-RU" sz="2000" dirty="0"/>
-              <a:t>Поиск способов эффективного применения разработанных методов решения</a:t>
+              <a:t>Применение разработанных методов</a:t>
             </a:r>
           </a:p>
         </p:txBody>
       </p:sp>
+      <p:sp>
+        <p:nvSpPr>
+          <p:cNvPr id="13" name="Стрелка: вниз 12">
+            <a:extLst>
+              <a:ext uri="{FF2B5EF4-FFF2-40B4-BE49-F238E27FC236}">
+                <a16:creationId xmlns:a16="http://schemas.microsoft.com/office/drawing/2014/main" id="{1EA75041-154E-9EE5-DB78-4FE1AA8471B3}"/>
+              </a:ext>
+            </a:extLst>
+          </p:cNvPr>
+          <p:cNvSpPr/>
+          <p:nvPr/>
+        </p:nvSpPr>
+        <p:spPr>
+          <a:xfrm>
+            <a:off x="2931811" y="2232828"/>
+            <a:ext cx="309490" cy="236053"/>
+          </a:xfrm>
+          <a:prstGeom prst="downArrow">
+            <a:avLst/>
+          </a:prstGeom>
+        </p:spPr>
+        <p:style>
+          <a:lnRef idx="2">
+            <a:schemeClr val="accent1">
+              <a:shade val="50000"/>
+            </a:schemeClr>
+          </a:lnRef>
+          <a:fillRef idx="1">
+            <a:schemeClr val="accent1"/>
+          </a:fillRef>
+          <a:effectRef idx="0">
+            <a:schemeClr val="accent1"/>
+          </a:effectRef>
+          <a:fontRef idx="minor">
+            <a:schemeClr val="lt1"/>
+          </a:fontRef>
+        </p:style>
+        <p:txBody>
+          <a:bodyPr rtlCol="0" anchor="ctr"/>
+          <a:lstStyle/>
+          <a:p>
+            <a:pPr algn="ctr"/>
+            <a:endParaRPr lang="ru-RU"/>
+          </a:p>
+        </p:txBody>
+      </p:sp>
+      <p:sp>
+        <p:nvSpPr>
+          <p:cNvPr id="14" name="Стрелка: вниз 13">
+            <a:extLst>
+              <a:ext uri="{FF2B5EF4-FFF2-40B4-BE49-F238E27FC236}">
+                <a16:creationId xmlns:a16="http://schemas.microsoft.com/office/drawing/2014/main" id="{3B4CE728-7AA8-BCE4-7731-8FC70B2C5789}"/>
+              </a:ext>
+            </a:extLst>
+          </p:cNvPr>
+          <p:cNvSpPr/>
+          <p:nvPr/>
+        </p:nvSpPr>
+        <p:spPr>
+          <a:xfrm>
+            <a:off x="2931811" y="3379258"/>
+            <a:ext cx="309490" cy="222717"/>
+          </a:xfrm>
+          <a:prstGeom prst="downArrow">
+            <a:avLst/>
+          </a:prstGeom>
+        </p:spPr>
+        <p:style>
+          <a:lnRef idx="2">
+            <a:schemeClr val="accent1">
+              <a:shade val="50000"/>
+            </a:schemeClr>
+          </a:lnRef>
+          <a:fillRef idx="1">
+            <a:schemeClr val="accent1"/>
+          </a:fillRef>
+          <a:effectRef idx="0">
+            <a:schemeClr val="accent1"/>
+          </a:effectRef>
+          <a:fontRef idx="minor">
+            <a:schemeClr val="lt1"/>
+          </a:fontRef>
+        </p:style>
+        <p:txBody>
+          <a:bodyPr rtlCol="0" anchor="ctr"/>
+          <a:lstStyle/>
+          <a:p>
+            <a:pPr algn="ctr"/>
+            <a:endParaRPr lang="ru-RU"/>
+          </a:p>
+        </p:txBody>
+      </p:sp>
+      <p:sp>
+        <p:nvSpPr>
+          <p:cNvPr id="15" name="Стрелка: вниз 14">
+            <a:extLst>
+              <a:ext uri="{FF2B5EF4-FFF2-40B4-BE49-F238E27FC236}">
+                <a16:creationId xmlns:a16="http://schemas.microsoft.com/office/drawing/2014/main" id="{70FA508E-E99D-CB09-6AE2-B613BF53A80C}"/>
+              </a:ext>
+            </a:extLst>
+          </p:cNvPr>
+          <p:cNvSpPr/>
+          <p:nvPr/>
+        </p:nvSpPr>
+        <p:spPr>
+          <a:xfrm>
+            <a:off x="2931811" y="4488604"/>
+            <a:ext cx="309490" cy="246465"/>
+          </a:xfrm>
+          <a:prstGeom prst="downArrow">
+            <a:avLst/>
+          </a:prstGeom>
+        </p:spPr>
+        <p:style>
+          <a:lnRef idx="2">
+            <a:schemeClr val="accent1">
+              <a:shade val="50000"/>
+            </a:schemeClr>
+          </a:lnRef>
+          <a:fillRef idx="1">
+            <a:schemeClr val="accent1"/>
+          </a:fillRef>
+          <a:effectRef idx="0">
+            <a:schemeClr val="accent1"/>
+          </a:effectRef>
+          <a:fontRef idx="minor">
+            <a:schemeClr val="lt1"/>
+          </a:fontRef>
+        </p:style>
+        <p:txBody>
+          <a:bodyPr rtlCol="0" anchor="ctr"/>
+          <a:lstStyle/>
+          <a:p>
+            <a:pPr algn="ctr"/>
+            <a:endParaRPr lang="ru-RU"/>
+          </a:p>
+        </p:txBody>
+      </p:sp>
+      <p:sp>
+        <p:nvSpPr>
+          <p:cNvPr id="16" name="Стрелка: вниз 15">
+            <a:extLst>
+              <a:ext uri="{FF2B5EF4-FFF2-40B4-BE49-F238E27FC236}">
+                <a16:creationId xmlns:a16="http://schemas.microsoft.com/office/drawing/2014/main" id="{BFCA155E-8B90-341F-6037-BFD7156A22D5}"/>
+              </a:ext>
+            </a:extLst>
+          </p:cNvPr>
+          <p:cNvSpPr/>
+          <p:nvPr/>
+        </p:nvSpPr>
+        <p:spPr>
+          <a:xfrm>
+            <a:off x="2931811" y="5634304"/>
+            <a:ext cx="309490" cy="233859"/>
+          </a:xfrm>
+          <a:prstGeom prst="downArrow">
+            <a:avLst/>
+          </a:prstGeom>
+        </p:spPr>
+        <p:style>
+          <a:lnRef idx="2">
+            <a:schemeClr val="accent1">
+              <a:shade val="50000"/>
+            </a:schemeClr>
+          </a:lnRef>
+          <a:fillRef idx="1">
+            <a:schemeClr val="accent1"/>
+          </a:fillRef>
+          <a:effectRef idx="0">
+            <a:schemeClr val="accent1"/>
+          </a:effectRef>
+          <a:fontRef idx="minor">
+            <a:schemeClr val="lt1"/>
+          </a:fontRef>
+        </p:style>
+        <p:txBody>
+          <a:bodyPr rtlCol="0" anchor="ctr"/>
+          <a:lstStyle/>
+          <a:p>
+            <a:pPr algn="ctr"/>
+            <a:endParaRPr lang="ru-RU"/>
+          </a:p>
+        </p:txBody>
+      </p:sp>
+      <p:sp>
+        <p:nvSpPr>
+          <p:cNvPr id="17" name="TextBox 16">
+            <a:extLst>
+              <a:ext uri="{FF2B5EF4-FFF2-40B4-BE49-F238E27FC236}">
+                <a16:creationId xmlns:a16="http://schemas.microsoft.com/office/drawing/2014/main" id="{A31DAC3D-3133-DA3A-635B-CD88B6CA86A8}"/>
+              </a:ext>
+            </a:extLst>
+          </p:cNvPr>
+          <p:cNvSpPr txBox="1"/>
+          <p:nvPr/>
+        </p:nvSpPr>
+        <p:spPr>
+          <a:xfrm>
+            <a:off x="5901529" y="3035382"/>
+            <a:ext cx="6098344" cy="430887"/>
+          </a:xfrm>
+          <a:prstGeom prst="rect">
+            <a:avLst/>
+          </a:prstGeom>
+          <a:noFill/>
+        </p:spPr>
+        <p:txBody>
+          <a:bodyPr wrap="square">
+            <a:spAutoFit/>
+          </a:bodyPr>
+          <a:lstStyle/>
+          <a:p>
+            <a:pPr marL="285750" indent="-285750">
+              <a:buFont typeface="Wingdings" panose="05000000000000000000" pitchFamily="2" charset="2"/>
+              <a:buChar char="Ø"/>
+            </a:pPr>
+            <a:r>
+              <a:rPr lang="ru-RU" sz="2200" b="1" dirty="0">
+                <a:latin typeface="Times New Roman" panose="02020603050405020304" pitchFamily="18" charset="0"/>
+                <a:cs typeface="Times New Roman" panose="02020603050405020304" pitchFamily="18" charset="0"/>
+              </a:rPr>
+              <a:t>Класс задач</a:t>
+            </a:r>
+            <a:r>
+              <a:rPr lang="ru-RU" sz="2200" dirty="0">
+                <a:latin typeface="Times New Roman" panose="02020603050405020304" pitchFamily="18" charset="0"/>
+                <a:cs typeface="Times New Roman" panose="02020603050405020304" pitchFamily="18" charset="0"/>
+              </a:rPr>
+              <a:t>: каузально-логические игры</a:t>
+            </a:r>
+          </a:p>
+        </p:txBody>
+      </p:sp>
+      <p:sp>
+        <p:nvSpPr>
+          <p:cNvPr id="18" name="TextBox 17">
+            <a:extLst>
+              <a:ext uri="{FF2B5EF4-FFF2-40B4-BE49-F238E27FC236}">
+                <a16:creationId xmlns:a16="http://schemas.microsoft.com/office/drawing/2014/main" id="{800769CE-6D09-743F-B8C1-75773312F20E}"/>
+              </a:ext>
+            </a:extLst>
+          </p:cNvPr>
+          <p:cNvSpPr txBox="1"/>
+          <p:nvPr/>
+        </p:nvSpPr>
+        <p:spPr>
+          <a:xfrm>
+            <a:off x="5901529" y="3668056"/>
+            <a:ext cx="5622388" cy="430887"/>
+          </a:xfrm>
+          <a:prstGeom prst="rect">
+            <a:avLst/>
+          </a:prstGeom>
+          <a:noFill/>
+        </p:spPr>
+        <p:txBody>
+          <a:bodyPr wrap="square">
+            <a:spAutoFit/>
+          </a:bodyPr>
+          <a:lstStyle/>
+          <a:p>
+            <a:pPr marL="285750" indent="-285750">
+              <a:buFont typeface="Wingdings" panose="05000000000000000000" pitchFamily="2" charset="2"/>
+              <a:buChar char="Ø"/>
+            </a:pPr>
+            <a:r>
+              <a:rPr lang="ru-RU" sz="2200" b="1" dirty="0">
+                <a:latin typeface="Times New Roman" panose="02020603050405020304" pitchFamily="18" charset="0"/>
+                <a:cs typeface="Times New Roman" panose="02020603050405020304" pitchFamily="18" charset="0"/>
+              </a:rPr>
+              <a:t>Пример для реализации</a:t>
+            </a:r>
+            <a:r>
+              <a:rPr lang="ru-RU" sz="2200" dirty="0">
+                <a:latin typeface="Times New Roman" panose="02020603050405020304" pitchFamily="18" charset="0"/>
+                <a:cs typeface="Times New Roman" panose="02020603050405020304" pitchFamily="18" charset="0"/>
+              </a:rPr>
+              <a:t>: игра «Сапёр»</a:t>
+            </a:r>
+          </a:p>
+        </p:txBody>
+      </p:sp>
+      <p:sp>
+        <p:nvSpPr>
+          <p:cNvPr id="19" name="TextBox 18">
+            <a:extLst>
+              <a:ext uri="{FF2B5EF4-FFF2-40B4-BE49-F238E27FC236}">
+                <a16:creationId xmlns:a16="http://schemas.microsoft.com/office/drawing/2014/main" id="{352EF9F4-19B8-059C-09A7-2B0B6FA06808}"/>
+              </a:ext>
+            </a:extLst>
+          </p:cNvPr>
+          <p:cNvSpPr txBox="1"/>
+          <p:nvPr/>
+        </p:nvSpPr>
+        <p:spPr>
+          <a:xfrm>
+            <a:off x="5901529" y="1377346"/>
+            <a:ext cx="6098344" cy="1446550"/>
+          </a:xfrm>
+          <a:prstGeom prst="rect">
+            <a:avLst/>
+          </a:prstGeom>
+          <a:noFill/>
+        </p:spPr>
+        <p:txBody>
+          <a:bodyPr wrap="square">
+            <a:spAutoFit/>
+          </a:bodyPr>
+          <a:lstStyle/>
+          <a:p>
+            <a:pPr marL="285750" indent="-285750">
+              <a:buFont typeface="Wingdings" panose="05000000000000000000" pitchFamily="2" charset="2"/>
+              <a:buChar char="Ø"/>
+            </a:pPr>
+            <a:r>
+              <a:rPr lang="ru-RU" sz="2200" b="1" dirty="0">
+                <a:solidFill>
+                  <a:schemeClr val="tx1"/>
+                </a:solidFill>
+                <a:latin typeface="Times New Roman" panose="02020603050405020304" pitchFamily="18" charset="0"/>
+                <a:cs typeface="Times New Roman" panose="02020603050405020304" pitchFamily="18" charset="0"/>
+              </a:rPr>
+              <a:t>Цель</a:t>
+            </a:r>
+            <a:r>
+              <a:rPr lang="ru-RU" sz="2200" dirty="0">
+                <a:solidFill>
+                  <a:schemeClr val="tx1"/>
+                </a:solidFill>
+                <a:latin typeface="Times New Roman" panose="02020603050405020304" pitchFamily="18" charset="0"/>
+                <a:cs typeface="Times New Roman" panose="02020603050405020304" pitchFamily="18" charset="0"/>
+              </a:rPr>
+              <a:t>: разработать комплекс алгоритмов с элементами самообучения и их программную реализацию для поиска решения класса логических задач</a:t>
+            </a:r>
+          </a:p>
+        </p:txBody>
+      </p:sp>
+      <p:sp>
+        <p:nvSpPr>
+          <p:cNvPr id="20" name="Прямоугольник: скругленные углы 19">
+            <a:extLst>
+              <a:ext uri="{FF2B5EF4-FFF2-40B4-BE49-F238E27FC236}">
+                <a16:creationId xmlns:a16="http://schemas.microsoft.com/office/drawing/2014/main" id="{56531C79-E5ED-FC33-AB1F-2B1736F75A69}"/>
+              </a:ext>
+            </a:extLst>
+          </p:cNvPr>
+          <p:cNvSpPr/>
+          <p:nvPr/>
+        </p:nvSpPr>
+        <p:spPr>
+          <a:xfrm>
+            <a:off x="6701044" y="5382578"/>
+            <a:ext cx="3540237" cy="830824"/>
+          </a:xfrm>
+          <a:prstGeom prst="roundRect">
+            <a:avLst/>
+          </a:prstGeom>
+        </p:spPr>
+        <p:style>
+          <a:lnRef idx="2">
+            <a:schemeClr val="accent6"/>
+          </a:lnRef>
+          <a:fillRef idx="1">
+            <a:schemeClr val="lt1"/>
+          </a:fillRef>
+          <a:effectRef idx="0">
+            <a:schemeClr val="accent6"/>
+          </a:effectRef>
+          <a:fontRef idx="minor">
+            <a:schemeClr val="dk1"/>
+          </a:fontRef>
+        </p:style>
+        <p:txBody>
+          <a:bodyPr rtlCol="0" anchor="ctr"/>
+          <a:lstStyle/>
+          <a:p>
+            <a:pPr algn="ctr"/>
+            <a:r>
+              <a:rPr lang="ru-RU" sz="2000" dirty="0"/>
+              <a:t>Самообучающийся элемент</a:t>
+            </a:r>
+          </a:p>
+        </p:txBody>
+      </p:sp>
+      <p:cxnSp>
+        <p:nvCxnSpPr>
+          <p:cNvPr id="22" name="Прямая со стрелкой 21">
+            <a:extLst>
+              <a:ext uri="{FF2B5EF4-FFF2-40B4-BE49-F238E27FC236}">
+                <a16:creationId xmlns:a16="http://schemas.microsoft.com/office/drawing/2014/main" id="{EBAC8825-D313-D523-B401-E1125A055C72}"/>
+              </a:ext>
+            </a:extLst>
+          </p:cNvPr>
+          <p:cNvCxnSpPr>
+            <a:cxnSpLocks/>
+            <a:stCxn id="20" idx="1"/>
+            <a:endCxn id="8" idx="3"/>
+          </p:cNvCxnSpPr>
+          <p:nvPr/>
+        </p:nvCxnSpPr>
+        <p:spPr>
+          <a:xfrm flipH="1" flipV="1">
+            <a:off x="5407725" y="5178384"/>
+            <a:ext cx="1293319" cy="619606"/>
+          </a:xfrm>
+          <a:prstGeom prst="straightConnector1">
+            <a:avLst/>
+          </a:prstGeom>
+          <a:ln w="57150">
+            <a:solidFill>
+              <a:schemeClr val="accent1"/>
+            </a:solidFill>
+            <a:tailEnd type="triangle"/>
+          </a:ln>
+        </p:spPr>
+        <p:style>
+          <a:lnRef idx="1">
+            <a:schemeClr val="accent1"/>
+          </a:lnRef>
+          <a:fillRef idx="0">
+            <a:schemeClr val="accent1"/>
+          </a:fillRef>
+          <a:effectRef idx="0">
+            <a:schemeClr val="accent1"/>
+          </a:effectRef>
+          <a:fontRef idx="minor">
+            <a:schemeClr val="tx1"/>
+          </a:fontRef>
+        </p:style>
+      </p:cxnSp>
     </p:spTree>
     <p:extLst>
       <p:ext uri="{BB962C8B-B14F-4D97-AF65-F5344CB8AC3E}">
@@ -10632,6 +11093,41 @@
                                   </p:childTnLst>
                                 </p:cTn>
                               </p:par>
+                              <p:par>
+                                <p:cTn id="13" presetID="22" presetClass="entr" presetSubtype="4" fill="hold" grpId="0" nodeType="withEffect">
+                                  <p:stCondLst>
+                                    <p:cond delay="0"/>
+                                  </p:stCondLst>
+                                  <p:childTnLst>
+                                    <p:set>
+                                      <p:cBhvr>
+                                        <p:cTn id="14" dur="1" fill="hold">
+                                          <p:stCondLst>
+                                            <p:cond delay="0"/>
+                                          </p:stCondLst>
+                                        </p:cTn>
+                                        <p:tgtEl>
+                                          <p:spTgt spid="13"/>
+                                        </p:tgtEl>
+                                        <p:attrNameLst>
+                                          <p:attrName>style.visibility</p:attrName>
+                                        </p:attrNameLst>
+                                      </p:cBhvr>
+                                      <p:to>
+                                        <p:strVal val="visible"/>
+                                      </p:to>
+                                    </p:set>
+                                    <p:animEffect transition="in" filter="wipe(down)">
+                                      <p:cBhvr>
+                                        <p:cTn id="15" dur="500"/>
+                                        <p:tgtEl>
+                                          <p:spTgt spid="13"/>
+                                        </p:tgtEl>
+                                      </p:cBhvr>
+                                    </p:animEffect>
+                                  </p:childTnLst>
+                                </p:cTn>
+                              </p:par>
                             </p:childTnLst>
                           </p:cTn>
                         </p:par>
@@ -10639,26 +11135,26 @@
                     </p:cTn>
                   </p:par>
                   <p:par>
-                    <p:cTn id="13" fill="hold">
+                    <p:cTn id="16" fill="hold">
                       <p:stCondLst>
                         <p:cond delay="indefinite"/>
                       </p:stCondLst>
                       <p:childTnLst>
                         <p:par>
-                          <p:cTn id="14" fill="hold">
+                          <p:cTn id="17" fill="hold">
                             <p:stCondLst>
                               <p:cond delay="0"/>
                             </p:stCondLst>
                             <p:childTnLst>
                               <p:par>
-                                <p:cTn id="15" presetID="22" presetClass="entr" presetSubtype="4" fill="hold" grpId="0" nodeType="clickEffect">
+                                <p:cTn id="18" presetID="22" presetClass="entr" presetSubtype="4" fill="hold" grpId="0" nodeType="clickEffect">
                                   <p:stCondLst>
                                     <p:cond delay="0"/>
                                   </p:stCondLst>
                                   <p:childTnLst>
                                     <p:set>
                                       <p:cBhvr>
-                                        <p:cTn id="16" dur="1" fill="hold">
+                                        <p:cTn id="19" dur="1" fill="hold">
                                           <p:stCondLst>
                                             <p:cond delay="0"/>
                                           </p:stCondLst>
@@ -10676,9 +11172,44 @@
                                     </p:set>
                                     <p:animEffect transition="in" filter="wipe(down)">
                                       <p:cBhvr>
-                                        <p:cTn id="17" dur="500"/>
+                                        <p:cTn id="20" dur="500"/>
                                         <p:tgtEl>
                                           <p:spTgt spid="7"/>
+                                        </p:tgtEl>
+                                      </p:cBhvr>
+                                    </p:animEffect>
+                                  </p:childTnLst>
+                                </p:cTn>
+                              </p:par>
+                              <p:par>
+                                <p:cTn id="21" presetID="22" presetClass="entr" presetSubtype="4" fill="hold" grpId="0" nodeType="withEffect">
+                                  <p:stCondLst>
+                                    <p:cond delay="0"/>
+                                  </p:stCondLst>
+                                  <p:childTnLst>
+                                    <p:set>
+                                      <p:cBhvr>
+                                        <p:cTn id="22" dur="1" fill="hold">
+                                          <p:stCondLst>
+                                            <p:cond delay="0"/>
+                                          </p:stCondLst>
+                                        </p:cTn>
+                                        <p:tgtEl>
+                                          <p:spTgt spid="14"/>
+                                        </p:tgtEl>
+                                        <p:attrNameLst>
+                                          <p:attrName>style.visibility</p:attrName>
+                                        </p:attrNameLst>
+                                      </p:cBhvr>
+                                      <p:to>
+                                        <p:strVal val="visible"/>
+                                      </p:to>
+                                    </p:set>
+                                    <p:animEffect transition="in" filter="wipe(down)">
+                                      <p:cBhvr>
+                                        <p:cTn id="23" dur="500"/>
+                                        <p:tgtEl>
+                                          <p:spTgt spid="14"/>
                                         </p:tgtEl>
                                       </p:cBhvr>
                                     </p:animEffect>
@@ -10692,26 +11223,26 @@
                     </p:cTn>
                   </p:par>
                   <p:par>
-                    <p:cTn id="18" fill="hold">
+                    <p:cTn id="24" fill="hold">
                       <p:stCondLst>
                         <p:cond delay="indefinite"/>
                       </p:stCondLst>
                       <p:childTnLst>
                         <p:par>
-                          <p:cTn id="19" fill="hold">
+                          <p:cTn id="25" fill="hold">
                             <p:stCondLst>
                               <p:cond delay="0"/>
                             </p:stCondLst>
                             <p:childTnLst>
                               <p:par>
-                                <p:cTn id="20" presetID="22" presetClass="entr" presetSubtype="4" fill="hold" grpId="0" nodeType="clickEffect">
+                                <p:cTn id="26" presetID="22" presetClass="entr" presetSubtype="4" fill="hold" grpId="0" nodeType="clickEffect">
                                   <p:stCondLst>
                                     <p:cond delay="0"/>
                                   </p:stCondLst>
                                   <p:childTnLst>
                                     <p:set>
                                       <p:cBhvr>
-                                        <p:cTn id="21" dur="1" fill="hold">
+                                        <p:cTn id="27" dur="1" fill="hold">
                                           <p:stCondLst>
                                             <p:cond delay="0"/>
                                           </p:stCondLst>
@@ -10729,9 +11260,379 @@
                                     </p:set>
                                     <p:animEffect transition="in" filter="wipe(down)">
                                       <p:cBhvr>
-                                        <p:cTn id="22" dur="500"/>
+                                        <p:cTn id="28" dur="500"/>
                                         <p:tgtEl>
                                           <p:spTgt spid="8"/>
+                                        </p:tgtEl>
+                                      </p:cBhvr>
+                                    </p:animEffect>
+                                  </p:childTnLst>
+                                </p:cTn>
+                              </p:par>
+                              <p:par>
+                                <p:cTn id="29" presetID="22" presetClass="entr" presetSubtype="4" fill="hold" grpId="0" nodeType="withEffect">
+                                  <p:stCondLst>
+                                    <p:cond delay="0"/>
+                                  </p:stCondLst>
+                                  <p:childTnLst>
+                                    <p:set>
+                                      <p:cBhvr>
+                                        <p:cTn id="30" dur="1" fill="hold">
+                                          <p:stCondLst>
+                                            <p:cond delay="0"/>
+                                          </p:stCondLst>
+                                        </p:cTn>
+                                        <p:tgtEl>
+                                          <p:spTgt spid="15"/>
+                                        </p:tgtEl>
+                                        <p:attrNameLst>
+                                          <p:attrName>style.visibility</p:attrName>
+                                        </p:attrNameLst>
+                                      </p:cBhvr>
+                                      <p:to>
+                                        <p:strVal val="visible"/>
+                                      </p:to>
+                                    </p:set>
+                                    <p:animEffect transition="in" filter="wipe(down)">
+                                      <p:cBhvr>
+                                        <p:cTn id="31" dur="500"/>
+                                        <p:tgtEl>
+                                          <p:spTgt spid="15"/>
+                                        </p:tgtEl>
+                                      </p:cBhvr>
+                                    </p:animEffect>
+                                  </p:childTnLst>
+                                </p:cTn>
+                              </p:par>
+                            </p:childTnLst>
+                          </p:cTn>
+                        </p:par>
+                      </p:childTnLst>
+                    </p:cTn>
+                  </p:par>
+                  <p:par>
+                    <p:cTn id="32" fill="hold">
+                      <p:stCondLst>
+                        <p:cond delay="indefinite"/>
+                      </p:stCondLst>
+                      <p:childTnLst>
+                        <p:par>
+                          <p:cTn id="33" fill="hold">
+                            <p:stCondLst>
+                              <p:cond delay="0"/>
+                            </p:stCondLst>
+                            <p:childTnLst>
+                              <p:par>
+                                <p:cTn id="34" presetID="22" presetClass="entr" presetSubtype="4" fill="hold" grpId="0" nodeType="clickEffect">
+                                  <p:stCondLst>
+                                    <p:cond delay="0"/>
+                                  </p:stCondLst>
+                                  <p:childTnLst>
+                                    <p:set>
+                                      <p:cBhvr>
+                                        <p:cTn id="35" dur="1" fill="hold">
+                                          <p:stCondLst>
+                                            <p:cond delay="0"/>
+                                          </p:stCondLst>
+                                        </p:cTn>
+                                        <p:tgtEl>
+                                          <p:spTgt spid="9"/>
+                                        </p:tgtEl>
+                                        <p:attrNameLst>
+                                          <p:attrName>style.visibility</p:attrName>
+                                        </p:attrNameLst>
+                                      </p:cBhvr>
+                                      <p:to>
+                                        <p:strVal val="visible"/>
+                                      </p:to>
+                                    </p:set>
+                                    <p:animEffect transition="in" filter="wipe(down)">
+                                      <p:cBhvr>
+                                        <p:cTn id="36" dur="500"/>
+                                        <p:tgtEl>
+                                          <p:spTgt spid="9"/>
+                                        </p:tgtEl>
+                                      </p:cBhvr>
+                                    </p:animEffect>
+                                  </p:childTnLst>
+                                </p:cTn>
+                              </p:par>
+                              <p:par>
+                                <p:cTn id="37" presetID="22" presetClass="entr" presetSubtype="4" fill="hold" grpId="0" nodeType="withEffect">
+                                  <p:stCondLst>
+                                    <p:cond delay="0"/>
+                                  </p:stCondLst>
+                                  <p:childTnLst>
+                                    <p:set>
+                                      <p:cBhvr>
+                                        <p:cTn id="38" dur="1" fill="hold">
+                                          <p:stCondLst>
+                                            <p:cond delay="0"/>
+                                          </p:stCondLst>
+                                        </p:cTn>
+                                        <p:tgtEl>
+                                          <p:spTgt spid="16"/>
+                                        </p:tgtEl>
+                                        <p:attrNameLst>
+                                          <p:attrName>style.visibility</p:attrName>
+                                        </p:attrNameLst>
+                                      </p:cBhvr>
+                                      <p:to>
+                                        <p:strVal val="visible"/>
+                                      </p:to>
+                                    </p:set>
+                                    <p:animEffect transition="in" filter="wipe(down)">
+                                      <p:cBhvr>
+                                        <p:cTn id="39" dur="500"/>
+                                        <p:tgtEl>
+                                          <p:spTgt spid="16"/>
+                                        </p:tgtEl>
+                                      </p:cBhvr>
+                                    </p:animEffect>
+                                  </p:childTnLst>
+                                </p:cTn>
+                              </p:par>
+                            </p:childTnLst>
+                          </p:cTn>
+                        </p:par>
+                      </p:childTnLst>
+                    </p:cTn>
+                  </p:par>
+                  <p:par>
+                    <p:cTn id="40" fill="hold">
+                      <p:stCondLst>
+                        <p:cond delay="indefinite"/>
+                      </p:stCondLst>
+                      <p:childTnLst>
+                        <p:par>
+                          <p:cTn id="41" fill="hold">
+                            <p:stCondLst>
+                              <p:cond delay="0"/>
+                            </p:stCondLst>
+                            <p:childTnLst>
+                              <p:par>
+                                <p:cTn id="42" presetID="22" presetClass="entr" presetSubtype="4" fill="hold" grpId="0" nodeType="clickEffect">
+                                  <p:stCondLst>
+                                    <p:cond delay="0"/>
+                                  </p:stCondLst>
+                                  <p:childTnLst>
+                                    <p:set>
+                                      <p:cBhvr>
+                                        <p:cTn id="43" dur="1" fill="hold">
+                                          <p:stCondLst>
+                                            <p:cond delay="0"/>
+                                          </p:stCondLst>
+                                        </p:cTn>
+                                        <p:tgtEl>
+                                          <p:spTgt spid="19"/>
+                                        </p:tgtEl>
+                                        <p:attrNameLst>
+                                          <p:attrName>style.visibility</p:attrName>
+                                        </p:attrNameLst>
+                                      </p:cBhvr>
+                                      <p:to>
+                                        <p:strVal val="visible"/>
+                                      </p:to>
+                                    </p:set>
+                                    <p:animEffect transition="in" filter="wipe(down)">
+                                      <p:cBhvr>
+                                        <p:cTn id="44" dur="500"/>
+                                        <p:tgtEl>
+                                          <p:spTgt spid="19"/>
+                                        </p:tgtEl>
+                                      </p:cBhvr>
+                                    </p:animEffect>
+                                  </p:childTnLst>
+                                </p:cTn>
+                              </p:par>
+                            </p:childTnLst>
+                          </p:cTn>
+                        </p:par>
+                      </p:childTnLst>
+                    </p:cTn>
+                  </p:par>
+                  <p:par>
+                    <p:cTn id="45" fill="hold">
+                      <p:stCondLst>
+                        <p:cond delay="indefinite"/>
+                      </p:stCondLst>
+                      <p:childTnLst>
+                        <p:par>
+                          <p:cTn id="46" fill="hold">
+                            <p:stCondLst>
+                              <p:cond delay="0"/>
+                            </p:stCondLst>
+                            <p:childTnLst>
+                              <p:par>
+                                <p:cTn id="47" presetID="22" presetClass="entr" presetSubtype="4" fill="hold" grpId="0" nodeType="clickEffect">
+                                  <p:stCondLst>
+                                    <p:cond delay="0"/>
+                                  </p:stCondLst>
+                                  <p:childTnLst>
+                                    <p:set>
+                                      <p:cBhvr>
+                                        <p:cTn id="48" dur="1" fill="hold">
+                                          <p:stCondLst>
+                                            <p:cond delay="0"/>
+                                          </p:stCondLst>
+                                        </p:cTn>
+                                        <p:tgtEl>
+                                          <p:spTgt spid="20"/>
+                                        </p:tgtEl>
+                                        <p:attrNameLst>
+                                          <p:attrName>style.visibility</p:attrName>
+                                        </p:attrNameLst>
+                                      </p:cBhvr>
+                                      <p:to>
+                                        <p:strVal val="visible"/>
+                                      </p:to>
+                                    </p:set>
+                                    <p:animEffect transition="in" filter="wipe(down)">
+                                      <p:cBhvr>
+                                        <p:cTn id="49" dur="500"/>
+                                        <p:tgtEl>
+                                          <p:spTgt spid="20"/>
+                                        </p:tgtEl>
+                                      </p:cBhvr>
+                                    </p:animEffect>
+                                  </p:childTnLst>
+                                </p:cTn>
+                              </p:par>
+                              <p:par>
+                                <p:cTn id="50" presetID="22" presetClass="entr" presetSubtype="4" fill="hold" nodeType="withEffect">
+                                  <p:stCondLst>
+                                    <p:cond delay="0"/>
+                                  </p:stCondLst>
+                                  <p:childTnLst>
+                                    <p:set>
+                                      <p:cBhvr>
+                                        <p:cTn id="51" dur="1" fill="hold">
+                                          <p:stCondLst>
+                                            <p:cond delay="0"/>
+                                          </p:stCondLst>
+                                        </p:cTn>
+                                        <p:tgtEl>
+                                          <p:spTgt spid="22"/>
+                                        </p:tgtEl>
+                                        <p:attrNameLst>
+                                          <p:attrName>style.visibility</p:attrName>
+                                        </p:attrNameLst>
+                                      </p:cBhvr>
+                                      <p:to>
+                                        <p:strVal val="visible"/>
+                                      </p:to>
+                                    </p:set>
+                                    <p:animEffect transition="in" filter="wipe(down)">
+                                      <p:cBhvr>
+                                        <p:cTn id="52" dur="500"/>
+                                        <p:tgtEl>
+                                          <p:spTgt spid="22"/>
+                                        </p:tgtEl>
+                                      </p:cBhvr>
+                                    </p:animEffect>
+                                  </p:childTnLst>
+                                </p:cTn>
+                              </p:par>
+                            </p:childTnLst>
+                          </p:cTn>
+                        </p:par>
+                      </p:childTnLst>
+                    </p:cTn>
+                  </p:par>
+                  <p:par>
+                    <p:cTn id="53" fill="hold">
+                      <p:stCondLst>
+                        <p:cond delay="indefinite"/>
+                      </p:stCondLst>
+                      <p:childTnLst>
+                        <p:par>
+                          <p:cTn id="54" fill="hold">
+                            <p:stCondLst>
+                              <p:cond delay="0"/>
+                            </p:stCondLst>
+                            <p:childTnLst>
+                              <p:par>
+                                <p:cTn id="55" presetID="22" presetClass="entr" presetSubtype="4" fill="hold" grpId="0" nodeType="clickEffect">
+                                  <p:stCondLst>
+                                    <p:cond delay="0"/>
+                                  </p:stCondLst>
+                                  <p:childTnLst>
+                                    <p:set>
+                                      <p:cBhvr>
+                                        <p:cTn id="56" dur="1" fill="hold">
+                                          <p:stCondLst>
+                                            <p:cond delay="0"/>
+                                          </p:stCondLst>
+                                        </p:cTn>
+                                        <p:tgtEl>
+                                          <p:spTgt spid="17"/>
+                                        </p:tgtEl>
+                                        <p:attrNameLst>
+                                          <p:attrName>style.visibility</p:attrName>
+                                        </p:attrNameLst>
+                                      </p:cBhvr>
+                                      <p:to>
+                                        <p:strVal val="visible"/>
+                                      </p:to>
+                                    </p:set>
+                                    <p:animEffect transition="in" filter="wipe(down)">
+                                      <p:cBhvr>
+                                        <p:cTn id="57" dur="500"/>
+                                        <p:tgtEl>
+                                          <p:spTgt spid="17"/>
+                                        </p:tgtEl>
+                                      </p:cBhvr>
+                                    </p:animEffect>
+                                  </p:childTnLst>
+                                </p:cTn>
+                              </p:par>
+                            </p:childTnLst>
+                          </p:cTn>
+                        </p:par>
+                      </p:childTnLst>
+                    </p:cTn>
+                  </p:par>
+                  <p:par>
+                    <p:cTn id="58" fill="hold">
+                      <p:stCondLst>
+                        <p:cond delay="indefinite"/>
+                      </p:stCondLst>
+                      <p:childTnLst>
+                        <p:par>
+                          <p:cTn id="59" fill="hold">
+                            <p:stCondLst>
+                              <p:cond delay="0"/>
+                            </p:stCondLst>
+                            <p:childTnLst>
+                              <p:par>
+                                <p:cTn id="60" presetID="22" presetClass="entr" presetSubtype="4" fill="hold" grpId="0" nodeType="clickEffect">
+                                  <p:stCondLst>
+                                    <p:cond delay="0"/>
+                                  </p:stCondLst>
+                                  <p:childTnLst>
+                                    <p:set>
+                                      <p:cBhvr>
+                                        <p:cTn id="61" dur="1" fill="hold">
+                                          <p:stCondLst>
+                                            <p:cond delay="0"/>
+                                          </p:stCondLst>
+                                        </p:cTn>
+                                        <p:tgtEl>
+                                          <p:spTgt spid="18"/>
+                                        </p:tgtEl>
+                                        <p:attrNameLst>
+                                          <p:attrName>style.visibility</p:attrName>
+                                        </p:attrNameLst>
+                                      </p:cBhvr>
+                                      <p:to>
+                                        <p:strVal val="visible"/>
+                                      </p:to>
+                                    </p:set>
+                                    <p:animEffect transition="in" filter="wipe(down)">
+                                      <p:cBhvr>
+                                        <p:cTn id="62" dur="500"/>
+                                        <p:tgtEl>
+                                          <p:spTgt spid="18"/>
                                         </p:tgtEl>
                                       </p:cBhvr>
                                     </p:animEffect>
@@ -10770,8 +11671,2186 @@
       <p:bldP spid="6" grpId="0" animBg="1"/>
       <p:bldP spid="7" grpId="0" animBg="1"/>
       <p:bldP spid="8" grpId="0" animBg="1"/>
+      <p:bldP spid="9" grpId="0" animBg="1"/>
+      <p:bldP spid="13" grpId="0" animBg="1"/>
+      <p:bldP spid="14" grpId="0" animBg="1"/>
+      <p:bldP spid="15" grpId="0" animBg="1"/>
+      <p:bldP spid="16" grpId="0" animBg="1"/>
+      <p:bldP spid="17" grpId="0"/>
+      <p:bldP spid="18" grpId="0"/>
+      <p:bldP spid="19" grpId="0"/>
+      <p:bldP spid="20" grpId="0" animBg="1"/>
     </p:bldLst>
   </p:timing>
+</p:sld>
+</file>
+
+<file path=ppt/slides/slide5.xml><?xml version="1.0" encoding="utf-8"?>
+<p:sld xmlns:a="http://schemas.openxmlformats.org/drawingml/2006/main" xmlns:r="http://schemas.openxmlformats.org/officeDocument/2006/relationships" xmlns:p="http://schemas.openxmlformats.org/presentationml/2006/main">
+  <p:cSld>
+    <p:spTree>
+      <p:nvGrpSpPr>
+        <p:cNvPr id="1" name=""/>
+        <p:cNvGrpSpPr/>
+        <p:nvPr/>
+      </p:nvGrpSpPr>
+      <p:grpSpPr>
+        <a:xfrm>
+          <a:off x="0" y="0"/>
+          <a:ext cx="0" cy="0"/>
+          <a:chOff x="0" y="0"/>
+          <a:chExt cx="0" cy="0"/>
+        </a:xfrm>
+      </p:grpSpPr>
+      <p:sp>
+        <p:nvSpPr>
+          <p:cNvPr id="2" name="Заголовок 1">
+            <a:extLst>
+              <a:ext uri="{FF2B5EF4-FFF2-40B4-BE49-F238E27FC236}">
+                <a16:creationId xmlns:a16="http://schemas.microsoft.com/office/drawing/2014/main" id="{8853C5C9-B9A2-91EB-E17D-A663F67B24F1}"/>
+              </a:ext>
+            </a:extLst>
+          </p:cNvPr>
+          <p:cNvSpPr>
+            <a:spLocks noGrp="1"/>
+          </p:cNvSpPr>
+          <p:nvPr>
+            <p:ph type="title"/>
+          </p:nvPr>
+        </p:nvSpPr>
+        <p:spPr>
+          <a:xfrm>
+            <a:off x="1640156" y="370248"/>
+            <a:ext cx="8911687" cy="782659"/>
+          </a:xfrm>
+        </p:spPr>
+        <p:txBody>
+          <a:bodyPr/>
+          <a:lstStyle/>
+          <a:p>
+            <a:pPr algn="ctr"/>
+            <a:r>
+              <a:rPr lang="ru-RU" dirty="0"/>
+              <a:t>Содержательная постановка задачи</a:t>
+            </a:r>
+          </a:p>
+        </p:txBody>
+      </p:sp>
+      <p:sp>
+        <p:nvSpPr>
+          <p:cNvPr id="3" name="Объект 2">
+            <a:extLst>
+              <a:ext uri="{FF2B5EF4-FFF2-40B4-BE49-F238E27FC236}">
+                <a16:creationId xmlns:a16="http://schemas.microsoft.com/office/drawing/2014/main" id="{61D7A90A-4579-8449-03F6-CCCAD557AC47}"/>
+              </a:ext>
+            </a:extLst>
+          </p:cNvPr>
+          <p:cNvSpPr>
+            <a:spLocks noGrp="1"/>
+          </p:cNvSpPr>
+          <p:nvPr>
+            <p:ph idx="1"/>
+          </p:nvPr>
+        </p:nvSpPr>
+        <p:spPr>
+          <a:xfrm>
+            <a:off x="821994" y="1540189"/>
+            <a:ext cx="10685378" cy="3777622"/>
+          </a:xfrm>
+        </p:spPr>
+        <p:txBody>
+          <a:bodyPr/>
+          <a:lstStyle/>
+          <a:p>
+            <a:r>
+              <a:rPr lang="ru-RU" dirty="0"/>
+              <a:t>Сбор данных о полях «Сапёра»</a:t>
+            </a:r>
+          </a:p>
+          <a:p>
+            <a:r>
+              <a:rPr lang="ru-RU" dirty="0"/>
+              <a:t>Разработка алгоритмов </a:t>
+            </a:r>
+          </a:p>
+        </p:txBody>
+      </p:sp>
+      <p:sp>
+        <p:nvSpPr>
+          <p:cNvPr id="4" name="Номер слайда 3">
+            <a:extLst>
+              <a:ext uri="{FF2B5EF4-FFF2-40B4-BE49-F238E27FC236}">
+                <a16:creationId xmlns:a16="http://schemas.microsoft.com/office/drawing/2014/main" id="{776A0733-E3A4-F2AD-9B4A-9617C7002978}"/>
+              </a:ext>
+            </a:extLst>
+          </p:cNvPr>
+          <p:cNvSpPr>
+            <a:spLocks noGrp="1"/>
+          </p:cNvSpPr>
+          <p:nvPr>
+            <p:ph type="sldNum" sz="quarter" idx="12"/>
+          </p:nvPr>
+        </p:nvSpPr>
+        <p:spPr/>
+        <p:txBody>
+          <a:bodyPr/>
+          <a:lstStyle/>
+          <a:p>
+            <a:fld id="{03C0CC59-6802-44A9-9AE1-B9BD1C008210}" type="slidenum">
+              <a:rPr lang="ru-RU" smtClean="0"/>
+              <a:t>5</a:t>
+            </a:fld>
+            <a:endParaRPr lang="ru-RU"/>
+          </a:p>
+        </p:txBody>
+      </p:sp>
+    </p:spTree>
+    <p:extLst>
+      <p:ext uri="{BB962C8B-B14F-4D97-AF65-F5344CB8AC3E}">
+        <p14:creationId xmlns:p14="http://schemas.microsoft.com/office/powerpoint/2010/main" val="3182450606"/>
+      </p:ext>
+    </p:extLst>
+  </p:cSld>
+  <p:clrMapOvr>
+    <a:masterClrMapping/>
+  </p:clrMapOvr>
+  <p:transition spd="slow">
+    <p:wipe/>
+  </p:transition>
+</p:sld>
+</file>
+
+<file path=ppt/slides/slide6.xml><?xml version="1.0" encoding="utf-8"?>
+<p:sld xmlns:a="http://schemas.openxmlformats.org/drawingml/2006/main" xmlns:r="http://schemas.openxmlformats.org/officeDocument/2006/relationships" xmlns:p="http://schemas.openxmlformats.org/presentationml/2006/main">
+  <p:cSld>
+    <p:spTree>
+      <p:nvGrpSpPr>
+        <p:cNvPr id="1" name=""/>
+        <p:cNvGrpSpPr/>
+        <p:nvPr/>
+      </p:nvGrpSpPr>
+      <p:grpSpPr>
+        <a:xfrm>
+          <a:off x="0" y="0"/>
+          <a:ext cx="0" cy="0"/>
+          <a:chOff x="0" y="0"/>
+          <a:chExt cx="0" cy="0"/>
+        </a:xfrm>
+      </p:grpSpPr>
+      <p:sp>
+        <p:nvSpPr>
+          <p:cNvPr id="2" name="Заголовок 1">
+            <a:extLst>
+              <a:ext uri="{FF2B5EF4-FFF2-40B4-BE49-F238E27FC236}">
+                <a16:creationId xmlns:a16="http://schemas.microsoft.com/office/drawing/2014/main" id="{7A79CCA8-B073-4279-F5F0-6C4A50124EC2}"/>
+              </a:ext>
+            </a:extLst>
+          </p:cNvPr>
+          <p:cNvSpPr>
+            <a:spLocks noGrp="1"/>
+          </p:cNvSpPr>
+          <p:nvPr>
+            <p:ph type="title"/>
+          </p:nvPr>
+        </p:nvSpPr>
+        <p:spPr>
+          <a:xfrm>
+            <a:off x="1640156" y="299583"/>
+            <a:ext cx="8911687" cy="670761"/>
+          </a:xfrm>
+        </p:spPr>
+        <p:txBody>
+          <a:bodyPr/>
+          <a:lstStyle/>
+          <a:p>
+            <a:pPr algn="ctr"/>
+            <a:r>
+              <a:rPr lang="ru-RU" dirty="0">
+                <a:latin typeface="Times New Roman" panose="02020603050405020304" pitchFamily="18" charset="0"/>
+                <a:cs typeface="Times New Roman" panose="02020603050405020304" pitchFamily="18" charset="0"/>
+              </a:rPr>
+              <a:t>Математическая постановка задачи</a:t>
+            </a:r>
+          </a:p>
+        </p:txBody>
+      </p:sp>
+      <mc:AlternateContent xmlns:mc="http://schemas.openxmlformats.org/markup-compatibility/2006">
+        <mc:Choice xmlns:a14="http://schemas.microsoft.com/office/drawing/2010/main" Requires="a14">
+          <p:sp>
+            <p:nvSpPr>
+              <p:cNvPr id="3" name="Объект 2">
+                <a:extLst>
+                  <a:ext uri="{FF2B5EF4-FFF2-40B4-BE49-F238E27FC236}">
+                    <a16:creationId xmlns:a16="http://schemas.microsoft.com/office/drawing/2014/main" id="{3E6F392D-E3B1-71C7-0DB6-6BA932BACBDE}"/>
+                  </a:ext>
+                </a:extLst>
+              </p:cNvPr>
+              <p:cNvSpPr>
+                <a:spLocks noGrp="1"/>
+              </p:cNvSpPr>
+              <p:nvPr>
+                <p:ph idx="1"/>
+              </p:nvPr>
+            </p:nvSpPr>
+            <p:spPr>
+              <a:xfrm>
+                <a:off x="1139483" y="1540189"/>
+                <a:ext cx="10902461" cy="5018228"/>
+              </a:xfrm>
+            </p:spPr>
+            <p:txBody>
+              <a:bodyPr>
+                <a:normAutofit/>
+              </a:bodyPr>
+              <a:lstStyle/>
+              <a:p>
+                <a:pPr marL="0" indent="0">
+                  <a:buNone/>
+                </a:pPr>
+                <a:r>
+                  <a:rPr lang="ru-RU" dirty="0">
+                    <a:latin typeface="Times New Roman" panose="02020603050405020304" pitchFamily="18" charset="0"/>
+                    <a:cs typeface="Times New Roman" panose="02020603050405020304" pitchFamily="18" charset="0"/>
+                  </a:rPr>
+                  <a:t>Определим следующие параметры и переменные:</a:t>
+                </a:r>
+              </a:p>
+              <a:p>
+                <a:r>
+                  <a:rPr lang="ru-RU" dirty="0">
+                    <a:latin typeface="Times New Roman" panose="02020603050405020304" pitchFamily="18" charset="0"/>
+                    <a:cs typeface="Times New Roman" panose="02020603050405020304" pitchFamily="18" charset="0"/>
+                  </a:rPr>
+                  <a:t>Длина и ширина поля: </a:t>
+                </a:r>
+                <a:r>
+                  <a:rPr lang="en-US" dirty="0">
+                    <a:latin typeface="Times New Roman" panose="02020603050405020304" pitchFamily="18" charset="0"/>
+                    <a:cs typeface="Times New Roman" panose="02020603050405020304" pitchFamily="18" charset="0"/>
+                  </a:rPr>
+                  <a:t>l, w</a:t>
+                </a:r>
+                <a:endParaRPr lang="ru-RU" dirty="0">
+                  <a:latin typeface="Times New Roman" panose="02020603050405020304" pitchFamily="18" charset="0"/>
+                  <a:cs typeface="Times New Roman" panose="02020603050405020304" pitchFamily="18" charset="0"/>
+                </a:endParaRPr>
+              </a:p>
+              <a:p>
+                <a:r>
+                  <a:rPr lang="ru-RU" dirty="0">
+                    <a:latin typeface="Times New Roman" panose="02020603050405020304" pitchFamily="18" charset="0"/>
+                    <a:cs typeface="Times New Roman" panose="02020603050405020304" pitchFamily="18" charset="0"/>
+                  </a:rPr>
+                  <a:t>Общее количество мин на поле</a:t>
+                </a:r>
+                <a:r>
+                  <a:rPr lang="en-US" dirty="0">
+                    <a:latin typeface="Times New Roman" panose="02020603050405020304" pitchFamily="18" charset="0"/>
+                    <a:cs typeface="Times New Roman" panose="02020603050405020304" pitchFamily="18" charset="0"/>
+                  </a:rPr>
+                  <a:t>, tm</a:t>
+                </a:r>
+              </a:p>
+              <a:p>
+                <a:r>
+                  <a:rPr lang="ru-RU" dirty="0">
+                    <a:latin typeface="Times New Roman" panose="02020603050405020304" pitchFamily="18" charset="0"/>
+                    <a:cs typeface="Times New Roman" panose="02020603050405020304" pitchFamily="18" charset="0"/>
+                  </a:rPr>
+                  <a:t>Двумерный кортеж, содержащий значение статуса клетки, </a:t>
+                </a:r>
+                <a:r>
+                  <a:rPr lang="en-US" dirty="0">
+                    <a:latin typeface="Times New Roman" panose="02020603050405020304" pitchFamily="18" charset="0"/>
+                    <a:cs typeface="Times New Roman" panose="02020603050405020304" pitchFamily="18" charset="0"/>
+                  </a:rPr>
+                  <a:t>S. </a:t>
+                </a:r>
+                <a14:m>
+                  <m:oMath xmlns:m="http://schemas.openxmlformats.org/officeDocument/2006/math">
+                    <m:sSub>
+                      <m:sSubPr>
+                        <m:ctrlPr>
+                          <a:rPr lang="en-US" i="1" smtClean="0">
+                            <a:latin typeface="Cambria Math" panose="02040503050406030204" pitchFamily="18" charset="0"/>
+                          </a:rPr>
+                        </m:ctrlPr>
+                      </m:sSubPr>
+                      <m:e>
+                        <m:r>
+                          <a:rPr lang="en-US" b="0" i="1" smtClean="0">
+                            <a:latin typeface="Cambria Math" panose="02040503050406030204" pitchFamily="18" charset="0"/>
+                          </a:rPr>
+                          <m:t>𝑆</m:t>
+                        </m:r>
+                      </m:e>
+                      <m:sub>
+                        <m:r>
+                          <a:rPr lang="en-US" b="0" i="1" smtClean="0">
+                            <a:latin typeface="Cambria Math" panose="02040503050406030204" pitchFamily="18" charset="0"/>
+                          </a:rPr>
+                          <m:t>𝑖</m:t>
+                        </m:r>
+                        <m:r>
+                          <a:rPr lang="en-US" b="0" i="1" smtClean="0">
+                            <a:latin typeface="Cambria Math" panose="02040503050406030204" pitchFamily="18" charset="0"/>
+                          </a:rPr>
+                          <m:t>,</m:t>
+                        </m:r>
+                        <m:r>
+                          <a:rPr lang="en-US" b="0" i="1" smtClean="0">
+                            <a:latin typeface="Cambria Math" panose="02040503050406030204" pitchFamily="18" charset="0"/>
+                          </a:rPr>
+                          <m:t>𝑗</m:t>
+                        </m:r>
+                      </m:sub>
+                    </m:sSub>
+                  </m:oMath>
+                </a14:m>
+                <a:r>
+                  <a:rPr lang="en-US" dirty="0">
+                    <a:latin typeface="Times New Roman" panose="02020603050405020304" pitchFamily="18" charset="0"/>
+                    <a:cs typeface="Times New Roman" panose="02020603050405020304" pitchFamily="18" charset="0"/>
+                  </a:rPr>
+                  <a:t> </a:t>
+                </a:r>
+                <a:r>
+                  <a:rPr lang="en-US" dirty="0">
+                    <a:latin typeface="Times New Roman" panose="02020603050405020304" pitchFamily="18" charset="0"/>
+                    <a:ea typeface="Cambria Math" panose="02040503050406030204" pitchFamily="18" charset="0"/>
+                    <a:cs typeface="Times New Roman" panose="02020603050405020304" pitchFamily="18" charset="0"/>
+                  </a:rPr>
+                  <a:t>∈</a:t>
+                </a:r>
+                <a:r>
+                  <a:rPr lang="ru-RU" dirty="0">
+                    <a:latin typeface="Times New Roman" panose="02020603050405020304" pitchFamily="18" charset="0"/>
+                    <a:ea typeface="Cambria Math" panose="02040503050406030204" pitchFamily="18" charset="0"/>
+                    <a:cs typeface="Times New Roman" panose="02020603050405020304" pitchFamily="18" charset="0"/>
+                  </a:rPr>
+                  <a:t> </a:t>
+                </a:r>
+                <a:r>
+                  <a:rPr lang="en-US" dirty="0">
+                    <a:latin typeface="Times New Roman" panose="02020603050405020304" pitchFamily="18" charset="0"/>
+                    <a:ea typeface="Cambria Math" panose="02040503050406030204" pitchFamily="18" charset="0"/>
+                    <a:cs typeface="Times New Roman" panose="02020603050405020304" pitchFamily="18" charset="0"/>
+                  </a:rPr>
+                  <a:t>SS = {O, C}</a:t>
+                </a:r>
+                <a:endParaRPr lang="en-US" dirty="0">
+                  <a:latin typeface="Times New Roman" panose="02020603050405020304" pitchFamily="18" charset="0"/>
+                  <a:cs typeface="Times New Roman" panose="02020603050405020304" pitchFamily="18" charset="0"/>
+                </a:endParaRPr>
+              </a:p>
+              <a:p>
+                <a:r>
+                  <a:rPr lang="ru-RU" dirty="0">
+                    <a:latin typeface="Times New Roman" panose="02020603050405020304" pitchFamily="18" charset="0"/>
+                    <a:cs typeface="Times New Roman" panose="02020603050405020304" pitchFamily="18" charset="0"/>
+                  </a:rPr>
+                  <a:t>Двумерный кортеж, содержащий значения открытых клеток</a:t>
+                </a:r>
+                <a:r>
+                  <a:rPr lang="en-US" dirty="0">
+                    <a:latin typeface="Times New Roman" panose="02020603050405020304" pitchFamily="18" charset="0"/>
+                    <a:cs typeface="Times New Roman" panose="02020603050405020304" pitchFamily="18" charset="0"/>
+                  </a:rPr>
+                  <a:t>,</a:t>
+                </a:r>
+                <a:r>
+                  <a:rPr lang="ru-RU" dirty="0">
+                    <a:latin typeface="Times New Roman" panose="02020603050405020304" pitchFamily="18" charset="0"/>
+                    <a:cs typeface="Times New Roman" panose="02020603050405020304" pitchFamily="18" charset="0"/>
+                  </a:rPr>
+                  <a:t> </a:t>
+                </a:r>
+                <a:r>
+                  <a:rPr lang="en-US" dirty="0">
+                    <a:latin typeface="Times New Roman" panose="02020603050405020304" pitchFamily="18" charset="0"/>
+                    <a:cs typeface="Times New Roman" panose="02020603050405020304" pitchFamily="18" charset="0"/>
+                  </a:rPr>
+                  <a:t>VOC. </a:t>
+                </a:r>
+                <a14:m>
+                  <m:oMath xmlns:m="http://schemas.openxmlformats.org/officeDocument/2006/math">
+                    <m:sSub>
+                      <m:sSubPr>
+                        <m:ctrlPr>
+                          <a:rPr lang="en-US" i="1" smtClean="0">
+                            <a:latin typeface="Cambria Math" panose="02040503050406030204" pitchFamily="18" charset="0"/>
+                            <a:cs typeface="Times New Roman" panose="02020603050405020304" pitchFamily="18" charset="0"/>
+                          </a:rPr>
+                        </m:ctrlPr>
+                      </m:sSubPr>
+                      <m:e>
+                        <m:r>
+                          <a:rPr lang="en-US" b="0" i="1" smtClean="0">
+                            <a:latin typeface="Cambria Math" panose="02040503050406030204" pitchFamily="18" charset="0"/>
+                            <a:cs typeface="Times New Roman" panose="02020603050405020304" pitchFamily="18" charset="0"/>
+                          </a:rPr>
+                          <m:t>𝑉𝑂𝐶</m:t>
+                        </m:r>
+                      </m:e>
+                      <m:sub>
+                        <m:r>
+                          <a:rPr lang="en-US" b="0" i="1" smtClean="0">
+                            <a:latin typeface="Cambria Math" panose="02040503050406030204" pitchFamily="18" charset="0"/>
+                            <a:cs typeface="Times New Roman" panose="02020603050405020304" pitchFamily="18" charset="0"/>
+                          </a:rPr>
+                          <m:t>𝑖</m:t>
+                        </m:r>
+                        <m:r>
+                          <a:rPr lang="en-US" b="0" i="1" smtClean="0">
+                            <a:latin typeface="Cambria Math" panose="02040503050406030204" pitchFamily="18" charset="0"/>
+                            <a:cs typeface="Times New Roman" panose="02020603050405020304" pitchFamily="18" charset="0"/>
+                          </a:rPr>
+                          <m:t>,</m:t>
+                        </m:r>
+                        <m:r>
+                          <a:rPr lang="en-US" b="0" i="1" smtClean="0">
+                            <a:latin typeface="Cambria Math" panose="02040503050406030204" pitchFamily="18" charset="0"/>
+                            <a:cs typeface="Times New Roman" panose="02020603050405020304" pitchFamily="18" charset="0"/>
+                          </a:rPr>
+                          <m:t>𝑗</m:t>
+                        </m:r>
+                      </m:sub>
+                    </m:sSub>
+                  </m:oMath>
+                </a14:m>
+                <a:r>
+                  <a:rPr lang="en-US" dirty="0">
+                    <a:latin typeface="Times New Roman" panose="02020603050405020304" pitchFamily="18" charset="0"/>
+                    <a:cs typeface="Times New Roman" panose="02020603050405020304" pitchFamily="18" charset="0"/>
+                  </a:rPr>
+                  <a:t> </a:t>
+                </a:r>
+                <a:r>
+                  <a:rPr lang="en-US" dirty="0">
+                    <a:latin typeface="Times New Roman" panose="02020603050405020304" pitchFamily="18" charset="0"/>
+                    <a:ea typeface="Cambria Math" panose="02040503050406030204" pitchFamily="18" charset="0"/>
+                    <a:cs typeface="Times New Roman" panose="02020603050405020304" pitchFamily="18" charset="0"/>
+                  </a:rPr>
+                  <a:t>∈ SVOC = {0, 1, 2, 3, 4, 5, 6, 7, 8, M}</a:t>
+                </a:r>
+                <a:endParaRPr lang="en-US" dirty="0">
+                  <a:latin typeface="Times New Roman" panose="02020603050405020304" pitchFamily="18" charset="0"/>
+                  <a:cs typeface="Times New Roman" panose="02020603050405020304" pitchFamily="18" charset="0"/>
+                </a:endParaRPr>
+              </a:p>
+              <a:p>
+                <a:r>
+                  <a:rPr lang="ru-RU" dirty="0">
+                    <a:latin typeface="Times New Roman" panose="02020603050405020304" pitchFamily="18" charset="0"/>
+                    <a:cs typeface="Times New Roman" panose="02020603050405020304" pitchFamily="18" charset="0"/>
+                  </a:rPr>
+                  <a:t>Двумерный кортеж, содержащий значения закрытых клеток </a:t>
+                </a:r>
+                <a:r>
+                  <a:rPr lang="en-US" dirty="0">
+                    <a:latin typeface="Times New Roman" panose="02020603050405020304" pitchFamily="18" charset="0"/>
+                    <a:cs typeface="Times New Roman" panose="02020603050405020304" pitchFamily="18" charset="0"/>
+                  </a:rPr>
+                  <a:t>VCC. </a:t>
+                </a:r>
+                <a14:m>
+                  <m:oMath xmlns:m="http://schemas.openxmlformats.org/officeDocument/2006/math">
+                    <m:sSub>
+                      <m:sSubPr>
+                        <m:ctrlPr>
+                          <a:rPr lang="en-US" i="1" smtClean="0">
+                            <a:latin typeface="Cambria Math" panose="02040503050406030204" pitchFamily="18" charset="0"/>
+                            <a:cs typeface="Times New Roman" panose="02020603050405020304" pitchFamily="18" charset="0"/>
+                          </a:rPr>
+                        </m:ctrlPr>
+                      </m:sSubPr>
+                      <m:e>
+                        <m:r>
+                          <a:rPr lang="en-US" b="0" i="1" smtClean="0">
+                            <a:latin typeface="Cambria Math" panose="02040503050406030204" pitchFamily="18" charset="0"/>
+                            <a:cs typeface="Times New Roman" panose="02020603050405020304" pitchFamily="18" charset="0"/>
+                          </a:rPr>
+                          <m:t>𝑉𝐶𝐶</m:t>
+                        </m:r>
+                      </m:e>
+                      <m:sub>
+                        <m:r>
+                          <a:rPr lang="en-US" b="0" i="1" smtClean="0">
+                            <a:latin typeface="Cambria Math" panose="02040503050406030204" pitchFamily="18" charset="0"/>
+                            <a:cs typeface="Times New Roman" panose="02020603050405020304" pitchFamily="18" charset="0"/>
+                          </a:rPr>
+                          <m:t>𝑖</m:t>
+                        </m:r>
+                        <m:r>
+                          <a:rPr lang="en-US" b="0" i="1" smtClean="0">
+                            <a:latin typeface="Cambria Math" panose="02040503050406030204" pitchFamily="18" charset="0"/>
+                            <a:cs typeface="Times New Roman" panose="02020603050405020304" pitchFamily="18" charset="0"/>
+                          </a:rPr>
+                          <m:t>,</m:t>
+                        </m:r>
+                        <m:r>
+                          <a:rPr lang="en-US" b="0" i="1" smtClean="0">
+                            <a:latin typeface="Cambria Math" panose="02040503050406030204" pitchFamily="18" charset="0"/>
+                            <a:cs typeface="Times New Roman" panose="02020603050405020304" pitchFamily="18" charset="0"/>
+                          </a:rPr>
+                          <m:t>𝑗</m:t>
+                        </m:r>
+                      </m:sub>
+                    </m:sSub>
+                  </m:oMath>
+                </a14:m>
+                <a:r>
+                  <a:rPr lang="en-US" dirty="0">
+                    <a:latin typeface="Times New Roman" panose="02020603050405020304" pitchFamily="18" charset="0"/>
+                    <a:cs typeface="Times New Roman" panose="02020603050405020304" pitchFamily="18" charset="0"/>
+                  </a:rPr>
+                  <a:t> </a:t>
+                </a:r>
+                <a:r>
+                  <a:rPr lang="en-US" dirty="0">
+                    <a:latin typeface="Times New Roman" panose="02020603050405020304" pitchFamily="18" charset="0"/>
+                    <a:ea typeface="Cambria Math" panose="02040503050406030204" pitchFamily="18" charset="0"/>
+                    <a:cs typeface="Times New Roman" panose="02020603050405020304" pitchFamily="18" charset="0"/>
+                  </a:rPr>
+                  <a:t>∈ SVCC = {E, MF, Q}</a:t>
+                </a:r>
+                <a:endParaRPr lang="ru-RU" dirty="0">
+                  <a:latin typeface="Times New Roman" panose="02020603050405020304" pitchFamily="18" charset="0"/>
+                  <a:ea typeface="Cambria Math" panose="02040503050406030204" pitchFamily="18" charset="0"/>
+                  <a:cs typeface="Times New Roman" panose="02020603050405020304" pitchFamily="18" charset="0"/>
+                </a:endParaRPr>
+              </a:p>
+              <a:p>
+                <a:r>
+                  <a:rPr lang="ru-RU" dirty="0">
+                    <a:latin typeface="Times New Roman" panose="02020603050405020304" pitchFamily="18" charset="0"/>
+                    <a:ea typeface="Cambria Math" panose="02040503050406030204" pitchFamily="18" charset="0"/>
+                    <a:cs typeface="Times New Roman" panose="02020603050405020304" pitchFamily="18" charset="0"/>
+                  </a:rPr>
+                  <a:t>Двумерный кортеж, содержащий значения, отображаемых пользователю, </a:t>
+                </a:r>
+                <a:r>
+                  <a:rPr lang="en-US" dirty="0">
+                    <a:latin typeface="Times New Roman" panose="02020603050405020304" pitchFamily="18" charset="0"/>
+                    <a:ea typeface="Cambria Math" panose="02040503050406030204" pitchFamily="18" charset="0"/>
+                    <a:cs typeface="Times New Roman" panose="02020603050405020304" pitchFamily="18" charset="0"/>
+                  </a:rPr>
+                  <a:t>VC. </a:t>
+                </a:r>
+                <a14:m>
+                  <m:oMath xmlns:m="http://schemas.openxmlformats.org/officeDocument/2006/math">
+                    <m:sSub>
+                      <m:sSubPr>
+                        <m:ctrlPr>
+                          <a:rPr lang="en-US" i="1" smtClean="0">
+                            <a:latin typeface="Cambria Math" panose="02040503050406030204" pitchFamily="18" charset="0"/>
+                            <a:ea typeface="Cambria Math" panose="02040503050406030204" pitchFamily="18" charset="0"/>
+                            <a:cs typeface="Times New Roman" panose="02020603050405020304" pitchFamily="18" charset="0"/>
+                          </a:rPr>
+                        </m:ctrlPr>
+                      </m:sSubPr>
+                      <m:e>
+                        <m:r>
+                          <a:rPr lang="en-US" b="0" i="1" smtClean="0">
+                            <a:latin typeface="Cambria Math" panose="02040503050406030204" pitchFamily="18" charset="0"/>
+                            <a:ea typeface="Cambria Math" panose="02040503050406030204" pitchFamily="18" charset="0"/>
+                            <a:cs typeface="Times New Roman" panose="02020603050405020304" pitchFamily="18" charset="0"/>
+                          </a:rPr>
+                          <m:t>𝑉𝐶</m:t>
+                        </m:r>
+                      </m:e>
+                      <m:sub>
+                        <m:r>
+                          <a:rPr lang="en-US" b="0" i="1" smtClean="0">
+                            <a:latin typeface="Cambria Math" panose="02040503050406030204" pitchFamily="18" charset="0"/>
+                            <a:ea typeface="Cambria Math" panose="02040503050406030204" pitchFamily="18" charset="0"/>
+                            <a:cs typeface="Times New Roman" panose="02020603050405020304" pitchFamily="18" charset="0"/>
+                          </a:rPr>
+                          <m:t>𝑖</m:t>
+                        </m:r>
+                        <m:r>
+                          <a:rPr lang="en-US" b="0" i="1" smtClean="0">
+                            <a:latin typeface="Cambria Math" panose="02040503050406030204" pitchFamily="18" charset="0"/>
+                            <a:ea typeface="Cambria Math" panose="02040503050406030204" pitchFamily="18" charset="0"/>
+                            <a:cs typeface="Times New Roman" panose="02020603050405020304" pitchFamily="18" charset="0"/>
+                          </a:rPr>
+                          <m:t>,</m:t>
+                        </m:r>
+                        <m:r>
+                          <a:rPr lang="en-US" b="0" i="1" smtClean="0">
+                            <a:latin typeface="Cambria Math" panose="02040503050406030204" pitchFamily="18" charset="0"/>
+                            <a:ea typeface="Cambria Math" panose="02040503050406030204" pitchFamily="18" charset="0"/>
+                            <a:cs typeface="Times New Roman" panose="02020603050405020304" pitchFamily="18" charset="0"/>
+                          </a:rPr>
+                          <m:t>𝑗</m:t>
+                        </m:r>
+                      </m:sub>
+                    </m:sSub>
+                  </m:oMath>
+                </a14:m>
+                <a:r>
+                  <a:rPr lang="en-US" dirty="0">
+                    <a:latin typeface="Times New Roman" panose="02020603050405020304" pitchFamily="18" charset="0"/>
+                    <a:ea typeface="Cambria Math" panose="02040503050406030204" pitchFamily="18" charset="0"/>
+                    <a:cs typeface="Times New Roman" panose="02020603050405020304" pitchFamily="18" charset="0"/>
+                  </a:rPr>
+                  <a:t> ∈ SVOC ∪ SVCC</a:t>
+                </a:r>
+                <a:endParaRPr lang="ru-RU" dirty="0">
+                  <a:latin typeface="Times New Roman" panose="02020603050405020304" pitchFamily="18" charset="0"/>
+                  <a:ea typeface="Cambria Math" panose="02040503050406030204" pitchFamily="18" charset="0"/>
+                  <a:cs typeface="Times New Roman" panose="02020603050405020304" pitchFamily="18" charset="0"/>
+                </a:endParaRPr>
+              </a:p>
+              <a:p>
+                <a:r>
+                  <a:rPr lang="ru-RU" dirty="0">
+                    <a:latin typeface="Times New Roman" panose="02020603050405020304" pitchFamily="18" charset="0"/>
+                    <a:ea typeface="Cambria Math" panose="02040503050406030204" pitchFamily="18" charset="0"/>
+                    <a:cs typeface="Times New Roman" panose="02020603050405020304" pitchFamily="18" charset="0"/>
+                  </a:rPr>
+                  <a:t>Двумерный кортеж, определяющий, есть ли в клетке мина или нет</a:t>
+                </a:r>
+                <a:r>
+                  <a:rPr lang="en-US" dirty="0">
+                    <a:latin typeface="Times New Roman" panose="02020603050405020304" pitchFamily="18" charset="0"/>
+                    <a:ea typeface="Cambria Math" panose="02040503050406030204" pitchFamily="18" charset="0"/>
+                    <a:cs typeface="Times New Roman" panose="02020603050405020304" pitchFamily="18" charset="0"/>
+                  </a:rPr>
+                  <a:t>, MC. </a:t>
+                </a:r>
+                <a14:m>
+                  <m:oMath xmlns:m="http://schemas.openxmlformats.org/officeDocument/2006/math">
+                    <m:sSub>
+                      <m:sSubPr>
+                        <m:ctrlPr>
+                          <a:rPr lang="en-US" i="1" smtClean="0">
+                            <a:latin typeface="Cambria Math" panose="02040503050406030204" pitchFamily="18" charset="0"/>
+                            <a:ea typeface="Cambria Math" panose="02040503050406030204" pitchFamily="18" charset="0"/>
+                            <a:cs typeface="Times New Roman" panose="02020603050405020304" pitchFamily="18" charset="0"/>
+                          </a:rPr>
+                        </m:ctrlPr>
+                      </m:sSubPr>
+                      <m:e>
+                        <m:r>
+                          <a:rPr lang="en-US" b="0" i="1" smtClean="0">
+                            <a:latin typeface="Cambria Math" panose="02040503050406030204" pitchFamily="18" charset="0"/>
+                            <a:ea typeface="Cambria Math" panose="02040503050406030204" pitchFamily="18" charset="0"/>
+                            <a:cs typeface="Times New Roman" panose="02020603050405020304" pitchFamily="18" charset="0"/>
+                          </a:rPr>
+                          <m:t>𝑀𝐶</m:t>
+                        </m:r>
+                      </m:e>
+                      <m:sub>
+                        <m:r>
+                          <a:rPr lang="en-US" b="0" i="1" smtClean="0">
+                            <a:latin typeface="Cambria Math" panose="02040503050406030204" pitchFamily="18" charset="0"/>
+                            <a:ea typeface="Cambria Math" panose="02040503050406030204" pitchFamily="18" charset="0"/>
+                            <a:cs typeface="Times New Roman" panose="02020603050405020304" pitchFamily="18" charset="0"/>
+                          </a:rPr>
+                          <m:t>𝑖</m:t>
+                        </m:r>
+                        <m:r>
+                          <a:rPr lang="en-US" b="0" i="1" smtClean="0">
+                            <a:latin typeface="Cambria Math" panose="02040503050406030204" pitchFamily="18" charset="0"/>
+                            <a:ea typeface="Cambria Math" panose="02040503050406030204" pitchFamily="18" charset="0"/>
+                            <a:cs typeface="Times New Roman" panose="02020603050405020304" pitchFamily="18" charset="0"/>
+                          </a:rPr>
+                          <m:t>,</m:t>
+                        </m:r>
+                        <m:r>
+                          <a:rPr lang="en-US" b="0" i="1" smtClean="0">
+                            <a:latin typeface="Cambria Math" panose="02040503050406030204" pitchFamily="18" charset="0"/>
+                            <a:ea typeface="Cambria Math" panose="02040503050406030204" pitchFamily="18" charset="0"/>
+                            <a:cs typeface="Times New Roman" panose="02020603050405020304" pitchFamily="18" charset="0"/>
+                          </a:rPr>
+                          <m:t>𝑗</m:t>
+                        </m:r>
+                      </m:sub>
+                    </m:sSub>
+                  </m:oMath>
+                </a14:m>
+                <a:r>
+                  <a:rPr lang="en-US" dirty="0">
+                    <a:latin typeface="Times New Roman" panose="02020603050405020304" pitchFamily="18" charset="0"/>
+                    <a:ea typeface="Cambria Math" panose="02040503050406030204" pitchFamily="18" charset="0"/>
+                    <a:cs typeface="Times New Roman" panose="02020603050405020304" pitchFamily="18" charset="0"/>
+                  </a:rPr>
+                  <a:t> ∈ {0, 1}</a:t>
+                </a:r>
+              </a:p>
+              <a:p>
+                <a:r>
+                  <a:rPr lang="ru-RU" dirty="0">
+                    <a:latin typeface="Times New Roman" panose="02020603050405020304" pitchFamily="18" charset="0"/>
+                    <a:ea typeface="Cambria Math" panose="02040503050406030204" pitchFamily="18" charset="0"/>
+                    <a:cs typeface="Times New Roman" panose="02020603050405020304" pitchFamily="18" charset="0"/>
+                  </a:rPr>
+                  <a:t>Двумерный кортеж двумерных кортежей, определяющий, является ли клетка с координатами </a:t>
+                </a:r>
+                <a14:m>
+                  <m:oMath xmlns:m="http://schemas.openxmlformats.org/officeDocument/2006/math">
+                    <m:r>
+                      <a:rPr lang="en-US" b="0" i="1" smtClean="0">
+                        <a:latin typeface="Cambria Math" panose="02040503050406030204" pitchFamily="18" charset="0"/>
+                        <a:ea typeface="Cambria Math" panose="02040503050406030204" pitchFamily="18" charset="0"/>
+                        <a:cs typeface="Times New Roman" panose="02020603050405020304" pitchFamily="18" charset="0"/>
+                      </a:rPr>
+                      <m:t>(</m:t>
+                    </m:r>
+                    <m:sSub>
+                      <m:sSubPr>
+                        <m:ctrlPr>
+                          <a:rPr lang="en-US" b="0" i="1" smtClean="0">
+                            <a:latin typeface="Cambria Math" panose="02040503050406030204" pitchFamily="18" charset="0"/>
+                            <a:ea typeface="Cambria Math" panose="02040503050406030204" pitchFamily="18" charset="0"/>
+                            <a:cs typeface="Times New Roman" panose="02020603050405020304" pitchFamily="18" charset="0"/>
+                          </a:rPr>
+                        </m:ctrlPr>
+                      </m:sSubPr>
+                      <m:e>
+                        <m:r>
+                          <a:rPr lang="en-US" b="0" i="1" smtClean="0">
+                            <a:latin typeface="Cambria Math" panose="02040503050406030204" pitchFamily="18" charset="0"/>
+                            <a:ea typeface="Cambria Math" panose="02040503050406030204" pitchFamily="18" charset="0"/>
+                            <a:cs typeface="Times New Roman" panose="02020603050405020304" pitchFamily="18" charset="0"/>
+                          </a:rPr>
+                          <m:t>𝑖</m:t>
+                        </m:r>
+                      </m:e>
+                      <m:sub>
+                        <m:r>
+                          <a:rPr lang="en-US" b="0" i="1" smtClean="0">
+                            <a:latin typeface="Cambria Math" panose="02040503050406030204" pitchFamily="18" charset="0"/>
+                            <a:ea typeface="Cambria Math" panose="02040503050406030204" pitchFamily="18" charset="0"/>
+                            <a:cs typeface="Times New Roman" panose="02020603050405020304" pitchFamily="18" charset="0"/>
+                          </a:rPr>
+                          <m:t>1</m:t>
+                        </m:r>
+                      </m:sub>
+                    </m:sSub>
+                    <m:r>
+                      <a:rPr lang="en-US" b="0" i="1" smtClean="0">
+                        <a:latin typeface="Cambria Math" panose="02040503050406030204" pitchFamily="18" charset="0"/>
+                        <a:ea typeface="Cambria Math" panose="02040503050406030204" pitchFamily="18" charset="0"/>
+                        <a:cs typeface="Times New Roman" panose="02020603050405020304" pitchFamily="18" charset="0"/>
+                      </a:rPr>
+                      <m:t>,</m:t>
+                    </m:r>
+                    <m:sSub>
+                      <m:sSubPr>
+                        <m:ctrlPr>
+                          <a:rPr lang="en-US" b="0" i="1" smtClean="0">
+                            <a:latin typeface="Cambria Math" panose="02040503050406030204" pitchFamily="18" charset="0"/>
+                            <a:ea typeface="Cambria Math" panose="02040503050406030204" pitchFamily="18" charset="0"/>
+                            <a:cs typeface="Times New Roman" panose="02020603050405020304" pitchFamily="18" charset="0"/>
+                          </a:rPr>
+                        </m:ctrlPr>
+                      </m:sSubPr>
+                      <m:e>
+                        <m:r>
+                          <a:rPr lang="en-US" b="0" i="1" smtClean="0">
+                            <a:latin typeface="Cambria Math" panose="02040503050406030204" pitchFamily="18" charset="0"/>
+                            <a:ea typeface="Cambria Math" panose="02040503050406030204" pitchFamily="18" charset="0"/>
+                            <a:cs typeface="Times New Roman" panose="02020603050405020304" pitchFamily="18" charset="0"/>
+                          </a:rPr>
+                          <m:t>𝑗</m:t>
+                        </m:r>
+                      </m:e>
+                      <m:sub>
+                        <m:r>
+                          <a:rPr lang="en-US" b="0" i="1" smtClean="0">
+                            <a:latin typeface="Cambria Math" panose="02040503050406030204" pitchFamily="18" charset="0"/>
+                            <a:ea typeface="Cambria Math" panose="02040503050406030204" pitchFamily="18" charset="0"/>
+                            <a:cs typeface="Times New Roman" panose="02020603050405020304" pitchFamily="18" charset="0"/>
+                          </a:rPr>
+                          <m:t>1</m:t>
+                        </m:r>
+                      </m:sub>
+                    </m:sSub>
+                    <m:r>
+                      <a:rPr lang="en-US" b="0" i="1" smtClean="0">
+                        <a:latin typeface="Cambria Math" panose="02040503050406030204" pitchFamily="18" charset="0"/>
+                        <a:ea typeface="Cambria Math" panose="02040503050406030204" pitchFamily="18" charset="0"/>
+                        <a:cs typeface="Times New Roman" panose="02020603050405020304" pitchFamily="18" charset="0"/>
+                      </a:rPr>
+                      <m:t>)</m:t>
+                    </m:r>
+                  </m:oMath>
+                </a14:m>
+                <a:r>
+                  <a:rPr lang="en-US" dirty="0">
+                    <a:latin typeface="Times New Roman" panose="02020603050405020304" pitchFamily="18" charset="0"/>
+                    <a:ea typeface="Cambria Math" panose="02040503050406030204" pitchFamily="18" charset="0"/>
+                    <a:cs typeface="Times New Roman" panose="02020603050405020304" pitchFamily="18" charset="0"/>
+                  </a:rPr>
+                  <a:t> </a:t>
+                </a:r>
+                <a:r>
+                  <a:rPr lang="ru-RU" dirty="0">
+                    <a:latin typeface="Times New Roman" panose="02020603050405020304" pitchFamily="18" charset="0"/>
+                    <a:ea typeface="Cambria Math" panose="02040503050406030204" pitchFamily="18" charset="0"/>
+                    <a:cs typeface="Times New Roman" panose="02020603050405020304" pitchFamily="18" charset="0"/>
+                  </a:rPr>
+                  <a:t>соседней для клетки с координатами </a:t>
+                </a:r>
+                <a14:m>
+                  <m:oMath xmlns:m="http://schemas.openxmlformats.org/officeDocument/2006/math">
+                    <m:r>
+                      <a:rPr lang="ru-RU" b="0" i="1" smtClean="0">
+                        <a:latin typeface="Cambria Math" panose="02040503050406030204" pitchFamily="18" charset="0"/>
+                        <a:ea typeface="Cambria Math" panose="02040503050406030204" pitchFamily="18" charset="0"/>
+                        <a:cs typeface="Times New Roman" panose="02020603050405020304" pitchFamily="18" charset="0"/>
+                      </a:rPr>
+                      <m:t>(</m:t>
+                    </m:r>
+                    <m:sSub>
+                      <m:sSubPr>
+                        <m:ctrlPr>
+                          <a:rPr lang="ru-RU" b="0" i="1" smtClean="0">
+                            <a:latin typeface="Cambria Math" panose="02040503050406030204" pitchFamily="18" charset="0"/>
+                            <a:ea typeface="Cambria Math" panose="02040503050406030204" pitchFamily="18" charset="0"/>
+                            <a:cs typeface="Times New Roman" panose="02020603050405020304" pitchFamily="18" charset="0"/>
+                          </a:rPr>
+                        </m:ctrlPr>
+                      </m:sSubPr>
+                      <m:e>
+                        <m:r>
+                          <a:rPr lang="en-US" b="0" i="1" smtClean="0">
+                            <a:latin typeface="Cambria Math" panose="02040503050406030204" pitchFamily="18" charset="0"/>
+                            <a:ea typeface="Cambria Math" panose="02040503050406030204" pitchFamily="18" charset="0"/>
+                            <a:cs typeface="Times New Roman" panose="02020603050405020304" pitchFamily="18" charset="0"/>
+                          </a:rPr>
+                          <m:t>𝑖</m:t>
+                        </m:r>
+                      </m:e>
+                      <m:sub>
+                        <m:r>
+                          <a:rPr lang="en-US" b="0" i="1" smtClean="0">
+                            <a:latin typeface="Cambria Math" panose="02040503050406030204" pitchFamily="18" charset="0"/>
+                            <a:ea typeface="Cambria Math" panose="02040503050406030204" pitchFamily="18" charset="0"/>
+                            <a:cs typeface="Times New Roman" panose="02020603050405020304" pitchFamily="18" charset="0"/>
+                          </a:rPr>
+                          <m:t>2</m:t>
+                        </m:r>
+                      </m:sub>
+                    </m:sSub>
+                    <m:r>
+                      <a:rPr lang="en-US" b="0" i="1" smtClean="0">
+                        <a:latin typeface="Cambria Math" panose="02040503050406030204" pitchFamily="18" charset="0"/>
+                        <a:ea typeface="Cambria Math" panose="02040503050406030204" pitchFamily="18" charset="0"/>
+                        <a:cs typeface="Times New Roman" panose="02020603050405020304" pitchFamily="18" charset="0"/>
+                      </a:rPr>
+                      <m:t>,</m:t>
+                    </m:r>
+                    <m:sSub>
+                      <m:sSubPr>
+                        <m:ctrlPr>
+                          <a:rPr lang="en-US" b="0" i="1" smtClean="0">
+                            <a:latin typeface="Cambria Math" panose="02040503050406030204" pitchFamily="18" charset="0"/>
+                            <a:ea typeface="Cambria Math" panose="02040503050406030204" pitchFamily="18" charset="0"/>
+                            <a:cs typeface="Times New Roman" panose="02020603050405020304" pitchFamily="18" charset="0"/>
+                          </a:rPr>
+                        </m:ctrlPr>
+                      </m:sSubPr>
+                      <m:e>
+                        <m:r>
+                          <a:rPr lang="en-US" b="0" i="1" smtClean="0">
+                            <a:latin typeface="Cambria Math" panose="02040503050406030204" pitchFamily="18" charset="0"/>
+                            <a:ea typeface="Cambria Math" panose="02040503050406030204" pitchFamily="18" charset="0"/>
+                            <a:cs typeface="Times New Roman" panose="02020603050405020304" pitchFamily="18" charset="0"/>
+                          </a:rPr>
+                          <m:t>𝑗</m:t>
+                        </m:r>
+                      </m:e>
+                      <m:sub>
+                        <m:r>
+                          <a:rPr lang="en-US" b="0" i="1" smtClean="0">
+                            <a:latin typeface="Cambria Math" panose="02040503050406030204" pitchFamily="18" charset="0"/>
+                            <a:ea typeface="Cambria Math" panose="02040503050406030204" pitchFamily="18" charset="0"/>
+                            <a:cs typeface="Times New Roman" panose="02020603050405020304" pitchFamily="18" charset="0"/>
+                          </a:rPr>
+                          <m:t>2</m:t>
+                        </m:r>
+                      </m:sub>
+                    </m:sSub>
+                    <m:r>
+                      <a:rPr lang="ru-RU" b="0" i="1" smtClean="0">
+                        <a:latin typeface="Cambria Math" panose="02040503050406030204" pitchFamily="18" charset="0"/>
+                        <a:ea typeface="Cambria Math" panose="02040503050406030204" pitchFamily="18" charset="0"/>
+                        <a:cs typeface="Times New Roman" panose="02020603050405020304" pitchFamily="18" charset="0"/>
+                      </a:rPr>
+                      <m:t>)</m:t>
+                    </m:r>
+                  </m:oMath>
+                </a14:m>
+                <a:r>
+                  <a:rPr lang="en-US" dirty="0">
+                    <a:latin typeface="Times New Roman" panose="02020603050405020304" pitchFamily="18" charset="0"/>
+                    <a:ea typeface="Cambria Math" panose="02040503050406030204" pitchFamily="18" charset="0"/>
+                    <a:cs typeface="Times New Roman" panose="02020603050405020304" pitchFamily="18" charset="0"/>
+                  </a:rPr>
+                  <a:t>, k. </a:t>
+                </a:r>
+                <a14:m>
+                  <m:oMath xmlns:m="http://schemas.openxmlformats.org/officeDocument/2006/math">
+                    <m:sSub>
+                      <m:sSubPr>
+                        <m:ctrlPr>
+                          <a:rPr lang="en-US" i="1" smtClean="0">
+                            <a:latin typeface="Cambria Math" panose="02040503050406030204" pitchFamily="18" charset="0"/>
+                            <a:ea typeface="Cambria Math" panose="02040503050406030204" pitchFamily="18" charset="0"/>
+                            <a:cs typeface="Times New Roman" panose="02020603050405020304" pitchFamily="18" charset="0"/>
+                          </a:rPr>
+                        </m:ctrlPr>
+                      </m:sSubPr>
+                      <m:e>
+                        <m:r>
+                          <a:rPr lang="en-US" b="0" i="1" smtClean="0">
+                            <a:latin typeface="Cambria Math" panose="02040503050406030204" pitchFamily="18" charset="0"/>
+                            <a:ea typeface="Cambria Math" panose="02040503050406030204" pitchFamily="18" charset="0"/>
+                            <a:cs typeface="Times New Roman" panose="02020603050405020304" pitchFamily="18" charset="0"/>
+                          </a:rPr>
+                          <m:t>𝑘</m:t>
+                        </m:r>
+                      </m:e>
+                      <m:sub>
+                        <m:sSub>
+                          <m:sSubPr>
+                            <m:ctrlPr>
+                              <a:rPr lang="en-US" i="1" smtClean="0">
+                                <a:latin typeface="Cambria Math" panose="02040503050406030204" pitchFamily="18" charset="0"/>
+                                <a:ea typeface="Cambria Math" panose="02040503050406030204" pitchFamily="18" charset="0"/>
+                                <a:cs typeface="Times New Roman" panose="02020603050405020304" pitchFamily="18" charset="0"/>
+                              </a:rPr>
+                            </m:ctrlPr>
+                          </m:sSubPr>
+                          <m:e>
+                            <m:r>
+                              <a:rPr lang="en-US" b="0" i="1" smtClean="0">
+                                <a:latin typeface="Cambria Math" panose="02040503050406030204" pitchFamily="18" charset="0"/>
+                                <a:ea typeface="Cambria Math" panose="02040503050406030204" pitchFamily="18" charset="0"/>
+                                <a:cs typeface="Times New Roman" panose="02020603050405020304" pitchFamily="18" charset="0"/>
+                              </a:rPr>
+                              <m:t>𝑖</m:t>
+                            </m:r>
+                          </m:e>
+                          <m:sub>
+                            <m:r>
+                              <a:rPr lang="en-US" b="0" i="1" smtClean="0">
+                                <a:latin typeface="Cambria Math" panose="02040503050406030204" pitchFamily="18" charset="0"/>
+                                <a:ea typeface="Cambria Math" panose="02040503050406030204" pitchFamily="18" charset="0"/>
+                                <a:cs typeface="Times New Roman" panose="02020603050405020304" pitchFamily="18" charset="0"/>
+                              </a:rPr>
+                              <m:t>1</m:t>
+                            </m:r>
+                          </m:sub>
+                        </m:sSub>
+                        <m:r>
+                          <a:rPr lang="en-US" b="0" i="1" smtClean="0">
+                            <a:latin typeface="Cambria Math" panose="02040503050406030204" pitchFamily="18" charset="0"/>
+                            <a:ea typeface="Cambria Math" panose="02040503050406030204" pitchFamily="18" charset="0"/>
+                            <a:cs typeface="Times New Roman" panose="02020603050405020304" pitchFamily="18" charset="0"/>
+                          </a:rPr>
+                          <m:t>,</m:t>
+                        </m:r>
+                        <m:sSub>
+                          <m:sSubPr>
+                            <m:ctrlPr>
+                              <a:rPr lang="en-US" b="0" i="1" smtClean="0">
+                                <a:latin typeface="Cambria Math" panose="02040503050406030204" pitchFamily="18" charset="0"/>
+                                <a:ea typeface="Cambria Math" panose="02040503050406030204" pitchFamily="18" charset="0"/>
+                                <a:cs typeface="Times New Roman" panose="02020603050405020304" pitchFamily="18" charset="0"/>
+                              </a:rPr>
+                            </m:ctrlPr>
+                          </m:sSubPr>
+                          <m:e>
+                            <m:r>
+                              <a:rPr lang="en-US" b="0" i="1" smtClean="0">
+                                <a:latin typeface="Cambria Math" panose="02040503050406030204" pitchFamily="18" charset="0"/>
+                                <a:ea typeface="Cambria Math" panose="02040503050406030204" pitchFamily="18" charset="0"/>
+                                <a:cs typeface="Times New Roman" panose="02020603050405020304" pitchFamily="18" charset="0"/>
+                              </a:rPr>
+                              <m:t>𝑗</m:t>
+                            </m:r>
+                          </m:e>
+                          <m:sub>
+                            <m:r>
+                              <a:rPr lang="en-US" b="0" i="1" smtClean="0">
+                                <a:latin typeface="Cambria Math" panose="02040503050406030204" pitchFamily="18" charset="0"/>
+                                <a:ea typeface="Cambria Math" panose="02040503050406030204" pitchFamily="18" charset="0"/>
+                                <a:cs typeface="Times New Roman" panose="02020603050405020304" pitchFamily="18" charset="0"/>
+                              </a:rPr>
+                              <m:t>1</m:t>
+                            </m:r>
+                          </m:sub>
+                        </m:sSub>
+                        <m:r>
+                          <a:rPr lang="en-US" b="0" i="1" smtClean="0">
+                            <a:latin typeface="Cambria Math" panose="02040503050406030204" pitchFamily="18" charset="0"/>
+                            <a:ea typeface="Cambria Math" panose="02040503050406030204" pitchFamily="18" charset="0"/>
+                            <a:cs typeface="Times New Roman" panose="02020603050405020304" pitchFamily="18" charset="0"/>
+                          </a:rPr>
+                          <m:t>,</m:t>
+                        </m:r>
+                        <m:sSub>
+                          <m:sSubPr>
+                            <m:ctrlPr>
+                              <a:rPr lang="en-US" i="1">
+                                <a:latin typeface="Cambria Math" panose="02040503050406030204" pitchFamily="18" charset="0"/>
+                                <a:ea typeface="Cambria Math" panose="02040503050406030204" pitchFamily="18" charset="0"/>
+                                <a:cs typeface="Times New Roman" panose="02020603050405020304" pitchFamily="18" charset="0"/>
+                              </a:rPr>
+                            </m:ctrlPr>
+                          </m:sSubPr>
+                          <m:e>
+                            <m:r>
+                              <a:rPr lang="en-US" i="1">
+                                <a:latin typeface="Cambria Math" panose="02040503050406030204" pitchFamily="18" charset="0"/>
+                                <a:ea typeface="Cambria Math" panose="02040503050406030204" pitchFamily="18" charset="0"/>
+                                <a:cs typeface="Times New Roman" panose="02020603050405020304" pitchFamily="18" charset="0"/>
+                              </a:rPr>
+                              <m:t>𝑖</m:t>
+                            </m:r>
+                          </m:e>
+                          <m:sub>
+                            <m:r>
+                              <a:rPr lang="en-US" b="0" i="1" smtClean="0">
+                                <a:latin typeface="Cambria Math" panose="02040503050406030204" pitchFamily="18" charset="0"/>
+                                <a:ea typeface="Cambria Math" panose="02040503050406030204" pitchFamily="18" charset="0"/>
+                                <a:cs typeface="Times New Roman" panose="02020603050405020304" pitchFamily="18" charset="0"/>
+                              </a:rPr>
+                              <m:t>2</m:t>
+                            </m:r>
+                          </m:sub>
+                        </m:sSub>
+                        <m:r>
+                          <a:rPr lang="en-US" i="1">
+                            <a:latin typeface="Cambria Math" panose="02040503050406030204" pitchFamily="18" charset="0"/>
+                            <a:ea typeface="Cambria Math" panose="02040503050406030204" pitchFamily="18" charset="0"/>
+                            <a:cs typeface="Times New Roman" panose="02020603050405020304" pitchFamily="18" charset="0"/>
+                          </a:rPr>
+                          <m:t>,</m:t>
+                        </m:r>
+                        <m:sSub>
+                          <m:sSubPr>
+                            <m:ctrlPr>
+                              <a:rPr lang="en-US" i="1">
+                                <a:latin typeface="Cambria Math" panose="02040503050406030204" pitchFamily="18" charset="0"/>
+                                <a:ea typeface="Cambria Math" panose="02040503050406030204" pitchFamily="18" charset="0"/>
+                                <a:cs typeface="Times New Roman" panose="02020603050405020304" pitchFamily="18" charset="0"/>
+                              </a:rPr>
+                            </m:ctrlPr>
+                          </m:sSubPr>
+                          <m:e>
+                            <m:r>
+                              <a:rPr lang="en-US" i="1">
+                                <a:latin typeface="Cambria Math" panose="02040503050406030204" pitchFamily="18" charset="0"/>
+                                <a:ea typeface="Cambria Math" panose="02040503050406030204" pitchFamily="18" charset="0"/>
+                                <a:cs typeface="Times New Roman" panose="02020603050405020304" pitchFamily="18" charset="0"/>
+                              </a:rPr>
+                              <m:t>𝑗</m:t>
+                            </m:r>
+                          </m:e>
+                          <m:sub>
+                            <m:r>
+                              <a:rPr lang="en-US" b="0" i="1" smtClean="0">
+                                <a:latin typeface="Cambria Math" panose="02040503050406030204" pitchFamily="18" charset="0"/>
+                                <a:ea typeface="Cambria Math" panose="02040503050406030204" pitchFamily="18" charset="0"/>
+                                <a:cs typeface="Times New Roman" panose="02020603050405020304" pitchFamily="18" charset="0"/>
+                              </a:rPr>
+                              <m:t>2</m:t>
+                            </m:r>
+                          </m:sub>
+                        </m:sSub>
+                      </m:sub>
+                    </m:sSub>
+                  </m:oMath>
+                </a14:m>
+                <a:r>
+                  <a:rPr lang="en-US" dirty="0">
+                    <a:latin typeface="Times New Roman" panose="02020603050405020304" pitchFamily="18" charset="0"/>
+                    <a:ea typeface="Cambria Math" panose="02040503050406030204" pitchFamily="18" charset="0"/>
+                    <a:cs typeface="Times New Roman" panose="02020603050405020304" pitchFamily="18" charset="0"/>
+                  </a:rPr>
+                  <a:t> ∈ {0, 1}</a:t>
+                </a:r>
+              </a:p>
+            </p:txBody>
+          </p:sp>
+        </mc:Choice>
+        <mc:Fallback>
+          <p:sp>
+            <p:nvSpPr>
+              <p:cNvPr id="3" name="Объект 2">
+                <a:extLst>
+                  <a:ext uri="{FF2B5EF4-FFF2-40B4-BE49-F238E27FC236}">
+                    <a16:creationId xmlns:a16="http://schemas.microsoft.com/office/drawing/2014/main" id="{3E6F392D-E3B1-71C7-0DB6-6BA932BACBDE}"/>
+                  </a:ext>
+                </a:extLst>
+              </p:cNvPr>
+              <p:cNvSpPr>
+                <a:spLocks noGrp="1" noRot="1" noChangeAspect="1" noMove="1" noResize="1" noEditPoints="1" noAdjustHandles="1" noChangeArrowheads="1" noChangeShapeType="1" noTextEdit="1"/>
+              </p:cNvSpPr>
+              <p:nvPr>
+                <p:ph idx="1"/>
+              </p:nvPr>
+            </p:nvSpPr>
+            <p:spPr>
+              <a:xfrm>
+                <a:off x="1139483" y="1540189"/>
+                <a:ext cx="10902461" cy="5018228"/>
+              </a:xfrm>
+              <a:blipFill>
+                <a:blip r:embed="rId2"/>
+                <a:stretch>
+                  <a:fillRect l="-503" t="-729"/>
+                </a:stretch>
+              </a:blipFill>
+            </p:spPr>
+            <p:txBody>
+              <a:bodyPr/>
+              <a:lstStyle/>
+              <a:p>
+                <a:r>
+                  <a:rPr lang="ru-RU">
+                    <a:noFill/>
+                  </a:rPr>
+                  <a:t> </a:t>
+                </a:r>
+              </a:p>
+            </p:txBody>
+          </p:sp>
+        </mc:Fallback>
+      </mc:AlternateContent>
+      <p:sp>
+        <p:nvSpPr>
+          <p:cNvPr id="4" name="Номер слайда 3">
+            <a:extLst>
+              <a:ext uri="{FF2B5EF4-FFF2-40B4-BE49-F238E27FC236}">
+                <a16:creationId xmlns:a16="http://schemas.microsoft.com/office/drawing/2014/main" id="{A26FF043-980D-D8B1-8AF4-82DB102BE564}"/>
+              </a:ext>
+            </a:extLst>
+          </p:cNvPr>
+          <p:cNvSpPr>
+            <a:spLocks noGrp="1"/>
+          </p:cNvSpPr>
+          <p:nvPr>
+            <p:ph type="sldNum" sz="quarter" idx="12"/>
+          </p:nvPr>
+        </p:nvSpPr>
+        <p:spPr/>
+        <p:txBody>
+          <a:bodyPr/>
+          <a:lstStyle/>
+          <a:p>
+            <a:fld id="{03C0CC59-6802-44A9-9AE1-B9BD1C008210}" type="slidenum">
+              <a:rPr lang="ru-RU" smtClean="0"/>
+              <a:t>6</a:t>
+            </a:fld>
+            <a:endParaRPr lang="ru-RU"/>
+          </a:p>
+        </p:txBody>
+      </p:sp>
+    </p:spTree>
+    <p:extLst>
+      <p:ext uri="{BB962C8B-B14F-4D97-AF65-F5344CB8AC3E}">
+        <p14:creationId xmlns:p14="http://schemas.microsoft.com/office/powerpoint/2010/main" val="2102794259"/>
+      </p:ext>
+    </p:extLst>
+  </p:cSld>
+  <p:clrMapOvr>
+    <a:masterClrMapping/>
+  </p:clrMapOvr>
+  <p:transition spd="slow">
+    <p:wipe/>
+  </p:transition>
+</p:sld>
+</file>
+
+<file path=ppt/slides/slide7.xml><?xml version="1.0" encoding="utf-8"?>
+<p:sld xmlns:a="http://schemas.openxmlformats.org/drawingml/2006/main" xmlns:r="http://schemas.openxmlformats.org/officeDocument/2006/relationships" xmlns:p="http://schemas.openxmlformats.org/presentationml/2006/main">
+  <p:cSld>
+    <p:spTree>
+      <p:nvGrpSpPr>
+        <p:cNvPr id="1" name=""/>
+        <p:cNvGrpSpPr/>
+        <p:nvPr/>
+      </p:nvGrpSpPr>
+      <p:grpSpPr>
+        <a:xfrm>
+          <a:off x="0" y="0"/>
+          <a:ext cx="0" cy="0"/>
+          <a:chOff x="0" y="0"/>
+          <a:chExt cx="0" cy="0"/>
+        </a:xfrm>
+      </p:grpSpPr>
+      <p:sp>
+        <p:nvSpPr>
+          <p:cNvPr id="2" name="Заголовок 1">
+            <a:extLst>
+              <a:ext uri="{FF2B5EF4-FFF2-40B4-BE49-F238E27FC236}">
+                <a16:creationId xmlns:a16="http://schemas.microsoft.com/office/drawing/2014/main" id="{7A79CCA8-B073-4279-F5F0-6C4A50124EC2}"/>
+              </a:ext>
+            </a:extLst>
+          </p:cNvPr>
+          <p:cNvSpPr>
+            <a:spLocks noGrp="1"/>
+          </p:cNvSpPr>
+          <p:nvPr>
+            <p:ph type="title"/>
+          </p:nvPr>
+        </p:nvSpPr>
+        <p:spPr>
+          <a:xfrm>
+            <a:off x="1640156" y="299583"/>
+            <a:ext cx="8911687" cy="670761"/>
+          </a:xfrm>
+        </p:spPr>
+        <p:txBody>
+          <a:bodyPr/>
+          <a:lstStyle/>
+          <a:p>
+            <a:pPr algn="ctr"/>
+            <a:r>
+              <a:rPr lang="ru-RU" dirty="0">
+                <a:latin typeface="Times New Roman" panose="02020603050405020304" pitchFamily="18" charset="0"/>
+                <a:cs typeface="Times New Roman" panose="02020603050405020304" pitchFamily="18" charset="0"/>
+              </a:rPr>
+              <a:t>Математическая постановка задачи</a:t>
+            </a:r>
+          </a:p>
+        </p:txBody>
+      </p:sp>
+      <mc:AlternateContent xmlns:mc="http://schemas.openxmlformats.org/markup-compatibility/2006">
+        <mc:Choice xmlns:a14="http://schemas.microsoft.com/office/drawing/2010/main" Requires="a14">
+          <p:sp>
+            <p:nvSpPr>
+              <p:cNvPr id="3" name="Объект 2">
+                <a:extLst>
+                  <a:ext uri="{FF2B5EF4-FFF2-40B4-BE49-F238E27FC236}">
+                    <a16:creationId xmlns:a16="http://schemas.microsoft.com/office/drawing/2014/main" id="{3E6F392D-E3B1-71C7-0DB6-6BA932BACBDE}"/>
+                  </a:ext>
+                </a:extLst>
+              </p:cNvPr>
+              <p:cNvSpPr>
+                <a:spLocks noGrp="1"/>
+              </p:cNvSpPr>
+              <p:nvPr>
+                <p:ph idx="1"/>
+              </p:nvPr>
+            </p:nvSpPr>
+            <p:spPr>
+              <a:xfrm>
+                <a:off x="1139483" y="1540189"/>
+                <a:ext cx="10902461" cy="5018228"/>
+              </a:xfrm>
+            </p:spPr>
+            <p:txBody>
+              <a:bodyPr>
+                <a:normAutofit/>
+              </a:bodyPr>
+              <a:lstStyle/>
+              <a:p>
+                <a:r>
+                  <a:rPr lang="ru-RU" dirty="0">
+                    <a:latin typeface="Times New Roman" panose="02020603050405020304" pitchFamily="18" charset="0"/>
+                    <a:ea typeface="Cambria Math" panose="02040503050406030204" pitchFamily="18" charset="0"/>
+                    <a:cs typeface="Times New Roman" panose="02020603050405020304" pitchFamily="18" charset="0"/>
+                  </a:rPr>
+                  <a:t>Количество мин в соседних клетках можно записать в виде системы равенств:</a:t>
+                </a:r>
+              </a:p>
+              <a:p>
+                <a:pPr marL="0" indent="0">
+                  <a:buNone/>
+                </a:pPr>
+                <a14:m>
+                  <m:oMathPara xmlns:m="http://schemas.openxmlformats.org/officeDocument/2006/math">
+                    <m:oMathParaPr>
+                      <m:jc m:val="center"/>
+                    </m:oMathParaPr>
+                    <m:oMath xmlns:m="http://schemas.openxmlformats.org/officeDocument/2006/math">
+                      <m:r>
+                        <a:rPr lang="ru-RU" sz="1800" b="1" i="1" smtClean="0">
+                          <a:effectLst/>
+                          <a:latin typeface="Cambria Math" panose="02040503050406030204" pitchFamily="18" charset="0"/>
+                          <a:ea typeface="Calibri" panose="020F0502020204030204" pitchFamily="34" charset="0"/>
+                          <a:cs typeface="Times New Roman" panose="02020603050405020304" pitchFamily="18" charset="0"/>
+                        </a:rPr>
+                        <m:t>{</m:t>
+                      </m:r>
+                      <m:r>
+                        <a:rPr lang="ru-RU" sz="1800" b="1" i="1" smtClean="0">
+                          <a:effectLst/>
+                          <a:latin typeface="Cambria Math" panose="02040503050406030204" pitchFamily="18" charset="0"/>
+                          <a:ea typeface="Calibri" panose="020F0502020204030204" pitchFamily="34" charset="0"/>
+                          <a:cs typeface="Times New Roman" panose="02020603050405020304" pitchFamily="18" charset="0"/>
+                        </a:rPr>
+                        <m:t>𝑽𝑶𝑪</m:t>
+                      </m:r>
+                      <m:d>
+                        <m:dPr>
+                          <m:begChr m:val="["/>
+                          <m:endChr m:val="]"/>
+                          <m:ctrlPr>
+                            <a:rPr lang="ru-RU" i="1">
+                              <a:effectLst/>
+                              <a:latin typeface="Cambria Math" panose="02040503050406030204" pitchFamily="18" charset="0"/>
+                            </a:rPr>
+                          </m:ctrlPr>
+                        </m:dPr>
+                        <m:e>
+                          <m:r>
+                            <a:rPr lang="ru-RU" sz="1800" b="1" i="1">
+                              <a:effectLst/>
+                              <a:latin typeface="Cambria Math" panose="02040503050406030204" pitchFamily="18" charset="0"/>
+                              <a:ea typeface="Calibri" panose="020F0502020204030204" pitchFamily="34" charset="0"/>
+                              <a:cs typeface="Times New Roman" panose="02020603050405020304" pitchFamily="18" charset="0"/>
+                            </a:rPr>
+                            <m:t>𝒊</m:t>
+                          </m:r>
+                        </m:e>
+                      </m:d>
+                      <m:d>
+                        <m:dPr>
+                          <m:begChr m:val="["/>
+                          <m:endChr m:val="]"/>
+                          <m:ctrlPr>
+                            <a:rPr lang="ru-RU" i="1">
+                              <a:effectLst/>
+                              <a:latin typeface="Cambria Math" panose="02040503050406030204" pitchFamily="18" charset="0"/>
+                            </a:rPr>
+                          </m:ctrlPr>
+                        </m:dPr>
+                        <m:e>
+                          <m:r>
+                            <a:rPr lang="ru-RU" sz="1800" b="1" i="1">
+                              <a:effectLst/>
+                              <a:latin typeface="Cambria Math" panose="02040503050406030204" pitchFamily="18" charset="0"/>
+                              <a:ea typeface="Calibri" panose="020F0502020204030204" pitchFamily="34" charset="0"/>
+                              <a:cs typeface="Times New Roman" panose="02020603050405020304" pitchFamily="18" charset="0"/>
+                            </a:rPr>
+                            <m:t>𝒋</m:t>
+                          </m:r>
+                        </m:e>
+                      </m:d>
+                      <m:r>
+                        <a:rPr lang="ru-RU" sz="1800" b="1" i="1">
+                          <a:effectLst/>
+                          <a:latin typeface="Cambria Math" panose="02040503050406030204" pitchFamily="18" charset="0"/>
+                          <a:ea typeface="Calibri" panose="020F0502020204030204" pitchFamily="34" charset="0"/>
+                          <a:cs typeface="Times New Roman" panose="02020603050405020304" pitchFamily="18" charset="0"/>
+                        </a:rPr>
+                        <m:t>=</m:t>
+                      </m:r>
+                      <m:nary>
+                        <m:naryPr>
+                          <m:chr m:val="∑"/>
+                          <m:limLoc m:val="undOvr"/>
+                          <m:ctrlPr>
+                            <a:rPr lang="ru-RU" i="1">
+                              <a:effectLst/>
+                              <a:latin typeface="Cambria Math" panose="02040503050406030204" pitchFamily="18" charset="0"/>
+                            </a:rPr>
+                          </m:ctrlPr>
+                        </m:naryPr>
+                        <m:sub>
+                          <m:sSub>
+                            <m:sSubPr>
+                              <m:ctrlPr>
+                                <a:rPr lang="ru-RU" i="1">
+                                  <a:effectLst/>
+                                  <a:latin typeface="Cambria Math" panose="02040503050406030204" pitchFamily="18" charset="0"/>
+                                </a:rPr>
+                              </m:ctrlPr>
+                            </m:sSubPr>
+                            <m:e>
+                              <m:r>
+                                <a:rPr lang="ru-RU" sz="1800" b="1" i="1">
+                                  <a:effectLst/>
+                                  <a:latin typeface="Cambria Math" panose="02040503050406030204" pitchFamily="18" charset="0"/>
+                                  <a:ea typeface="Calibri" panose="020F0502020204030204" pitchFamily="34" charset="0"/>
+                                  <a:cs typeface="Times New Roman" panose="02020603050405020304" pitchFamily="18" charset="0"/>
+                                </a:rPr>
+                                <m:t>𝒊</m:t>
+                              </m:r>
+                            </m:e>
+                            <m:sub>
+                              <m:r>
+                                <a:rPr lang="ru-RU" sz="1800" b="1" i="1">
+                                  <a:effectLst/>
+                                  <a:latin typeface="Cambria Math" panose="02040503050406030204" pitchFamily="18" charset="0"/>
+                                  <a:ea typeface="Calibri" panose="020F0502020204030204" pitchFamily="34" charset="0"/>
+                                  <a:cs typeface="Times New Roman" panose="02020603050405020304" pitchFamily="18" charset="0"/>
+                                </a:rPr>
+                                <m:t>𝟏</m:t>
+                              </m:r>
+                            </m:sub>
+                          </m:sSub>
+                          <m:r>
+                            <a:rPr lang="ru-RU" sz="1800" b="1" i="1">
+                              <a:effectLst/>
+                              <a:latin typeface="Cambria Math" panose="02040503050406030204" pitchFamily="18" charset="0"/>
+                              <a:ea typeface="Calibri" panose="020F0502020204030204" pitchFamily="34" charset="0"/>
+                              <a:cs typeface="Times New Roman" panose="02020603050405020304" pitchFamily="18" charset="0"/>
+                            </a:rPr>
+                            <m:t>=</m:t>
+                          </m:r>
+                          <m:r>
+                            <a:rPr lang="ru-RU" sz="1800" b="1" i="1">
+                              <a:effectLst/>
+                              <a:latin typeface="Cambria Math" panose="02040503050406030204" pitchFamily="18" charset="0"/>
+                              <a:ea typeface="Calibri" panose="020F0502020204030204" pitchFamily="34" charset="0"/>
+                              <a:cs typeface="Times New Roman" panose="02020603050405020304" pitchFamily="18" charset="0"/>
+                            </a:rPr>
+                            <m:t>𝟎</m:t>
+                          </m:r>
+                        </m:sub>
+                        <m:sup>
+                          <m:r>
+                            <a:rPr lang="ru-RU" sz="1800" b="1" i="1">
+                              <a:effectLst/>
+                              <a:latin typeface="Cambria Math" panose="02040503050406030204" pitchFamily="18" charset="0"/>
+                              <a:ea typeface="Calibri" panose="020F0502020204030204" pitchFamily="34" charset="0"/>
+                              <a:cs typeface="Times New Roman" panose="02020603050405020304" pitchFamily="18" charset="0"/>
+                            </a:rPr>
+                            <m:t>𝒍</m:t>
+                          </m:r>
+                        </m:sup>
+                        <m:e>
+                          <m:nary>
+                            <m:naryPr>
+                              <m:chr m:val="∑"/>
+                              <m:limLoc m:val="undOvr"/>
+                              <m:ctrlPr>
+                                <a:rPr lang="ru-RU" i="1">
+                                  <a:effectLst/>
+                                  <a:latin typeface="Cambria Math" panose="02040503050406030204" pitchFamily="18" charset="0"/>
+                                </a:rPr>
+                              </m:ctrlPr>
+                            </m:naryPr>
+                            <m:sub>
+                              <m:sSub>
+                                <m:sSubPr>
+                                  <m:ctrlPr>
+                                    <a:rPr lang="ru-RU" i="1">
+                                      <a:effectLst/>
+                                      <a:latin typeface="Cambria Math" panose="02040503050406030204" pitchFamily="18" charset="0"/>
+                                    </a:rPr>
+                                  </m:ctrlPr>
+                                </m:sSubPr>
+                                <m:e>
+                                  <m:r>
+                                    <a:rPr lang="ru-RU" sz="1800" b="1" i="1">
+                                      <a:effectLst/>
+                                      <a:latin typeface="Cambria Math" panose="02040503050406030204" pitchFamily="18" charset="0"/>
+                                      <a:ea typeface="Calibri" panose="020F0502020204030204" pitchFamily="34" charset="0"/>
+                                      <a:cs typeface="Times New Roman" panose="02020603050405020304" pitchFamily="18" charset="0"/>
+                                    </a:rPr>
+                                    <m:t>𝒋</m:t>
+                                  </m:r>
+                                </m:e>
+                                <m:sub>
+                                  <m:r>
+                                    <a:rPr lang="ru-RU" sz="1800" b="1" i="1">
+                                      <a:effectLst/>
+                                      <a:latin typeface="Cambria Math" panose="02040503050406030204" pitchFamily="18" charset="0"/>
+                                      <a:ea typeface="Calibri" panose="020F0502020204030204" pitchFamily="34" charset="0"/>
+                                      <a:cs typeface="Times New Roman" panose="02020603050405020304" pitchFamily="18" charset="0"/>
+                                    </a:rPr>
+                                    <m:t>𝟏</m:t>
+                                  </m:r>
+                                </m:sub>
+                              </m:sSub>
+                              <m:r>
+                                <a:rPr lang="ru-RU" sz="1800" b="1" i="1">
+                                  <a:effectLst/>
+                                  <a:latin typeface="Cambria Math" panose="02040503050406030204" pitchFamily="18" charset="0"/>
+                                  <a:ea typeface="Calibri" panose="020F0502020204030204" pitchFamily="34" charset="0"/>
+                                  <a:cs typeface="Times New Roman" panose="02020603050405020304" pitchFamily="18" charset="0"/>
+                                </a:rPr>
+                                <m:t>=</m:t>
+                              </m:r>
+                              <m:r>
+                                <a:rPr lang="ru-RU" sz="1800" b="1" i="1">
+                                  <a:effectLst/>
+                                  <a:latin typeface="Cambria Math" panose="02040503050406030204" pitchFamily="18" charset="0"/>
+                                  <a:ea typeface="Calibri" panose="020F0502020204030204" pitchFamily="34" charset="0"/>
+                                  <a:cs typeface="Times New Roman" panose="02020603050405020304" pitchFamily="18" charset="0"/>
+                                </a:rPr>
+                                <m:t>𝟎</m:t>
+                              </m:r>
+                            </m:sub>
+                            <m:sup>
+                              <m:r>
+                                <a:rPr lang="ru-RU" sz="1800" b="1" i="1">
+                                  <a:effectLst/>
+                                  <a:latin typeface="Cambria Math" panose="02040503050406030204" pitchFamily="18" charset="0"/>
+                                  <a:ea typeface="Calibri" panose="020F0502020204030204" pitchFamily="34" charset="0"/>
+                                  <a:cs typeface="Times New Roman" panose="02020603050405020304" pitchFamily="18" charset="0"/>
+                                </a:rPr>
+                                <m:t>𝒘</m:t>
+                              </m:r>
+                            </m:sup>
+                            <m:e>
+                              <m:r>
+                                <a:rPr lang="ru-RU" sz="1800" b="1" i="1">
+                                  <a:effectLst/>
+                                  <a:latin typeface="Cambria Math" panose="02040503050406030204" pitchFamily="18" charset="0"/>
+                                  <a:ea typeface="Calibri" panose="020F0502020204030204" pitchFamily="34" charset="0"/>
+                                  <a:cs typeface="Times New Roman" panose="02020603050405020304" pitchFamily="18" charset="0"/>
+                                </a:rPr>
+                                <m:t>𝒌</m:t>
+                              </m:r>
+                              <m:d>
+                                <m:dPr>
+                                  <m:begChr m:val="["/>
+                                  <m:endChr m:val="]"/>
+                                  <m:ctrlPr>
+                                    <a:rPr lang="ru-RU" i="1">
+                                      <a:effectLst/>
+                                      <a:latin typeface="Cambria Math" panose="02040503050406030204" pitchFamily="18" charset="0"/>
+                                    </a:rPr>
+                                  </m:ctrlPr>
+                                </m:dPr>
+                                <m:e>
+                                  <m:r>
+                                    <a:rPr lang="ru-RU" sz="1800" b="1" i="1">
+                                      <a:effectLst/>
+                                      <a:latin typeface="Cambria Math" panose="02040503050406030204" pitchFamily="18" charset="0"/>
+                                      <a:ea typeface="Calibri" panose="020F0502020204030204" pitchFamily="34" charset="0"/>
+                                      <a:cs typeface="Times New Roman" panose="02020603050405020304" pitchFamily="18" charset="0"/>
+                                    </a:rPr>
+                                    <m:t>𝒊</m:t>
+                                  </m:r>
+                                </m:e>
+                              </m:d>
+                              <m:d>
+                                <m:dPr>
+                                  <m:begChr m:val="["/>
+                                  <m:endChr m:val="]"/>
+                                  <m:ctrlPr>
+                                    <a:rPr lang="ru-RU" i="1">
+                                      <a:effectLst/>
+                                      <a:latin typeface="Cambria Math" panose="02040503050406030204" pitchFamily="18" charset="0"/>
+                                    </a:rPr>
+                                  </m:ctrlPr>
+                                </m:dPr>
+                                <m:e>
+                                  <m:r>
+                                    <a:rPr lang="ru-RU" sz="1800" b="1" i="1">
+                                      <a:effectLst/>
+                                      <a:latin typeface="Cambria Math" panose="02040503050406030204" pitchFamily="18" charset="0"/>
+                                      <a:ea typeface="Calibri" panose="020F0502020204030204" pitchFamily="34" charset="0"/>
+                                      <a:cs typeface="Times New Roman" panose="02020603050405020304" pitchFamily="18" charset="0"/>
+                                    </a:rPr>
+                                    <m:t>𝒋</m:t>
+                                  </m:r>
+                                </m:e>
+                              </m:d>
+                              <m:d>
+                                <m:dPr>
+                                  <m:begChr m:val="["/>
+                                  <m:endChr m:val="]"/>
+                                  <m:ctrlPr>
+                                    <a:rPr lang="ru-RU" i="1">
+                                      <a:effectLst/>
+                                      <a:latin typeface="Cambria Math" panose="02040503050406030204" pitchFamily="18" charset="0"/>
+                                    </a:rPr>
+                                  </m:ctrlPr>
+                                </m:dPr>
+                                <m:e>
+                                  <m:sSub>
+                                    <m:sSubPr>
+                                      <m:ctrlPr>
+                                        <a:rPr lang="ru-RU" i="1">
+                                          <a:effectLst/>
+                                          <a:latin typeface="Cambria Math" panose="02040503050406030204" pitchFamily="18" charset="0"/>
+                                        </a:rPr>
+                                      </m:ctrlPr>
+                                    </m:sSubPr>
+                                    <m:e>
+                                      <m:r>
+                                        <a:rPr lang="ru-RU" sz="1800" b="1" i="1">
+                                          <a:effectLst/>
+                                          <a:latin typeface="Cambria Math" panose="02040503050406030204" pitchFamily="18" charset="0"/>
+                                          <a:ea typeface="Calibri" panose="020F0502020204030204" pitchFamily="34" charset="0"/>
+                                          <a:cs typeface="Times New Roman" panose="02020603050405020304" pitchFamily="18" charset="0"/>
+                                        </a:rPr>
+                                        <m:t>𝒊</m:t>
+                                      </m:r>
+                                    </m:e>
+                                    <m:sub>
+                                      <m:r>
+                                        <a:rPr lang="ru-RU" sz="1800" b="1" i="1">
+                                          <a:effectLst/>
+                                          <a:latin typeface="Cambria Math" panose="02040503050406030204" pitchFamily="18" charset="0"/>
+                                          <a:ea typeface="Calibri" panose="020F0502020204030204" pitchFamily="34" charset="0"/>
+                                          <a:cs typeface="Times New Roman" panose="02020603050405020304" pitchFamily="18" charset="0"/>
+                                        </a:rPr>
+                                        <m:t>𝟏</m:t>
+                                      </m:r>
+                                    </m:sub>
+                                  </m:sSub>
+                                </m:e>
+                              </m:d>
+                              <m:d>
+                                <m:dPr>
+                                  <m:begChr m:val="["/>
+                                  <m:endChr m:val="]"/>
+                                  <m:ctrlPr>
+                                    <a:rPr lang="ru-RU" i="1">
+                                      <a:effectLst/>
+                                      <a:latin typeface="Cambria Math" panose="02040503050406030204" pitchFamily="18" charset="0"/>
+                                    </a:rPr>
+                                  </m:ctrlPr>
+                                </m:dPr>
+                                <m:e>
+                                  <m:sSub>
+                                    <m:sSubPr>
+                                      <m:ctrlPr>
+                                        <a:rPr lang="ru-RU" i="1">
+                                          <a:effectLst/>
+                                          <a:latin typeface="Cambria Math" panose="02040503050406030204" pitchFamily="18" charset="0"/>
+                                        </a:rPr>
+                                      </m:ctrlPr>
+                                    </m:sSubPr>
+                                    <m:e>
+                                      <m:r>
+                                        <a:rPr lang="ru-RU" sz="1800" b="1" i="1">
+                                          <a:effectLst/>
+                                          <a:latin typeface="Cambria Math" panose="02040503050406030204" pitchFamily="18" charset="0"/>
+                                          <a:ea typeface="Calibri" panose="020F0502020204030204" pitchFamily="34" charset="0"/>
+                                          <a:cs typeface="Times New Roman" panose="02020603050405020304" pitchFamily="18" charset="0"/>
+                                        </a:rPr>
+                                        <m:t>𝒋</m:t>
+                                      </m:r>
+                                    </m:e>
+                                    <m:sub>
+                                      <m:r>
+                                        <a:rPr lang="ru-RU" sz="1800" b="1" i="1">
+                                          <a:effectLst/>
+                                          <a:latin typeface="Cambria Math" panose="02040503050406030204" pitchFamily="18" charset="0"/>
+                                          <a:ea typeface="Calibri" panose="020F0502020204030204" pitchFamily="34" charset="0"/>
+                                          <a:cs typeface="Times New Roman" panose="02020603050405020304" pitchFamily="18" charset="0"/>
+                                        </a:rPr>
+                                        <m:t>𝟏</m:t>
+                                      </m:r>
+                                    </m:sub>
+                                  </m:sSub>
+                                </m:e>
+                              </m:d>
+                              <m:r>
+                                <a:rPr lang="ru-RU" sz="1800" b="1" i="1">
+                                  <a:effectLst/>
+                                  <a:latin typeface="Cambria Math" panose="02040503050406030204" pitchFamily="18" charset="0"/>
+                                  <a:ea typeface="Calibri" panose="020F0502020204030204" pitchFamily="34" charset="0"/>
+                                  <a:cs typeface="Times New Roman" panose="02020603050405020304" pitchFamily="18" charset="0"/>
+                                </a:rPr>
+                                <m:t>∗</m:t>
+                              </m:r>
+                              <m:r>
+                                <a:rPr lang="ru-RU" sz="1800" b="1" i="1">
+                                  <a:effectLst/>
+                                  <a:latin typeface="Cambria Math" panose="02040503050406030204" pitchFamily="18" charset="0"/>
+                                  <a:ea typeface="Calibri" panose="020F0502020204030204" pitchFamily="34" charset="0"/>
+                                  <a:cs typeface="Times New Roman" panose="02020603050405020304" pitchFamily="18" charset="0"/>
+                                </a:rPr>
+                                <m:t>𝑴𝑪</m:t>
+                              </m:r>
+                              <m:d>
+                                <m:dPr>
+                                  <m:begChr m:val="["/>
+                                  <m:endChr m:val="]"/>
+                                  <m:ctrlPr>
+                                    <a:rPr lang="ru-RU" i="1">
+                                      <a:effectLst/>
+                                      <a:latin typeface="Cambria Math" panose="02040503050406030204" pitchFamily="18" charset="0"/>
+                                    </a:rPr>
+                                  </m:ctrlPr>
+                                </m:dPr>
+                                <m:e>
+                                  <m:sSub>
+                                    <m:sSubPr>
+                                      <m:ctrlPr>
+                                        <a:rPr lang="ru-RU" i="1">
+                                          <a:effectLst/>
+                                          <a:latin typeface="Cambria Math" panose="02040503050406030204" pitchFamily="18" charset="0"/>
+                                        </a:rPr>
+                                      </m:ctrlPr>
+                                    </m:sSubPr>
+                                    <m:e>
+                                      <m:r>
+                                        <a:rPr lang="ru-RU" sz="1800" b="1" i="1">
+                                          <a:effectLst/>
+                                          <a:latin typeface="Cambria Math" panose="02040503050406030204" pitchFamily="18" charset="0"/>
+                                          <a:ea typeface="Calibri" panose="020F0502020204030204" pitchFamily="34" charset="0"/>
+                                          <a:cs typeface="Times New Roman" panose="02020603050405020304" pitchFamily="18" charset="0"/>
+                                        </a:rPr>
+                                        <m:t>𝒊</m:t>
+                                      </m:r>
+                                    </m:e>
+                                    <m:sub>
+                                      <m:r>
+                                        <a:rPr lang="ru-RU" sz="1800" b="1" i="1">
+                                          <a:effectLst/>
+                                          <a:latin typeface="Cambria Math" panose="02040503050406030204" pitchFamily="18" charset="0"/>
+                                          <a:ea typeface="Calibri" panose="020F0502020204030204" pitchFamily="34" charset="0"/>
+                                          <a:cs typeface="Times New Roman" panose="02020603050405020304" pitchFamily="18" charset="0"/>
+                                        </a:rPr>
+                                        <m:t>𝟏</m:t>
+                                      </m:r>
+                                    </m:sub>
+                                  </m:sSub>
+                                </m:e>
+                              </m:d>
+                              <m:d>
+                                <m:dPr>
+                                  <m:begChr m:val="["/>
+                                  <m:endChr m:val="]"/>
+                                  <m:ctrlPr>
+                                    <a:rPr lang="ru-RU" i="1">
+                                      <a:effectLst/>
+                                      <a:latin typeface="Cambria Math" panose="02040503050406030204" pitchFamily="18" charset="0"/>
+                                    </a:rPr>
+                                  </m:ctrlPr>
+                                </m:dPr>
+                                <m:e>
+                                  <m:sSub>
+                                    <m:sSubPr>
+                                      <m:ctrlPr>
+                                        <a:rPr lang="ru-RU" i="1">
+                                          <a:effectLst/>
+                                          <a:latin typeface="Cambria Math" panose="02040503050406030204" pitchFamily="18" charset="0"/>
+                                        </a:rPr>
+                                      </m:ctrlPr>
+                                    </m:sSubPr>
+                                    <m:e>
+                                      <m:r>
+                                        <a:rPr lang="ru-RU" sz="1800" b="1" i="1">
+                                          <a:effectLst/>
+                                          <a:latin typeface="Cambria Math" panose="02040503050406030204" pitchFamily="18" charset="0"/>
+                                          <a:ea typeface="Calibri" panose="020F0502020204030204" pitchFamily="34" charset="0"/>
+                                          <a:cs typeface="Times New Roman" panose="02020603050405020304" pitchFamily="18" charset="0"/>
+                                        </a:rPr>
+                                        <m:t>𝒋</m:t>
+                                      </m:r>
+                                    </m:e>
+                                    <m:sub>
+                                      <m:r>
+                                        <a:rPr lang="ru-RU" sz="1800" b="1" i="1">
+                                          <a:effectLst/>
+                                          <a:latin typeface="Cambria Math" panose="02040503050406030204" pitchFamily="18" charset="0"/>
+                                          <a:ea typeface="Calibri" panose="020F0502020204030204" pitchFamily="34" charset="0"/>
+                                          <a:cs typeface="Times New Roman" panose="02020603050405020304" pitchFamily="18" charset="0"/>
+                                        </a:rPr>
+                                        <m:t>𝟏</m:t>
+                                      </m:r>
+                                    </m:sub>
+                                  </m:sSub>
+                                </m:e>
+                              </m:d>
+                            </m:e>
+                          </m:nary>
+                        </m:e>
+                      </m:nary>
+                      <m:r>
+                        <a:rPr lang="ru-RU" sz="1800" b="1" i="1">
+                          <a:effectLst/>
+                          <a:latin typeface="Cambria Math" panose="02040503050406030204" pitchFamily="18" charset="0"/>
+                          <a:ea typeface="Calibri" panose="020F0502020204030204" pitchFamily="34" charset="0"/>
+                          <a:cs typeface="Times New Roman" panose="02020603050405020304" pitchFamily="18" charset="0"/>
+                        </a:rPr>
+                        <m:t>, </m:t>
+                      </m:r>
+                      <m:r>
+                        <a:rPr lang="ru-RU" sz="1800" b="1" i="1">
+                          <a:effectLst/>
+                          <a:latin typeface="Cambria Math" panose="02040503050406030204" pitchFamily="18" charset="0"/>
+                          <a:ea typeface="Calibri" panose="020F0502020204030204" pitchFamily="34" charset="0"/>
+                          <a:cs typeface="Times New Roman" panose="02020603050405020304" pitchFamily="18" charset="0"/>
+                        </a:rPr>
+                        <m:t>𝟎</m:t>
+                      </m:r>
+                      <m:r>
+                        <a:rPr lang="en-US" sz="1800" b="1" i="1">
+                          <a:effectLst/>
+                          <a:latin typeface="Cambria Math" panose="02040503050406030204" pitchFamily="18" charset="0"/>
+                          <a:ea typeface="Calibri" panose="020F0502020204030204" pitchFamily="34" charset="0"/>
+                          <a:cs typeface="Times New Roman" panose="02020603050405020304" pitchFamily="18" charset="0"/>
+                        </a:rPr>
+                        <m:t>≤</m:t>
+                      </m:r>
+                      <m:r>
+                        <a:rPr lang="en-US" sz="1800" b="1" i="1">
+                          <a:effectLst/>
+                          <a:latin typeface="Cambria Math" panose="02040503050406030204" pitchFamily="18" charset="0"/>
+                          <a:ea typeface="Calibri" panose="020F0502020204030204" pitchFamily="34" charset="0"/>
+                          <a:cs typeface="Times New Roman" panose="02020603050405020304" pitchFamily="18" charset="0"/>
+                        </a:rPr>
+                        <m:t>𝒊</m:t>
+                      </m:r>
+                      <m:r>
+                        <a:rPr lang="en-US" sz="1800" b="1" i="1">
+                          <a:effectLst/>
+                          <a:latin typeface="Cambria Math" panose="02040503050406030204" pitchFamily="18" charset="0"/>
+                          <a:ea typeface="Calibri" panose="020F0502020204030204" pitchFamily="34" charset="0"/>
+                          <a:cs typeface="Times New Roman" panose="02020603050405020304" pitchFamily="18" charset="0"/>
+                        </a:rPr>
+                        <m:t>≤</m:t>
+                      </m:r>
+                      <m:r>
+                        <a:rPr lang="en-US" sz="1800" b="1" i="1">
+                          <a:effectLst/>
+                          <a:latin typeface="Cambria Math" panose="02040503050406030204" pitchFamily="18" charset="0"/>
+                          <a:ea typeface="Calibri" panose="020F0502020204030204" pitchFamily="34" charset="0"/>
+                          <a:cs typeface="Times New Roman" panose="02020603050405020304" pitchFamily="18" charset="0"/>
+                        </a:rPr>
+                        <m:t>𝒍</m:t>
+                      </m:r>
+                      <m:r>
+                        <a:rPr lang="en-US" sz="1800" b="1" i="1">
+                          <a:effectLst/>
+                          <a:latin typeface="Cambria Math" panose="02040503050406030204" pitchFamily="18" charset="0"/>
+                          <a:ea typeface="Calibri" panose="020F0502020204030204" pitchFamily="34" charset="0"/>
+                          <a:cs typeface="Times New Roman" panose="02020603050405020304" pitchFamily="18" charset="0"/>
+                        </a:rPr>
+                        <m:t>, </m:t>
+                      </m:r>
+                      <m:r>
+                        <a:rPr lang="en-US" sz="1800" b="1" i="1">
+                          <a:effectLst/>
+                          <a:latin typeface="Cambria Math" panose="02040503050406030204" pitchFamily="18" charset="0"/>
+                          <a:ea typeface="Calibri" panose="020F0502020204030204" pitchFamily="34" charset="0"/>
+                          <a:cs typeface="Times New Roman" panose="02020603050405020304" pitchFamily="18" charset="0"/>
+                        </a:rPr>
+                        <m:t>𝟎</m:t>
+                      </m:r>
+                      <m:r>
+                        <a:rPr lang="en-US" sz="1800" b="1" i="1">
+                          <a:effectLst/>
+                          <a:latin typeface="Cambria Math" panose="02040503050406030204" pitchFamily="18" charset="0"/>
+                          <a:ea typeface="Calibri" panose="020F0502020204030204" pitchFamily="34" charset="0"/>
+                          <a:cs typeface="Times New Roman" panose="02020603050405020304" pitchFamily="18" charset="0"/>
+                        </a:rPr>
+                        <m:t>≤</m:t>
+                      </m:r>
+                      <m:r>
+                        <a:rPr lang="en-US" sz="1800" b="1" i="1">
+                          <a:effectLst/>
+                          <a:latin typeface="Cambria Math" panose="02040503050406030204" pitchFamily="18" charset="0"/>
+                          <a:ea typeface="Calibri" panose="020F0502020204030204" pitchFamily="34" charset="0"/>
+                          <a:cs typeface="Times New Roman" panose="02020603050405020304" pitchFamily="18" charset="0"/>
+                        </a:rPr>
+                        <m:t>𝒋</m:t>
+                      </m:r>
+                      <m:r>
+                        <a:rPr lang="en-US" sz="1800" b="1" i="1">
+                          <a:effectLst/>
+                          <a:latin typeface="Cambria Math" panose="02040503050406030204" pitchFamily="18" charset="0"/>
+                          <a:ea typeface="Calibri" panose="020F0502020204030204" pitchFamily="34" charset="0"/>
+                          <a:cs typeface="Times New Roman" panose="02020603050405020304" pitchFamily="18" charset="0"/>
+                        </a:rPr>
+                        <m:t>≤</m:t>
+                      </m:r>
+                      <m:r>
+                        <a:rPr lang="en-US" sz="1800" b="1" i="1">
+                          <a:effectLst/>
+                          <a:latin typeface="Cambria Math" panose="02040503050406030204" pitchFamily="18" charset="0"/>
+                          <a:ea typeface="Calibri" panose="020F0502020204030204" pitchFamily="34" charset="0"/>
+                          <a:cs typeface="Times New Roman" panose="02020603050405020304" pitchFamily="18" charset="0"/>
+                        </a:rPr>
+                        <m:t>𝒘</m:t>
+                      </m:r>
+                    </m:oMath>
+                  </m:oMathPara>
+                </a14:m>
+                <a:endParaRPr lang="ru-RU" dirty="0">
+                  <a:latin typeface="Times New Roman" panose="02020603050405020304" pitchFamily="18" charset="0"/>
+                  <a:ea typeface="Cambria Math" panose="02040503050406030204" pitchFamily="18" charset="0"/>
+                  <a:cs typeface="Times New Roman" panose="02020603050405020304" pitchFamily="18" charset="0"/>
+                </a:endParaRPr>
+              </a:p>
+              <a:p>
+                <a:pPr marL="0" indent="0">
+                  <a:buNone/>
+                </a:pPr>
+                <a:r>
+                  <a:rPr lang="ru-RU" dirty="0">
+                    <a:latin typeface="Times New Roman" panose="02020603050405020304" pitchFamily="18" charset="0"/>
+                    <a:ea typeface="Cambria Math" panose="02040503050406030204" pitchFamily="18" charset="0"/>
+                    <a:cs typeface="Times New Roman" panose="02020603050405020304" pitchFamily="18" charset="0"/>
+                  </a:rPr>
+                  <a:t>или, в общем виде:</a:t>
+                </a:r>
+              </a:p>
+              <a:p>
+                <a:pPr marL="0" indent="0">
+                  <a:buNone/>
+                </a:pPr>
+                <a14:m>
+                  <m:oMathPara xmlns:m="http://schemas.openxmlformats.org/officeDocument/2006/math">
+                    <m:oMathParaPr>
+                      <m:jc m:val="center"/>
+                    </m:oMathParaPr>
+                    <m:oMath xmlns:m="http://schemas.openxmlformats.org/officeDocument/2006/math">
+                      <m:r>
+                        <a:rPr lang="ru-RU" sz="1800" b="1" i="1" smtClean="0">
+                          <a:effectLst/>
+                          <a:latin typeface="Cambria Math" panose="02040503050406030204" pitchFamily="18" charset="0"/>
+                          <a:ea typeface="Calibri" panose="020F0502020204030204" pitchFamily="34" charset="0"/>
+                          <a:cs typeface="Times New Roman" panose="02020603050405020304" pitchFamily="18" charset="0"/>
+                        </a:rPr>
+                        <m:t>𝑽𝑶𝑪</m:t>
+                      </m:r>
+                      <m:r>
+                        <a:rPr lang="ru-RU" sz="1800" b="1" i="1" smtClean="0">
+                          <a:effectLst/>
+                          <a:latin typeface="Cambria Math" panose="02040503050406030204" pitchFamily="18" charset="0"/>
+                          <a:ea typeface="Calibri" panose="020F0502020204030204" pitchFamily="34" charset="0"/>
+                          <a:cs typeface="Times New Roman" panose="02020603050405020304" pitchFamily="18" charset="0"/>
+                        </a:rPr>
+                        <m:t>=</m:t>
+                      </m:r>
+                      <m:r>
+                        <a:rPr lang="ru-RU" sz="1800" b="1" i="1" smtClean="0">
+                          <a:effectLst/>
+                          <a:latin typeface="Cambria Math" panose="02040503050406030204" pitchFamily="18" charset="0"/>
+                          <a:ea typeface="Calibri" panose="020F0502020204030204" pitchFamily="34" charset="0"/>
+                          <a:cs typeface="Times New Roman" panose="02020603050405020304" pitchFamily="18" charset="0"/>
+                        </a:rPr>
+                        <m:t>𝒌</m:t>
+                      </m:r>
+                      <m:r>
+                        <a:rPr lang="ru-RU" sz="1800" b="1" i="1" smtClean="0">
+                          <a:effectLst/>
+                          <a:latin typeface="Cambria Math" panose="02040503050406030204" pitchFamily="18" charset="0"/>
+                          <a:ea typeface="Calibri" panose="020F0502020204030204" pitchFamily="34" charset="0"/>
+                          <a:cs typeface="Times New Roman" panose="02020603050405020304" pitchFamily="18" charset="0"/>
+                        </a:rPr>
+                        <m:t>∗</m:t>
+                      </m:r>
+                      <m:r>
+                        <a:rPr lang="ru-RU" sz="1800" b="1" i="1" smtClean="0">
+                          <a:effectLst/>
+                          <a:latin typeface="Cambria Math" panose="02040503050406030204" pitchFamily="18" charset="0"/>
+                          <a:ea typeface="Calibri" panose="020F0502020204030204" pitchFamily="34" charset="0"/>
+                          <a:cs typeface="Times New Roman" panose="02020603050405020304" pitchFamily="18" charset="0"/>
+                        </a:rPr>
+                        <m:t>𝑴𝑪</m:t>
+                      </m:r>
+                    </m:oMath>
+                  </m:oMathPara>
+                </a14:m>
+                <a:endParaRPr lang="ru-RU" dirty="0">
+                  <a:latin typeface="Times New Roman" panose="02020603050405020304" pitchFamily="18" charset="0"/>
+                  <a:ea typeface="Cambria Math" panose="02040503050406030204" pitchFamily="18" charset="0"/>
+                  <a:cs typeface="Times New Roman" panose="02020603050405020304" pitchFamily="18" charset="0"/>
+                </a:endParaRPr>
+              </a:p>
+              <a:p>
+                <a:pPr marL="0" indent="0">
+                  <a:buNone/>
+                </a:pPr>
+                <a:r>
+                  <a:rPr lang="ru-RU" dirty="0">
+                    <a:latin typeface="Times New Roman" panose="02020603050405020304" pitchFamily="18" charset="0"/>
+                    <a:ea typeface="Cambria Math" panose="02040503050406030204" pitchFamily="18" charset="0"/>
+                    <a:cs typeface="Times New Roman" panose="02020603050405020304" pitchFamily="18" charset="0"/>
+                  </a:rPr>
+                  <a:t>где </a:t>
+                </a:r>
+                <a:r>
+                  <a:rPr lang="en-US" dirty="0">
+                    <a:latin typeface="Times New Roman" panose="02020603050405020304" pitchFamily="18" charset="0"/>
+                    <a:ea typeface="Cambria Math" panose="02040503050406030204" pitchFamily="18" charset="0"/>
+                    <a:cs typeface="Times New Roman" panose="02020603050405020304" pitchFamily="18" charset="0"/>
+                  </a:rPr>
+                  <a:t>VOC – </a:t>
+                </a:r>
+                <a:r>
+                  <a:rPr lang="ru-RU" dirty="0">
+                    <a:latin typeface="Times New Roman" panose="02020603050405020304" pitchFamily="18" charset="0"/>
+                    <a:ea typeface="Cambria Math" panose="02040503050406030204" pitchFamily="18" charset="0"/>
+                    <a:cs typeface="Times New Roman" panose="02020603050405020304" pitchFamily="18" charset="0"/>
+                  </a:rPr>
+                  <a:t>вектор-столбец длиной </a:t>
+                </a:r>
+                <a:r>
+                  <a:rPr lang="en-US" dirty="0">
+                    <a:latin typeface="Times New Roman" panose="02020603050405020304" pitchFamily="18" charset="0"/>
+                    <a:ea typeface="Cambria Math" panose="02040503050406030204" pitchFamily="18" charset="0"/>
+                    <a:cs typeface="Times New Roman" panose="02020603050405020304" pitchFamily="18" charset="0"/>
+                  </a:rPr>
+                  <a:t>l*w</a:t>
+                </a:r>
+              </a:p>
+              <a:p>
+                <a:pPr marL="0" indent="0">
+                  <a:buNone/>
+                </a:pPr>
+                <a:r>
+                  <a:rPr lang="en-US" dirty="0">
+                    <a:latin typeface="Times New Roman" panose="02020603050405020304" pitchFamily="18" charset="0"/>
+                    <a:ea typeface="Cambria Math" panose="02040503050406030204" pitchFamily="18" charset="0"/>
+                    <a:cs typeface="Times New Roman" panose="02020603050405020304" pitchFamily="18" charset="0"/>
+                  </a:rPr>
+                  <a:t>k – </a:t>
+                </a:r>
+                <a:r>
+                  <a:rPr lang="ru-RU" dirty="0">
+                    <a:latin typeface="Times New Roman" panose="02020603050405020304" pitchFamily="18" charset="0"/>
+                    <a:ea typeface="Cambria Math" panose="02040503050406030204" pitchFamily="18" charset="0"/>
+                    <a:cs typeface="Times New Roman" panose="02020603050405020304" pitchFamily="18" charset="0"/>
+                  </a:rPr>
+                  <a:t>матрица размером (</a:t>
+                </a:r>
+                <a:r>
+                  <a:rPr lang="en-US" dirty="0">
+                    <a:latin typeface="Times New Roman" panose="02020603050405020304" pitchFamily="18" charset="0"/>
+                    <a:ea typeface="Cambria Math" panose="02040503050406030204" pitchFamily="18" charset="0"/>
+                    <a:cs typeface="Times New Roman" panose="02020603050405020304" pitchFamily="18" charset="0"/>
+                  </a:rPr>
+                  <a:t>l*w, l*w),</a:t>
+                </a:r>
+              </a:p>
+              <a:p>
+                <a:pPr marL="0" indent="0">
+                  <a:buNone/>
+                </a:pPr>
+                <a:r>
+                  <a:rPr lang="en-US" dirty="0">
+                    <a:latin typeface="Times New Roman" panose="02020603050405020304" pitchFamily="18" charset="0"/>
+                    <a:ea typeface="Cambria Math" panose="02040503050406030204" pitchFamily="18" charset="0"/>
+                    <a:cs typeface="Times New Roman" panose="02020603050405020304" pitchFamily="18" charset="0"/>
+                  </a:rPr>
+                  <a:t>MC – </a:t>
+                </a:r>
+                <a:r>
+                  <a:rPr lang="ru-RU" dirty="0">
+                    <a:latin typeface="Times New Roman" panose="02020603050405020304" pitchFamily="18" charset="0"/>
+                    <a:ea typeface="Cambria Math" panose="02040503050406030204" pitchFamily="18" charset="0"/>
+                    <a:cs typeface="Times New Roman" panose="02020603050405020304" pitchFamily="18" charset="0"/>
+                  </a:rPr>
+                  <a:t>вектор-столбец длиной </a:t>
+                </a:r>
+                <a:r>
+                  <a:rPr lang="en-US" dirty="0">
+                    <a:latin typeface="Times New Roman" panose="02020603050405020304" pitchFamily="18" charset="0"/>
+                    <a:ea typeface="Cambria Math" panose="02040503050406030204" pitchFamily="18" charset="0"/>
+                    <a:cs typeface="Times New Roman" panose="02020603050405020304" pitchFamily="18" charset="0"/>
+                  </a:rPr>
+                  <a:t>l*w</a:t>
+                </a:r>
+                <a:r>
+                  <a:rPr lang="ru-RU">
+                    <a:latin typeface="Times New Roman" panose="02020603050405020304" pitchFamily="18" charset="0"/>
+                    <a:ea typeface="Cambria Math" panose="02040503050406030204" pitchFamily="18" charset="0"/>
+                    <a:cs typeface="Times New Roman" panose="02020603050405020304" pitchFamily="18" charset="0"/>
+                  </a:rPr>
+                  <a:t>.</a:t>
+                </a:r>
+              </a:p>
+              <a:p>
+                <a:pPr marL="0" indent="0">
+                  <a:buNone/>
+                </a:pPr>
+                <a:endParaRPr lang="en-US" dirty="0">
+                  <a:latin typeface="Times New Roman" panose="02020603050405020304" pitchFamily="18" charset="0"/>
+                  <a:ea typeface="Cambria Math" panose="02040503050406030204" pitchFamily="18" charset="0"/>
+                  <a:cs typeface="Times New Roman" panose="02020603050405020304" pitchFamily="18" charset="0"/>
+                </a:endParaRPr>
+              </a:p>
+            </p:txBody>
+          </p:sp>
+        </mc:Choice>
+        <mc:Fallback>
+          <p:sp>
+            <p:nvSpPr>
+              <p:cNvPr id="3" name="Объект 2">
+                <a:extLst>
+                  <a:ext uri="{FF2B5EF4-FFF2-40B4-BE49-F238E27FC236}">
+                    <a16:creationId xmlns:a16="http://schemas.microsoft.com/office/drawing/2014/main" id="{3E6F392D-E3B1-71C7-0DB6-6BA932BACBDE}"/>
+                  </a:ext>
+                </a:extLst>
+              </p:cNvPr>
+              <p:cNvSpPr>
+                <a:spLocks noGrp="1" noRot="1" noChangeAspect="1" noMove="1" noResize="1" noEditPoints="1" noAdjustHandles="1" noChangeArrowheads="1" noChangeShapeType="1" noTextEdit="1"/>
+              </p:cNvSpPr>
+              <p:nvPr>
+                <p:ph idx="1"/>
+              </p:nvPr>
+            </p:nvSpPr>
+            <p:spPr>
+              <a:xfrm>
+                <a:off x="1139483" y="1540189"/>
+                <a:ext cx="10902461" cy="5018228"/>
+              </a:xfrm>
+              <a:blipFill>
+                <a:blip r:embed="rId2"/>
+                <a:stretch>
+                  <a:fillRect l="-503" t="-729"/>
+                </a:stretch>
+              </a:blipFill>
+            </p:spPr>
+            <p:txBody>
+              <a:bodyPr/>
+              <a:lstStyle/>
+              <a:p>
+                <a:r>
+                  <a:rPr lang="ru-RU">
+                    <a:noFill/>
+                  </a:rPr>
+                  <a:t> </a:t>
+                </a:r>
+              </a:p>
+            </p:txBody>
+          </p:sp>
+        </mc:Fallback>
+      </mc:AlternateContent>
+      <p:sp>
+        <p:nvSpPr>
+          <p:cNvPr id="4" name="Номер слайда 3">
+            <a:extLst>
+              <a:ext uri="{FF2B5EF4-FFF2-40B4-BE49-F238E27FC236}">
+                <a16:creationId xmlns:a16="http://schemas.microsoft.com/office/drawing/2014/main" id="{A26FF043-980D-D8B1-8AF4-82DB102BE564}"/>
+              </a:ext>
+            </a:extLst>
+          </p:cNvPr>
+          <p:cNvSpPr>
+            <a:spLocks noGrp="1"/>
+          </p:cNvSpPr>
+          <p:nvPr>
+            <p:ph type="sldNum" sz="quarter" idx="12"/>
+          </p:nvPr>
+        </p:nvSpPr>
+        <p:spPr/>
+        <p:txBody>
+          <a:bodyPr/>
+          <a:lstStyle/>
+          <a:p>
+            <a:fld id="{03C0CC59-6802-44A9-9AE1-B9BD1C008210}" type="slidenum">
+              <a:rPr lang="ru-RU" smtClean="0"/>
+              <a:t>7</a:t>
+            </a:fld>
+            <a:endParaRPr lang="ru-RU"/>
+          </a:p>
+        </p:txBody>
+      </p:sp>
+    </p:spTree>
+    <p:extLst>
+      <p:ext uri="{BB962C8B-B14F-4D97-AF65-F5344CB8AC3E}">
+        <p14:creationId xmlns:p14="http://schemas.microsoft.com/office/powerpoint/2010/main" val="3681721786"/>
+      </p:ext>
+    </p:extLst>
+  </p:cSld>
+  <p:clrMapOvr>
+    <a:masterClrMapping/>
+  </p:clrMapOvr>
+  <p:transition spd="slow">
+    <p:wipe/>
+  </p:transition>
 </p:sld>
 </file>
 
